--- a/PLPTH813Bioinformatis/2019/labs/lab08_phylogeny.pptx
+++ b/PLPTH813Bioinformatis/2019/labs/lab08_phylogeny.pptx
@@ -20,9 +20,9 @@
     <p:sldId id="314" r:id="rId11"/>
     <p:sldId id="315" r:id="rId12"/>
     <p:sldId id="316" r:id="rId13"/>
-    <p:sldId id="324" r:id="rId14"/>
-    <p:sldId id="318" r:id="rId15"/>
-    <p:sldId id="322" r:id="rId16"/>
+    <p:sldId id="318" r:id="rId14"/>
+    <p:sldId id="322" r:id="rId15"/>
+    <p:sldId id="324" r:id="rId16"/>
     <p:sldId id="317" r:id="rId17"/>
     <p:sldId id="320" r:id="rId18"/>
     <p:sldId id="319" r:id="rId19"/>
@@ -210,7 +210,7 @@
           <a:p>
             <a:fld id="{08E6E0A8-E17C-C949-B17E-7A1A6494483A}" type="datetimeFigureOut">
               <a:rPr lang="en-US" smtClean="0"/>
-              <a:t>3/27/19</a:t>
+              <a:t>3/30/19</a:t>
             </a:fld>
             <a:endParaRPr lang="en-US"/>
           </a:p>
@@ -750,7 +750,7 @@
           <a:p>
             <a:fld id="{42B8B0BE-C8D7-EB48-AD68-71DB5002F24B}" type="datetimeFigureOut">
               <a:rPr lang="en-US" smtClean="0"/>
-              <a:t>3/27/19</a:t>
+              <a:t>3/30/19</a:t>
             </a:fld>
             <a:endParaRPr lang="en-US"/>
           </a:p>
@@ -920,7 +920,7 @@
           <a:p>
             <a:fld id="{42B8B0BE-C8D7-EB48-AD68-71DB5002F24B}" type="datetimeFigureOut">
               <a:rPr lang="en-US" smtClean="0"/>
-              <a:t>3/27/19</a:t>
+              <a:t>3/30/19</a:t>
             </a:fld>
             <a:endParaRPr lang="en-US"/>
           </a:p>
@@ -1100,7 +1100,7 @@
           <a:p>
             <a:fld id="{42B8B0BE-C8D7-EB48-AD68-71DB5002F24B}" type="datetimeFigureOut">
               <a:rPr lang="en-US" smtClean="0"/>
-              <a:t>3/27/19</a:t>
+              <a:t>3/30/19</a:t>
             </a:fld>
             <a:endParaRPr lang="en-US"/>
           </a:p>
@@ -1270,7 +1270,7 @@
           <a:p>
             <a:fld id="{42B8B0BE-C8D7-EB48-AD68-71DB5002F24B}" type="datetimeFigureOut">
               <a:rPr lang="en-US" smtClean="0"/>
-              <a:t>3/27/19</a:t>
+              <a:t>3/30/19</a:t>
             </a:fld>
             <a:endParaRPr lang="en-US"/>
           </a:p>
@@ -1516,7 +1516,7 @@
           <a:p>
             <a:fld id="{42B8B0BE-C8D7-EB48-AD68-71DB5002F24B}" type="datetimeFigureOut">
               <a:rPr lang="en-US" smtClean="0"/>
-              <a:t>3/27/19</a:t>
+              <a:t>3/30/19</a:t>
             </a:fld>
             <a:endParaRPr lang="en-US"/>
           </a:p>
@@ -1804,7 +1804,7 @@
           <a:p>
             <a:fld id="{42B8B0BE-C8D7-EB48-AD68-71DB5002F24B}" type="datetimeFigureOut">
               <a:rPr lang="en-US" smtClean="0"/>
-              <a:t>3/27/19</a:t>
+              <a:t>3/30/19</a:t>
             </a:fld>
             <a:endParaRPr lang="en-US"/>
           </a:p>
@@ -2226,7 +2226,7 @@
           <a:p>
             <a:fld id="{42B8B0BE-C8D7-EB48-AD68-71DB5002F24B}" type="datetimeFigureOut">
               <a:rPr lang="en-US" smtClean="0"/>
-              <a:t>3/27/19</a:t>
+              <a:t>3/30/19</a:t>
             </a:fld>
             <a:endParaRPr lang="en-US"/>
           </a:p>
@@ -2344,7 +2344,7 @@
           <a:p>
             <a:fld id="{42B8B0BE-C8D7-EB48-AD68-71DB5002F24B}" type="datetimeFigureOut">
               <a:rPr lang="en-US" smtClean="0"/>
-              <a:t>3/27/19</a:t>
+              <a:t>3/30/19</a:t>
             </a:fld>
             <a:endParaRPr lang="en-US"/>
           </a:p>
@@ -2439,7 +2439,7 @@
           <a:p>
             <a:fld id="{42B8B0BE-C8D7-EB48-AD68-71DB5002F24B}" type="datetimeFigureOut">
               <a:rPr lang="en-US" smtClean="0"/>
-              <a:t>3/27/19</a:t>
+              <a:t>3/30/19</a:t>
             </a:fld>
             <a:endParaRPr lang="en-US"/>
           </a:p>
@@ -2716,7 +2716,7 @@
           <a:p>
             <a:fld id="{42B8B0BE-C8D7-EB48-AD68-71DB5002F24B}" type="datetimeFigureOut">
               <a:rPr lang="en-US" smtClean="0"/>
-              <a:t>3/27/19</a:t>
+              <a:t>3/30/19</a:t>
             </a:fld>
             <a:endParaRPr lang="en-US"/>
           </a:p>
@@ -2969,7 +2969,7 @@
           <a:p>
             <a:fld id="{42B8B0BE-C8D7-EB48-AD68-71DB5002F24B}" type="datetimeFigureOut">
               <a:rPr lang="en-US" smtClean="0"/>
-              <a:t>3/27/19</a:t>
+              <a:t>3/30/19</a:t>
             </a:fld>
             <a:endParaRPr lang="en-US"/>
           </a:p>
@@ -3182,7 +3182,7 @@
           <a:p>
             <a:fld id="{42B8B0BE-C8D7-EB48-AD68-71DB5002F24B}" type="datetimeFigureOut">
               <a:rPr lang="en-US" smtClean="0"/>
-              <a:t>3/27/19</a:t>
+              <a:t>3/30/19</a:t>
             </a:fld>
             <a:endParaRPr lang="en-US"/>
           </a:p>
@@ -4597,291 +4597,145 @@
           <a:p>
             <a:r>
               <a:rPr lang="en-US" dirty="0" smtClean="0"/>
-              <a:t>Tree</a:t>
+              <a:t>output a </a:t>
+            </a:r>
+            <a:r>
+              <a:rPr lang="en-US" dirty="0" err="1" smtClean="0"/>
+              <a:t>Newick</a:t>
+            </a:r>
+            <a:r>
+              <a:rPr lang="en-US" dirty="0" smtClean="0"/>
+              <a:t> file</a:t>
             </a:r>
             <a:endParaRPr lang="en-US" dirty="0"/>
           </a:p>
         </p:txBody>
       </p:sp>
-      <p:pic>
-        <p:nvPicPr>
-          <p:cNvPr id="4" name="Picture 3"/>
-          <p:cNvPicPr>
-            <a:picLocks noChangeAspect="1"/>
-          </p:cNvPicPr>
-          <p:nvPr/>
-        </p:nvPicPr>
-        <p:blipFill>
-          <a:blip r:embed="rId2"/>
-          <a:stretch>
-            <a:fillRect/>
-          </a:stretch>
-        </p:blipFill>
+      <p:sp>
+        <p:nvSpPr>
+          <p:cNvPr id="3" name="Content Placeholder 2"/>
+          <p:cNvSpPr>
+            <a:spLocks noGrp="1"/>
+          </p:cNvSpPr>
+          <p:nvPr>
+            <p:ph idx="1"/>
+          </p:nvPr>
+        </p:nvSpPr>
         <p:spPr>
           <a:xfrm>
-            <a:off x="723900" y="1181100"/>
-            <a:ext cx="6083300" cy="5334000"/>
+            <a:off x="190500" y="1772115"/>
+            <a:ext cx="8953500" cy="1325796"/>
           </a:xfrm>
-          <a:prstGeom prst="rect">
-            <a:avLst/>
-          </a:prstGeom>
         </p:spPr>
-      </p:pic>
-      <p:sp>
-        <p:nvSpPr>
-          <p:cNvPr id="5" name="Rectangle 4"/>
-          <p:cNvSpPr/>
-          <p:nvPr/>
-        </p:nvSpPr>
-        <p:spPr>
-          <a:xfrm>
-            <a:off x="7023100" y="1859340"/>
-            <a:ext cx="1816100" cy="3139321"/>
-          </a:xfrm>
-          <a:prstGeom prst="rect">
-            <a:avLst/>
-          </a:prstGeom>
-        </p:spPr>
-        <p:txBody>
-          <a:bodyPr wrap="square">
-            <a:spAutoFit/>
-          </a:bodyPr>
-          <a:lstStyle/>
-          <a:p>
-            <a:r>
-              <a:rPr lang="en-US" dirty="0"/>
-              <a:t>&gt; </a:t>
-            </a:r>
-            <a:r>
-              <a:rPr lang="en-US" dirty="0" err="1"/>
-              <a:t>td$edge</a:t>
-            </a:r>
-            <a:endParaRPr lang="en-US" dirty="0"/>
-          </a:p>
-          <a:p>
-            <a:r>
-              <a:rPr lang="en-US" dirty="0"/>
-              <a:t>      [,1] [,2]</a:t>
-            </a:r>
-          </a:p>
-          <a:p>
-            <a:r>
-              <a:rPr lang="en-US" dirty="0"/>
-              <a:t> [1,]    7    1</a:t>
-            </a:r>
-          </a:p>
-          <a:p>
-            <a:r>
-              <a:rPr lang="en-US" dirty="0"/>
-              <a:t> [2,]    7    2</a:t>
-            </a:r>
-          </a:p>
-          <a:p>
-            <a:r>
-              <a:rPr lang="en-US" dirty="0"/>
-              <a:t> [3,]    7    8</a:t>
-            </a:r>
-          </a:p>
-          <a:p>
-            <a:r>
-              <a:rPr lang="en-US" dirty="0"/>
-              <a:t> [4,]    8    9</a:t>
-            </a:r>
-          </a:p>
-          <a:p>
-            <a:r>
-              <a:rPr lang="en-US" dirty="0"/>
-              <a:t> [5,]    9   10</a:t>
-            </a:r>
-          </a:p>
-          <a:p>
-            <a:r>
-              <a:rPr lang="en-US" dirty="0"/>
-              <a:t> [6,]   10    3</a:t>
-            </a:r>
-          </a:p>
-          <a:p>
-            <a:r>
-              <a:rPr lang="en-US" dirty="0"/>
-              <a:t> [7,]   10    4</a:t>
-            </a:r>
-          </a:p>
-          <a:p>
-            <a:r>
-              <a:rPr lang="en-US" dirty="0"/>
-              <a:t> [8,]    9    5</a:t>
-            </a:r>
-          </a:p>
-          <a:p>
-            <a:r>
-              <a:rPr lang="en-US" dirty="0"/>
-              <a:t> [9,]    8    6</a:t>
-            </a:r>
-          </a:p>
-        </p:txBody>
-      </p:sp>
-      <p:sp>
-        <p:nvSpPr>
-          <p:cNvPr id="6" name="TextBox 5"/>
-          <p:cNvSpPr txBox="1"/>
-          <p:nvPr/>
-        </p:nvSpPr>
-        <p:spPr>
-          <a:xfrm>
-            <a:off x="2501900" y="2730500"/>
-            <a:ext cx="366657" cy="523220"/>
-          </a:xfrm>
-          <a:prstGeom prst="rect">
-            <a:avLst/>
-          </a:prstGeom>
-          <a:noFill/>
-        </p:spPr>
-        <p:txBody>
-          <a:bodyPr wrap="none" rtlCol="0">
-            <a:spAutoFit/>
-          </a:bodyPr>
-          <a:lstStyle/>
-          <a:p>
-            <a:r>
-              <a:rPr lang="en-US" sz="2800" dirty="0">
-                <a:solidFill>
-                  <a:srgbClr val="FF0000"/>
-                </a:solidFill>
-              </a:rPr>
-              <a:t>8</a:t>
-            </a:r>
-            <a:endParaRPr lang="en-US" sz="2800" dirty="0">
-              <a:solidFill>
-                <a:srgbClr val="FF0000"/>
-              </a:solidFill>
-            </a:endParaRPr>
-          </a:p>
-        </p:txBody>
-      </p:sp>
-      <p:sp>
-        <p:nvSpPr>
-          <p:cNvPr id="7" name="TextBox 6"/>
-          <p:cNvSpPr txBox="1"/>
-          <p:nvPr/>
-        </p:nvSpPr>
-        <p:spPr>
-          <a:xfrm>
-            <a:off x="4318000" y="3558520"/>
-            <a:ext cx="366657" cy="523220"/>
-          </a:xfrm>
-          <a:prstGeom prst="rect">
-            <a:avLst/>
-          </a:prstGeom>
-          <a:noFill/>
-        </p:spPr>
-        <p:txBody>
-          <a:bodyPr wrap="none" rtlCol="0">
-            <a:spAutoFit/>
-          </a:bodyPr>
-          <a:lstStyle/>
-          <a:p>
-            <a:r>
-              <a:rPr lang="en-US" sz="2800" dirty="0">
-                <a:solidFill>
-                  <a:srgbClr val="FF0000"/>
-                </a:solidFill>
-              </a:rPr>
-              <a:t>9</a:t>
-            </a:r>
-            <a:endParaRPr lang="en-US" sz="2800" dirty="0">
-              <a:solidFill>
-                <a:srgbClr val="FF0000"/>
-              </a:solidFill>
-            </a:endParaRPr>
-          </a:p>
-        </p:txBody>
-      </p:sp>
-      <p:sp>
-        <p:nvSpPr>
-          <p:cNvPr id="8" name="TextBox 7"/>
-          <p:cNvSpPr txBox="1"/>
-          <p:nvPr/>
-        </p:nvSpPr>
-        <p:spPr>
-          <a:xfrm>
-            <a:off x="1231900" y="1859340"/>
-            <a:ext cx="366657" cy="523220"/>
-          </a:xfrm>
-          <a:prstGeom prst="rect">
-            <a:avLst/>
-          </a:prstGeom>
-          <a:noFill/>
-        </p:spPr>
-        <p:txBody>
-          <a:bodyPr wrap="none" rtlCol="0">
-            <a:spAutoFit/>
-          </a:bodyPr>
-          <a:lstStyle/>
-          <a:p>
-            <a:r>
-              <a:rPr lang="en-US" sz="2800" dirty="0" smtClean="0">
-                <a:solidFill>
-                  <a:srgbClr val="FF0000"/>
-                </a:solidFill>
-              </a:rPr>
-              <a:t>7</a:t>
-            </a:r>
-            <a:endParaRPr lang="en-US" sz="2800" dirty="0">
-              <a:solidFill>
-                <a:srgbClr val="FF0000"/>
-              </a:solidFill>
-            </a:endParaRPr>
-          </a:p>
-        </p:txBody>
-      </p:sp>
-      <p:sp>
-        <p:nvSpPr>
-          <p:cNvPr id="9" name="TextBox 8"/>
-          <p:cNvSpPr txBox="1"/>
-          <p:nvPr/>
-        </p:nvSpPr>
-        <p:spPr>
-          <a:xfrm>
-            <a:off x="464371" y="1833940"/>
-            <a:ext cx="548648" cy="523220"/>
-          </a:xfrm>
-          <a:prstGeom prst="rect">
-            <a:avLst/>
-          </a:prstGeom>
-          <a:noFill/>
-        </p:spPr>
-        <p:txBody>
-          <a:bodyPr wrap="none" rtlCol="0">
-            <a:spAutoFit/>
-          </a:bodyPr>
-          <a:lstStyle/>
-          <a:p>
-            <a:r>
-              <a:rPr lang="en-US" sz="2800" dirty="0" smtClean="0">
-                <a:solidFill>
-                  <a:srgbClr val="FF0000"/>
-                </a:solidFill>
-              </a:rPr>
-              <a:t>10</a:t>
-            </a:r>
-            <a:endParaRPr lang="en-US" sz="2800" dirty="0">
-              <a:solidFill>
-                <a:srgbClr val="FF0000"/>
-              </a:solidFill>
-            </a:endParaRPr>
+        <p:txBody>
+          <a:bodyPr/>
+          <a:lstStyle/>
+          <a:p>
+            <a:pPr marL="0" indent="0">
+              <a:buNone/>
+            </a:pPr>
+            <a:r>
+              <a:rPr lang="en-US" dirty="0">
+                <a:latin typeface="Courier"/>
+                <a:cs typeface="Courier"/>
+              </a:rPr>
+              <a:t>### </a:t>
+            </a:r>
+            <a:r>
+              <a:rPr lang="en-US" dirty="0" err="1">
+                <a:latin typeface="Courier"/>
+                <a:cs typeface="Courier"/>
+              </a:rPr>
+              <a:t>newick</a:t>
+            </a:r>
+            <a:r>
+              <a:rPr lang="en-US" dirty="0">
+                <a:latin typeface="Courier"/>
+                <a:cs typeface="Courier"/>
+              </a:rPr>
+              <a:t> output</a:t>
+            </a:r>
+          </a:p>
+          <a:p>
+            <a:pPr marL="0" indent="0">
+              <a:buNone/>
+            </a:pPr>
+            <a:r>
+              <a:rPr lang="en-US" sz="2200" dirty="0" err="1">
+                <a:latin typeface="Courier"/>
+                <a:cs typeface="Courier"/>
+              </a:rPr>
+              <a:t>write.tree</a:t>
+            </a:r>
+            <a:r>
+              <a:rPr lang="en-US" sz="2200" dirty="0">
+                <a:latin typeface="Courier"/>
+                <a:cs typeface="Courier"/>
+              </a:rPr>
+              <a:t>(</a:t>
+            </a:r>
+            <a:r>
+              <a:rPr lang="en-US" sz="2200" dirty="0" err="1">
+                <a:latin typeface="Courier"/>
+                <a:cs typeface="Courier"/>
+              </a:rPr>
+              <a:t>njs.tree</a:t>
+            </a:r>
+            <a:r>
+              <a:rPr lang="en-US" sz="2200" dirty="0">
+                <a:latin typeface="Courier"/>
+                <a:cs typeface="Courier"/>
+              </a:rPr>
+              <a:t>, file = </a:t>
+            </a:r>
+            <a:r>
+              <a:rPr lang="en-US" sz="2200" dirty="0" smtClean="0">
+                <a:latin typeface="Courier"/>
+                <a:cs typeface="Courier"/>
+              </a:rPr>
+              <a:t>"</a:t>
+            </a:r>
+            <a:r>
+              <a:rPr lang="en-US" sz="2200" dirty="0" err="1" smtClean="0">
+                <a:latin typeface="Courier"/>
+                <a:cs typeface="Courier"/>
+              </a:rPr>
+              <a:t>example.tree.newick</a:t>
+            </a:r>
+            <a:r>
+              <a:rPr lang="en-US" sz="2200" dirty="0" smtClean="0">
+                <a:latin typeface="Courier"/>
+                <a:cs typeface="Courier"/>
+              </a:rPr>
+              <a:t>"</a:t>
+            </a:r>
+            <a:r>
+              <a:rPr lang="en-US" sz="2200" dirty="0">
+                <a:latin typeface="Courier"/>
+                <a:cs typeface="Courier"/>
+              </a:rPr>
+              <a:t>)</a:t>
+            </a:r>
           </a:p>
         </p:txBody>
       </p:sp>
     </p:spTree>
     <p:extLst>
       <p:ext uri="{BB962C8B-B14F-4D97-AF65-F5344CB8AC3E}">
-        <p14:creationId xmlns:p14="http://schemas.microsoft.com/office/powerpoint/2010/main" val="305328412"/>
+        <p14:creationId xmlns:p14="http://schemas.microsoft.com/office/powerpoint/2010/main" val="294653280"/>
       </p:ext>
     </p:extLst>
   </p:cSld>
   <p:clrMapOvr>
     <a:masterClrMapping/>
   </p:clrMapOvr>
+  <p:timing>
+    <p:tnLst>
+      <p:par>
+        <p:cTn xmlns:p14="http://schemas.microsoft.com/office/powerpoint/2010/main" id="1" dur="indefinite" restart="never" nodeType="tmRoot"/>
+      </p:par>
+    </p:tnLst>
+  </p:timing>
 </p:sld>
 </file>
 
@@ -4919,15 +4773,7 @@
           <a:p>
             <a:r>
               <a:rPr lang="en-US" dirty="0" smtClean="0"/>
-              <a:t>output a </a:t>
-            </a:r>
-            <a:r>
-              <a:rPr lang="en-US" dirty="0" err="1" smtClean="0"/>
-              <a:t>Newick</a:t>
-            </a:r>
-            <a:r>
-              <a:rPr lang="en-US" dirty="0" smtClean="0"/>
-              <a:t> file</a:t>
+              <a:t>tree summary</a:t>
             </a:r>
             <a:endParaRPr lang="en-US" dirty="0"/>
           </a:p>
@@ -4945,8 +4791,8 @@
         </p:nvSpPr>
         <p:spPr>
           <a:xfrm>
-            <a:off x="190500" y="1772115"/>
-            <a:ext cx="8953500" cy="1325796"/>
+            <a:off x="457200" y="1384876"/>
+            <a:ext cx="8229600" cy="3364523"/>
           </a:xfrm>
         </p:spPr>
         <p:txBody>
@@ -4961,90 +4807,229 @@
                 <a:latin typeface="Courier"/>
                 <a:cs typeface="Courier"/>
               </a:rPr>
-              <a:t>### </a:t>
+              <a:t>### load tree information to R</a:t>
+            </a:r>
+          </a:p>
+          <a:p>
+            <a:pPr marL="0" indent="0">
+              <a:buNone/>
+            </a:pPr>
+            <a:r>
+              <a:rPr lang="en-US" dirty="0" smtClean="0">
+                <a:latin typeface="Courier"/>
+                <a:cs typeface="Courier"/>
+              </a:rPr>
+              <a:t>td </a:t>
+            </a:r>
+            <a:r>
+              <a:rPr lang="en-US" dirty="0">
+                <a:latin typeface="Courier"/>
+                <a:cs typeface="Courier"/>
+              </a:rPr>
+              <a:t>&lt;- </a:t>
             </a:r>
             <a:r>
               <a:rPr lang="en-US" dirty="0" err="1">
                 <a:latin typeface="Courier"/>
                 <a:cs typeface="Courier"/>
               </a:rPr>
-              <a:t>newick</a:t>
+              <a:t>read.tree</a:t>
             </a:r>
             <a:r>
               <a:rPr lang="en-US" dirty="0">
                 <a:latin typeface="Courier"/>
                 <a:cs typeface="Courier"/>
               </a:rPr>
-              <a:t> output</a:t>
-            </a:r>
-          </a:p>
-          <a:p>
-            <a:pPr marL="0" indent="0">
-              <a:buNone/>
-            </a:pPr>
-            <a:r>
-              <a:rPr lang="en-US" sz="2200" dirty="0" err="1">
-                <a:latin typeface="Courier"/>
-                <a:cs typeface="Courier"/>
-              </a:rPr>
-              <a:t>write.tree</a:t>
-            </a:r>
-            <a:r>
-              <a:rPr lang="en-US" sz="2200" dirty="0">
-                <a:latin typeface="Courier"/>
-                <a:cs typeface="Courier"/>
-              </a:rPr>
               <a:t>(</a:t>
             </a:r>
             <a:r>
-              <a:rPr lang="en-US" sz="2200" dirty="0" err="1">
-                <a:latin typeface="Courier"/>
-                <a:cs typeface="Courier"/>
-              </a:rPr>
-              <a:t>njs.tree</a:t>
-            </a:r>
-            <a:r>
-              <a:rPr lang="en-US" sz="2200" dirty="0">
-                <a:latin typeface="Courier"/>
-                <a:cs typeface="Courier"/>
-              </a:rPr>
-              <a:t>, file = </a:t>
-            </a:r>
-            <a:r>
-              <a:rPr lang="en-US" sz="2200" dirty="0" smtClean="0">
+              <a:rPr lang="en-US" dirty="0" smtClean="0">
                 <a:latin typeface="Courier"/>
                 <a:cs typeface="Courier"/>
               </a:rPr>
               <a:t>"</a:t>
             </a:r>
             <a:r>
-              <a:rPr lang="en-US" sz="2200" dirty="0" err="1" smtClean="0">
+              <a:rPr lang="en-US" dirty="0" err="1" smtClean="0">
                 <a:latin typeface="Courier"/>
                 <a:cs typeface="Courier"/>
               </a:rPr>
               <a:t>example.tree.newick</a:t>
             </a:r>
             <a:r>
-              <a:rPr lang="en-US" sz="2200" dirty="0" smtClean="0">
+              <a:rPr lang="en-US" dirty="0" smtClean="0">
                 <a:latin typeface="Courier"/>
                 <a:cs typeface="Courier"/>
               </a:rPr>
               <a:t>"</a:t>
             </a:r>
             <a:r>
-              <a:rPr lang="en-US" sz="2200" dirty="0">
+              <a:rPr lang="en-US" dirty="0">
                 <a:latin typeface="Courier"/>
                 <a:cs typeface="Courier"/>
               </a:rPr>
               <a:t>)</a:t>
             </a:r>
+          </a:p>
+          <a:p>
+            <a:pPr marL="0" indent="0">
+              <a:buNone/>
+            </a:pPr>
+            <a:r>
+              <a:rPr lang="en-US" dirty="0">
+                <a:latin typeface="Courier"/>
+                <a:cs typeface="Courier"/>
+              </a:rPr>
+              <a:t>summary</a:t>
+            </a:r>
+            <a:r>
+              <a:rPr lang="en-US" dirty="0" smtClean="0">
+                <a:latin typeface="Courier"/>
+                <a:cs typeface="Courier"/>
+              </a:rPr>
+              <a:t>(td)</a:t>
+            </a:r>
+            <a:endParaRPr lang="en-US" dirty="0">
+              <a:latin typeface="Courier"/>
+              <a:cs typeface="Courier"/>
+            </a:endParaRPr>
+          </a:p>
+          <a:p>
+            <a:pPr marL="0" indent="0">
+              <a:buNone/>
+            </a:pPr>
+            <a:r>
+              <a:rPr lang="en-US" dirty="0" err="1" smtClean="0">
+                <a:latin typeface="Courier"/>
+                <a:cs typeface="Courier"/>
+              </a:rPr>
+              <a:t>td$</a:t>
+            </a:r>
+            <a:r>
+              <a:rPr lang="en-US" dirty="0" err="1">
+                <a:latin typeface="Courier"/>
+                <a:cs typeface="Courier"/>
+              </a:rPr>
+              <a:t>edge</a:t>
+            </a:r>
+            <a:endParaRPr lang="en-US" dirty="0">
+              <a:latin typeface="Courier"/>
+              <a:cs typeface="Courier"/>
+            </a:endParaRPr>
+          </a:p>
+          <a:p>
+            <a:pPr marL="0" indent="0">
+              <a:buNone/>
+            </a:pPr>
+            <a:r>
+              <a:rPr lang="en-US" dirty="0" err="1" smtClean="0">
+                <a:latin typeface="Courier"/>
+                <a:cs typeface="Courier"/>
+              </a:rPr>
+              <a:t>td$</a:t>
+            </a:r>
+            <a:r>
+              <a:rPr lang="en-US" dirty="0" err="1">
+                <a:latin typeface="Courier"/>
+                <a:cs typeface="Courier"/>
+              </a:rPr>
+              <a:t>Nnode</a:t>
+            </a:r>
+            <a:endParaRPr lang="en-US" dirty="0">
+              <a:latin typeface="Courier"/>
+              <a:cs typeface="Courier"/>
+            </a:endParaRPr>
+          </a:p>
+          <a:p>
+            <a:pPr marL="0" indent="0">
+              <a:buNone/>
+            </a:pPr>
+            <a:r>
+              <a:rPr lang="en-US" dirty="0" err="1" smtClean="0">
+                <a:latin typeface="Courier"/>
+                <a:cs typeface="Courier"/>
+              </a:rPr>
+              <a:t>td$</a:t>
+            </a:r>
+            <a:r>
+              <a:rPr lang="en-US" dirty="0" err="1">
+                <a:latin typeface="Courier"/>
+                <a:cs typeface="Courier"/>
+              </a:rPr>
+              <a:t>tip.label</a:t>
+            </a:r>
+            <a:endParaRPr lang="en-US" dirty="0">
+              <a:latin typeface="Courier"/>
+              <a:cs typeface="Courier"/>
+            </a:endParaRPr>
+          </a:p>
+          <a:p>
+            <a:pPr marL="0" indent="0">
+              <a:buNone/>
+            </a:pPr>
+            <a:r>
+              <a:rPr lang="en-US" dirty="0" err="1" smtClean="0">
+                <a:latin typeface="Courier"/>
+                <a:cs typeface="Courier"/>
+              </a:rPr>
+              <a:t>td$</a:t>
+            </a:r>
+            <a:r>
+              <a:rPr lang="en-US" dirty="0" err="1">
+                <a:latin typeface="Courier"/>
+                <a:cs typeface="Courier"/>
+              </a:rPr>
+              <a:t>edge.length</a:t>
+            </a:r>
+            <a:endParaRPr lang="en-US" dirty="0">
+              <a:latin typeface="Courier"/>
+              <a:cs typeface="Courier"/>
+            </a:endParaRPr>
+          </a:p>
+        </p:txBody>
+      </p:sp>
+      <p:sp>
+        <p:nvSpPr>
+          <p:cNvPr id="4" name="TextBox 3"/>
+          <p:cNvSpPr txBox="1"/>
+          <p:nvPr/>
+        </p:nvSpPr>
+        <p:spPr>
+          <a:xfrm>
+            <a:off x="2150882" y="5461442"/>
+            <a:ext cx="4997256" cy="523220"/>
+          </a:xfrm>
+          <a:prstGeom prst="rect">
+            <a:avLst/>
+          </a:prstGeom>
+          <a:noFill/>
+        </p:spPr>
+        <p:txBody>
+          <a:bodyPr wrap="none" rtlCol="0">
+            <a:spAutoFit/>
+          </a:bodyPr>
+          <a:lstStyle/>
+          <a:p>
+            <a:r>
+              <a:rPr lang="en-US" sz="2800" dirty="0" smtClean="0">
+                <a:solidFill>
+                  <a:srgbClr val="FF0000"/>
+                </a:solidFill>
+              </a:rPr>
+              <a:t>compare data to the tree (graph)</a:t>
+            </a:r>
+            <a:endParaRPr lang="en-US" sz="2800" dirty="0">
+              <a:solidFill>
+                <a:srgbClr val="FF0000"/>
+              </a:solidFill>
+            </a:endParaRPr>
           </a:p>
         </p:txBody>
       </p:sp>
     </p:spTree>
     <p:extLst>
       <p:ext uri="{BB962C8B-B14F-4D97-AF65-F5344CB8AC3E}">
-        <p14:creationId xmlns:p14="http://schemas.microsoft.com/office/powerpoint/2010/main" val="294653280"/>
+        <p14:creationId xmlns:p14="http://schemas.microsoft.com/office/powerpoint/2010/main" val="402151405"/>
       </p:ext>
     </p:extLst>
   </p:cSld>
@@ -5095,245 +5080,139 @@
           <a:p>
             <a:r>
               <a:rPr lang="en-US" dirty="0" smtClean="0"/>
-              <a:t>tree summary</a:t>
+              <a:t>Tree</a:t>
             </a:r>
             <a:endParaRPr lang="en-US" dirty="0"/>
           </a:p>
         </p:txBody>
       </p:sp>
-      <p:sp>
-        <p:nvSpPr>
-          <p:cNvPr id="3" name="Content Placeholder 2"/>
-          <p:cNvSpPr>
-            <a:spLocks noGrp="1"/>
-          </p:cNvSpPr>
-          <p:nvPr>
-            <p:ph idx="1"/>
-          </p:nvPr>
-        </p:nvSpPr>
+      <p:pic>
+        <p:nvPicPr>
+          <p:cNvPr id="4" name="Picture 3"/>
+          <p:cNvPicPr>
+            <a:picLocks noChangeAspect="1"/>
+          </p:cNvPicPr>
+          <p:nvPr/>
+        </p:nvPicPr>
+        <p:blipFill>
+          <a:blip r:embed="rId2"/>
+          <a:stretch>
+            <a:fillRect/>
+          </a:stretch>
+        </p:blipFill>
         <p:spPr>
           <a:xfrm>
-            <a:off x="457200" y="1384876"/>
-            <a:ext cx="8229600" cy="3364523"/>
+            <a:off x="723900" y="1181100"/>
+            <a:ext cx="6083300" cy="5334000"/>
           </a:xfrm>
+          <a:prstGeom prst="rect">
+            <a:avLst/>
+          </a:prstGeom>
         </p:spPr>
-        <p:txBody>
-          <a:bodyPr/>
-          <a:lstStyle/>
-          <a:p>
-            <a:pPr marL="0" indent="0">
-              <a:buNone/>
-            </a:pPr>
-            <a:r>
-              <a:rPr lang="en-US" dirty="0">
-                <a:latin typeface="Courier"/>
-                <a:cs typeface="Courier"/>
-              </a:rPr>
-              <a:t>### load tree information to R</a:t>
-            </a:r>
-          </a:p>
-          <a:p>
-            <a:pPr marL="0" indent="0">
-              <a:buNone/>
-            </a:pPr>
-            <a:r>
-              <a:rPr lang="en-US" dirty="0" smtClean="0">
-                <a:latin typeface="Courier"/>
-                <a:cs typeface="Courier"/>
-              </a:rPr>
-              <a:t>td </a:t>
-            </a:r>
-            <a:r>
-              <a:rPr lang="en-US" dirty="0">
-                <a:latin typeface="Courier"/>
-                <a:cs typeface="Courier"/>
-              </a:rPr>
-              <a:t>&lt;- </a:t>
-            </a:r>
-            <a:r>
-              <a:rPr lang="en-US" dirty="0" err="1">
-                <a:latin typeface="Courier"/>
-                <a:cs typeface="Courier"/>
-              </a:rPr>
-              <a:t>read.tree</a:t>
-            </a:r>
-            <a:r>
-              <a:rPr lang="en-US" dirty="0">
-                <a:latin typeface="Courier"/>
-                <a:cs typeface="Courier"/>
-              </a:rPr>
-              <a:t>(</a:t>
-            </a:r>
-            <a:r>
-              <a:rPr lang="en-US" dirty="0" smtClean="0">
-                <a:latin typeface="Courier"/>
-                <a:cs typeface="Courier"/>
-              </a:rPr>
-              <a:t>"</a:t>
-            </a:r>
-            <a:r>
-              <a:rPr lang="en-US" dirty="0" err="1" smtClean="0">
-                <a:latin typeface="Courier"/>
-                <a:cs typeface="Courier"/>
-              </a:rPr>
-              <a:t>example.</a:t>
-            </a:r>
-            <a:r>
-              <a:rPr lang="en-US" dirty="0" err="1" smtClean="0">
-                <a:latin typeface="Courier"/>
-                <a:cs typeface="Courier"/>
-              </a:rPr>
-              <a:t>tree</a:t>
-            </a:r>
-            <a:r>
-              <a:rPr lang="en-US" dirty="0" err="1" smtClean="0">
-                <a:latin typeface="Courier"/>
-                <a:cs typeface="Courier"/>
-              </a:rPr>
-              <a:t>.newick</a:t>
-            </a:r>
-            <a:r>
-              <a:rPr lang="en-US" dirty="0" smtClean="0">
-                <a:latin typeface="Courier"/>
-                <a:cs typeface="Courier"/>
-              </a:rPr>
-              <a:t>"</a:t>
-            </a:r>
-            <a:r>
-              <a:rPr lang="en-US" dirty="0">
-                <a:latin typeface="Courier"/>
-                <a:cs typeface="Courier"/>
-              </a:rPr>
-              <a:t>)</a:t>
-            </a:r>
-          </a:p>
-          <a:p>
-            <a:pPr marL="0" indent="0">
-              <a:buNone/>
-            </a:pPr>
-            <a:r>
-              <a:rPr lang="en-US" dirty="0">
-                <a:latin typeface="Courier"/>
-                <a:cs typeface="Courier"/>
-              </a:rPr>
-              <a:t>summary</a:t>
-            </a:r>
-            <a:r>
-              <a:rPr lang="en-US" dirty="0" smtClean="0">
-                <a:latin typeface="Courier"/>
-                <a:cs typeface="Courier"/>
-              </a:rPr>
-              <a:t>(td)</a:t>
-            </a:r>
-            <a:endParaRPr lang="en-US" dirty="0">
-              <a:latin typeface="Courier"/>
-              <a:cs typeface="Courier"/>
-            </a:endParaRPr>
-          </a:p>
-          <a:p>
-            <a:pPr marL="0" indent="0">
-              <a:buNone/>
-            </a:pPr>
-            <a:r>
-              <a:rPr lang="en-US" dirty="0" err="1" smtClean="0">
-                <a:latin typeface="Courier"/>
-                <a:cs typeface="Courier"/>
-              </a:rPr>
-              <a:t>td$</a:t>
-            </a:r>
-            <a:r>
-              <a:rPr lang="en-US" dirty="0" err="1">
-                <a:latin typeface="Courier"/>
-                <a:cs typeface="Courier"/>
-              </a:rPr>
-              <a:t>edge</a:t>
-            </a:r>
-            <a:endParaRPr lang="en-US" dirty="0">
-              <a:latin typeface="Courier"/>
-              <a:cs typeface="Courier"/>
-            </a:endParaRPr>
-          </a:p>
-          <a:p>
-            <a:pPr marL="0" indent="0">
-              <a:buNone/>
-            </a:pPr>
-            <a:r>
-              <a:rPr lang="en-US" dirty="0" err="1" smtClean="0">
-                <a:latin typeface="Courier"/>
-                <a:cs typeface="Courier"/>
-              </a:rPr>
-              <a:t>td$</a:t>
-            </a:r>
-            <a:r>
-              <a:rPr lang="en-US" dirty="0" err="1">
-                <a:latin typeface="Courier"/>
-                <a:cs typeface="Courier"/>
-              </a:rPr>
-              <a:t>Nnode</a:t>
-            </a:r>
-            <a:endParaRPr lang="en-US" dirty="0">
-              <a:latin typeface="Courier"/>
-              <a:cs typeface="Courier"/>
-            </a:endParaRPr>
-          </a:p>
-          <a:p>
-            <a:pPr marL="0" indent="0">
-              <a:buNone/>
-            </a:pPr>
-            <a:r>
-              <a:rPr lang="en-US" dirty="0" err="1" smtClean="0">
-                <a:latin typeface="Courier"/>
-                <a:cs typeface="Courier"/>
-              </a:rPr>
-              <a:t>td$</a:t>
-            </a:r>
-            <a:r>
-              <a:rPr lang="en-US" dirty="0" err="1">
-                <a:latin typeface="Courier"/>
-                <a:cs typeface="Courier"/>
-              </a:rPr>
-              <a:t>tip.label</a:t>
-            </a:r>
-            <a:endParaRPr lang="en-US" dirty="0">
-              <a:latin typeface="Courier"/>
-              <a:cs typeface="Courier"/>
-            </a:endParaRPr>
-          </a:p>
-          <a:p>
-            <a:pPr marL="0" indent="0">
-              <a:buNone/>
-            </a:pPr>
-            <a:r>
-              <a:rPr lang="en-US" dirty="0" err="1" smtClean="0">
-                <a:latin typeface="Courier"/>
-                <a:cs typeface="Courier"/>
-              </a:rPr>
-              <a:t>td$</a:t>
-            </a:r>
-            <a:r>
-              <a:rPr lang="en-US" dirty="0" err="1">
-                <a:latin typeface="Courier"/>
-                <a:cs typeface="Courier"/>
-              </a:rPr>
-              <a:t>edge.length</a:t>
-            </a:r>
-            <a:endParaRPr lang="en-US" dirty="0">
-              <a:latin typeface="Courier"/>
-              <a:cs typeface="Courier"/>
-            </a:endParaRPr>
-          </a:p>
-        </p:txBody>
-      </p:sp>
-      <p:sp>
-        <p:nvSpPr>
-          <p:cNvPr id="4" name="TextBox 3"/>
+      </p:pic>
+      <p:sp>
+        <p:nvSpPr>
+          <p:cNvPr id="5" name="Rectangle 4"/>
+          <p:cNvSpPr/>
+          <p:nvPr/>
+        </p:nvSpPr>
+        <p:spPr>
+          <a:xfrm>
+            <a:off x="7023100" y="1859340"/>
+            <a:ext cx="1816100" cy="3139321"/>
+          </a:xfrm>
+          <a:prstGeom prst="rect">
+            <a:avLst/>
+          </a:prstGeom>
+        </p:spPr>
+        <p:txBody>
+          <a:bodyPr wrap="square">
+            <a:spAutoFit/>
+          </a:bodyPr>
+          <a:lstStyle/>
+          <a:p>
+            <a:r>
+              <a:rPr lang="en-US" dirty="0"/>
+              <a:t>&gt; </a:t>
+            </a:r>
+            <a:r>
+              <a:rPr lang="en-US" dirty="0" err="1"/>
+              <a:t>td$edge</a:t>
+            </a:r>
+            <a:endParaRPr lang="en-US" dirty="0"/>
+          </a:p>
+          <a:p>
+            <a:r>
+              <a:rPr lang="en-US" dirty="0"/>
+              <a:t>      [,1] [,2]</a:t>
+            </a:r>
+          </a:p>
+          <a:p>
+            <a:r>
+              <a:rPr lang="en-US" dirty="0"/>
+              <a:t> [1,]    7    1</a:t>
+            </a:r>
+          </a:p>
+          <a:p>
+            <a:r>
+              <a:rPr lang="en-US" dirty="0"/>
+              <a:t> [2,]    7    2</a:t>
+            </a:r>
+          </a:p>
+          <a:p>
+            <a:r>
+              <a:rPr lang="en-US" dirty="0"/>
+              <a:t> [3,]    7    8</a:t>
+            </a:r>
+          </a:p>
+          <a:p>
+            <a:r>
+              <a:rPr lang="en-US" dirty="0"/>
+              <a:t> [4,]    8    9</a:t>
+            </a:r>
+          </a:p>
+          <a:p>
+            <a:r>
+              <a:rPr lang="en-US" dirty="0"/>
+              <a:t> [5,]    9   10</a:t>
+            </a:r>
+          </a:p>
+          <a:p>
+            <a:r>
+              <a:rPr lang="en-US" dirty="0"/>
+              <a:t> [6,]   10    3</a:t>
+            </a:r>
+          </a:p>
+          <a:p>
+            <a:r>
+              <a:rPr lang="en-US" dirty="0"/>
+              <a:t> [7,]   10    4</a:t>
+            </a:r>
+          </a:p>
+          <a:p>
+            <a:r>
+              <a:rPr lang="en-US" dirty="0"/>
+              <a:t> [8,]    9    5</a:t>
+            </a:r>
+          </a:p>
+          <a:p>
+            <a:r>
+              <a:rPr lang="en-US" dirty="0"/>
+              <a:t> [9,]    8    6</a:t>
+            </a:r>
+          </a:p>
+        </p:txBody>
+      </p:sp>
+      <p:sp>
+        <p:nvSpPr>
+          <p:cNvPr id="6" name="TextBox 5"/>
           <p:cNvSpPr txBox="1"/>
           <p:nvPr/>
         </p:nvSpPr>
         <p:spPr>
           <a:xfrm>
-            <a:off x="2150882" y="5461442"/>
-            <a:ext cx="4997256" cy="523220"/>
+            <a:off x="2501900" y="2730500"/>
+            <a:ext cx="366657" cy="523220"/>
           </a:xfrm>
           <a:prstGeom prst="rect">
             <a:avLst/>
@@ -5347,12 +5226,78 @@
           <a:lstStyle/>
           <a:p>
             <a:r>
+              <a:rPr lang="en-US" sz="2800" dirty="0">
+                <a:solidFill>
+                  <a:srgbClr val="FF0000"/>
+                </a:solidFill>
+              </a:rPr>
+              <a:t>8</a:t>
+            </a:r>
+          </a:p>
+        </p:txBody>
+      </p:sp>
+      <p:sp>
+        <p:nvSpPr>
+          <p:cNvPr id="7" name="TextBox 6"/>
+          <p:cNvSpPr txBox="1"/>
+          <p:nvPr/>
+        </p:nvSpPr>
+        <p:spPr>
+          <a:xfrm>
+            <a:off x="4318000" y="3558520"/>
+            <a:ext cx="366657" cy="523220"/>
+          </a:xfrm>
+          <a:prstGeom prst="rect">
+            <a:avLst/>
+          </a:prstGeom>
+          <a:noFill/>
+        </p:spPr>
+        <p:txBody>
+          <a:bodyPr wrap="none" rtlCol="0">
+            <a:spAutoFit/>
+          </a:bodyPr>
+          <a:lstStyle/>
+          <a:p>
+            <a:r>
+              <a:rPr lang="en-US" sz="2800" dirty="0">
+                <a:solidFill>
+                  <a:srgbClr val="FF0000"/>
+                </a:solidFill>
+              </a:rPr>
+              <a:t>9</a:t>
+            </a:r>
+          </a:p>
+        </p:txBody>
+      </p:sp>
+      <p:sp>
+        <p:nvSpPr>
+          <p:cNvPr id="8" name="TextBox 7"/>
+          <p:cNvSpPr txBox="1"/>
+          <p:nvPr/>
+        </p:nvSpPr>
+        <p:spPr>
+          <a:xfrm>
+            <a:off x="1231900" y="1859340"/>
+            <a:ext cx="366657" cy="523220"/>
+          </a:xfrm>
+          <a:prstGeom prst="rect">
+            <a:avLst/>
+          </a:prstGeom>
+          <a:noFill/>
+        </p:spPr>
+        <p:txBody>
+          <a:bodyPr wrap="none" rtlCol="0">
+            <a:spAutoFit/>
+          </a:bodyPr>
+          <a:lstStyle/>
+          <a:p>
+            <a:r>
               <a:rPr lang="en-US" sz="2800" dirty="0" smtClean="0">
                 <a:solidFill>
                   <a:srgbClr val="FF0000"/>
                 </a:solidFill>
               </a:rPr>
-              <a:t>compare data to the tree (graph)</a:t>
+              <a:t>7</a:t>
             </a:r>
             <a:endParaRPr lang="en-US" sz="2800" dirty="0">
               <a:solidFill>
@@ -5362,10 +5307,48 @@
           </a:p>
         </p:txBody>
       </p:sp>
+      <p:sp>
+        <p:nvSpPr>
+          <p:cNvPr id="9" name="TextBox 8"/>
+          <p:cNvSpPr txBox="1"/>
+          <p:nvPr/>
+        </p:nvSpPr>
+        <p:spPr>
+          <a:xfrm>
+            <a:off x="413290" y="5071233"/>
+            <a:ext cx="548648" cy="523220"/>
+          </a:xfrm>
+          <a:prstGeom prst="rect">
+            <a:avLst/>
+          </a:prstGeom>
+          <a:noFill/>
+        </p:spPr>
+        <p:txBody>
+          <a:bodyPr wrap="none" rtlCol="0">
+            <a:spAutoFit/>
+          </a:bodyPr>
+          <a:lstStyle/>
+          <a:p>
+            <a:r>
+              <a:rPr lang="en-US" sz="2800" dirty="0" smtClean="0">
+                <a:solidFill>
+                  <a:srgbClr val="FF0000"/>
+                </a:solidFill>
+              </a:rPr>
+              <a:t>10</a:t>
+            </a:r>
+            <a:endParaRPr lang="en-US" sz="2800" dirty="0">
+              <a:solidFill>
+                <a:srgbClr val="FF0000"/>
+              </a:solidFill>
+            </a:endParaRPr>
+          </a:p>
+        </p:txBody>
+      </p:sp>
     </p:spTree>
     <p:extLst>
       <p:ext uri="{BB962C8B-B14F-4D97-AF65-F5344CB8AC3E}">
-        <p14:creationId xmlns:p14="http://schemas.microsoft.com/office/powerpoint/2010/main" val="402151405"/>
+        <p14:creationId xmlns:p14="http://schemas.microsoft.com/office/powerpoint/2010/main" val="250880939"/>
       </p:ext>
     </p:extLst>
   </p:cSld>
@@ -5439,7 +5422,9 @@
           </a:xfrm>
         </p:spPr>
         <p:txBody>
-          <a:bodyPr/>
+          <a:bodyPr>
+            <a:normAutofit/>
+          </a:bodyPr>
           <a:lstStyle/>
           <a:p>
             <a:pPr>
@@ -5448,21 +5433,10 @@
               </a:lnSpc>
             </a:pPr>
             <a:r>
-              <a:rPr lang="en-US" dirty="0" smtClean="0"/>
-              <a:t>color-highlight the tips of "2" and "4"</a:t>
-            </a:r>
-          </a:p>
-          <a:p>
-            <a:pPr>
-              <a:lnSpc>
-                <a:spcPct val="150000"/>
-              </a:lnSpc>
-            </a:pPr>
-            <a:r>
-              <a:rPr lang="en-US" dirty="0" smtClean="0"/>
-              <a:t>color-highlight the edges (clades) with the tips of  "1", "5", "6" </a:t>
-            </a:r>
-            <a:endParaRPr lang="en-US" dirty="0"/>
+              <a:rPr lang="en-US" sz="3200" dirty="0" smtClean="0"/>
+              <a:t>color-highlight the tips of "2" and "4" </a:t>
+            </a:r>
+            <a:endParaRPr lang="en-US" sz="3200" dirty="0"/>
           </a:p>
         </p:txBody>
       </p:sp>
@@ -5563,18 +5537,11 @@
               <a:t> &lt;- </a:t>
             </a:r>
             <a:r>
-              <a:rPr lang="en-US" sz="1600" dirty="0" err="1">
-                <a:latin typeface="Courier"/>
-                <a:cs typeface="Courier"/>
-              </a:rPr>
-              <a:t>njs.tree$</a:t>
-            </a:r>
-            <a:r>
               <a:rPr lang="en-US" sz="1600" dirty="0" err="1" smtClean="0">
                 <a:latin typeface="Courier"/>
                 <a:cs typeface="Courier"/>
               </a:rPr>
-              <a:t>tip.label</a:t>
+              <a:t>td$tip.label</a:t>
             </a:r>
             <a:endParaRPr lang="en-US" sz="1600" dirty="0" smtClean="0">
               <a:latin typeface="Courier"/>
@@ -5774,39 +5741,46 @@
               <a:t>plot.phylo</a:t>
             </a:r>
             <a:r>
+              <a:rPr lang="en-US" sz="1600" dirty="0" smtClean="0">
+                <a:latin typeface="Courier"/>
+                <a:cs typeface="Courier"/>
+              </a:rPr>
+              <a:t>(</a:t>
+            </a:r>
+            <a:r>
+              <a:rPr lang="en-US" sz="1600" dirty="0" smtClean="0">
+                <a:latin typeface="Courier"/>
+                <a:cs typeface="Courier"/>
+              </a:rPr>
+              <a:t>td, </a:t>
+            </a:r>
+            <a:r>
+              <a:rPr lang="en-US" sz="1600" dirty="0" err="1">
+                <a:latin typeface="Courier"/>
+                <a:cs typeface="Courier"/>
+              </a:rPr>
+              <a:t>cex</a:t>
+            </a:r>
+            <a:r>
               <a:rPr lang="en-US" sz="1600" dirty="0">
                 <a:latin typeface="Courier"/>
                 <a:cs typeface="Courier"/>
               </a:rPr>
-              <a:t>(</a:t>
-            </a:r>
-            <a:r>
-              <a:rPr lang="en-US" sz="1600" dirty="0" err="1">
-                <a:latin typeface="Courier"/>
-                <a:cs typeface="Courier"/>
-              </a:rPr>
-              <a:t>ht</a:t>
+              <a:t> = </a:t>
+            </a:r>
+            <a:r>
+              <a:rPr lang="en-US" sz="1600" dirty="0" smtClean="0">
+                <a:latin typeface="Courier"/>
+                <a:cs typeface="Courier"/>
+              </a:rPr>
+              <a:t>2</a:t>
             </a:r>
             <a:r>
               <a:rPr lang="en-US" sz="1600" dirty="0">
                 <a:latin typeface="Courier"/>
                 <a:cs typeface="Courier"/>
               </a:rPr>
-              <a:t>, </a:t>
-            </a:r>
-            <a:r>
-              <a:rPr lang="en-US" sz="1600" dirty="0" err="1">
-                <a:latin typeface="Courier"/>
-                <a:cs typeface="Courier"/>
-              </a:rPr>
-              <a:t>cex</a:t>
-            </a:r>
-            <a:r>
-              <a:rPr lang="en-US" sz="1600" dirty="0">
-                <a:latin typeface="Courier"/>
-                <a:cs typeface="Courier"/>
-              </a:rPr>
-              <a:t> = 0.2, type = "radial", </a:t>
+              <a:t>, type = "radial", </a:t>
             </a:r>
             <a:r>
               <a:rPr lang="en-US" sz="1600" dirty="0" err="1">
@@ -5928,8 +5902,8 @@
         </p:nvSpPr>
         <p:spPr>
           <a:xfrm>
-            <a:off x="457200" y="1772115"/>
-            <a:ext cx="8456119" cy="3060626"/>
+            <a:off x="457200" y="2541866"/>
+            <a:ext cx="8456119" cy="3449690"/>
           </a:xfrm>
         </p:spPr>
         <p:txBody>
@@ -5942,10 +5916,94 @@
               <a:buNone/>
             </a:pPr>
             <a:r>
+              <a:rPr lang="en-US" sz="2000" dirty="0" err="1" smtClean="0">
+                <a:latin typeface="Courier"/>
+                <a:cs typeface="Courier"/>
+              </a:rPr>
+              <a:t>nedges</a:t>
+            </a:r>
+            <a:r>
+              <a:rPr lang="en-US" sz="2000" dirty="0" smtClean="0">
+                <a:latin typeface="Courier"/>
+                <a:cs typeface="Courier"/>
+              </a:rPr>
+              <a:t> &lt;- </a:t>
+            </a:r>
+            <a:r>
+              <a:rPr lang="en-US" sz="2000" dirty="0" err="1" smtClean="0">
+                <a:latin typeface="Courier"/>
+                <a:cs typeface="Courier"/>
+              </a:rPr>
+              <a:t>td$</a:t>
+            </a:r>
+            <a:r>
+              <a:rPr lang="en-US" sz="2000" dirty="0" err="1" smtClean="0">
+                <a:latin typeface="Courier"/>
+                <a:cs typeface="Courier"/>
+              </a:rPr>
+              <a:t>edge</a:t>
+            </a:r>
+            <a:r>
+              <a:rPr lang="en-US" sz="2000" dirty="0" smtClean="0">
+                <a:latin typeface="Courier"/>
+                <a:cs typeface="Courier"/>
+              </a:rPr>
+              <a:t> # edge link with leaf and node IDs</a:t>
+            </a:r>
+          </a:p>
+          <a:p>
+            <a:pPr marL="0" indent="0">
+              <a:buNone/>
+            </a:pPr>
+            <a:r>
+              <a:rPr lang="en-US" sz="2000" dirty="0" smtClean="0">
+                <a:latin typeface="Courier"/>
+                <a:cs typeface="Courier"/>
+              </a:rPr>
+              <a:t># convert leaf IDs to leaf names</a:t>
+            </a:r>
+            <a:endParaRPr lang="en-US" sz="2000" dirty="0" smtClean="0">
+              <a:latin typeface="Courier"/>
+              <a:cs typeface="Courier"/>
+            </a:endParaRPr>
+          </a:p>
+          <a:p>
+            <a:pPr marL="0" indent="0">
+              <a:buNone/>
+            </a:pPr>
+            <a:r>
               <a:rPr lang="en-US" sz="2000" dirty="0" err="1">
                 <a:latin typeface="Courier"/>
                 <a:cs typeface="Courier"/>
               </a:rPr>
+              <a:t>leafnode.names</a:t>
+            </a:r>
+            <a:r>
+              <a:rPr lang="en-US" sz="2000" dirty="0">
+                <a:latin typeface="Courier"/>
+                <a:cs typeface="Courier"/>
+              </a:rPr>
+              <a:t> &lt;- </a:t>
+            </a:r>
+            <a:r>
+              <a:rPr lang="en-US" sz="2000" dirty="0" err="1">
+                <a:latin typeface="Courier"/>
+                <a:cs typeface="Courier"/>
+              </a:rPr>
+              <a:t>td$tip.label</a:t>
+            </a:r>
+            <a:r>
+              <a:rPr lang="en-US" sz="2000" dirty="0" smtClean="0">
+                <a:latin typeface="Courier"/>
+                <a:cs typeface="Courier"/>
+              </a:rPr>
+              <a:t>[</a:t>
+            </a:r>
+            <a:r>
+              <a:rPr lang="en-US" sz="2000" dirty="0" err="1" smtClean="0">
+                <a:latin typeface="Courier"/>
+                <a:cs typeface="Courier"/>
+              </a:rPr>
               <a:t>nedges</a:t>
             </a:r>
             <a:r>
@@ -5953,198 +6011,238 @@
                 <a:latin typeface="Courier"/>
                 <a:cs typeface="Courier"/>
               </a:rPr>
-              <a:t> &lt;- </a:t>
+              <a:t>[, 2</a:t>
+            </a:r>
+            <a:r>
+              <a:rPr lang="en-US" sz="2000" dirty="0" smtClean="0">
+                <a:latin typeface="Courier"/>
+                <a:cs typeface="Courier"/>
+              </a:rPr>
+              <a:t>]]</a:t>
+            </a:r>
+            <a:endParaRPr lang="en-US" sz="2000" dirty="0">
+              <a:latin typeface="Courier"/>
+              <a:cs typeface="Courier"/>
+            </a:endParaRPr>
+          </a:p>
+          <a:p>
+            <a:pPr marL="0" indent="0">
+              <a:buNone/>
+            </a:pPr>
+            <a:endParaRPr lang="en-US" sz="2000" dirty="0" smtClean="0">
+              <a:latin typeface="Courier"/>
+              <a:cs typeface="Courier"/>
+            </a:endParaRPr>
+          </a:p>
+          <a:p>
+            <a:pPr marL="0" indent="0">
+              <a:buNone/>
+            </a:pPr>
+            <a:r>
+              <a:rPr lang="en-US" sz="2000" dirty="0" err="1" smtClean="0">
+                <a:latin typeface="Courier"/>
+                <a:cs typeface="Courier"/>
+              </a:rPr>
+              <a:t>edge.cols</a:t>
+            </a:r>
+            <a:r>
+              <a:rPr lang="en-US" sz="2000" dirty="0" smtClean="0">
+                <a:latin typeface="Courier"/>
+                <a:cs typeface="Courier"/>
+              </a:rPr>
+              <a:t> </a:t>
+            </a:r>
+            <a:r>
+              <a:rPr lang="en-US" sz="2000" dirty="0">
+                <a:latin typeface="Courier"/>
+                <a:cs typeface="Courier"/>
+              </a:rPr>
+              <a:t>&lt;- rep("grey", </a:t>
             </a:r>
             <a:r>
               <a:rPr lang="en-US" sz="2000" dirty="0" err="1">
                 <a:latin typeface="Courier"/>
                 <a:cs typeface="Courier"/>
               </a:rPr>
-              <a:t>njs.tree$edge</a:t>
+              <a:t>nrow</a:t>
+            </a:r>
+            <a:r>
+              <a:rPr lang="en-US" sz="2000" dirty="0">
+                <a:latin typeface="Courier"/>
+                <a:cs typeface="Courier"/>
+              </a:rPr>
+              <a:t>(</a:t>
+            </a:r>
+            <a:r>
+              <a:rPr lang="en-US" sz="2000" dirty="0" err="1">
+                <a:latin typeface="Courier"/>
+                <a:cs typeface="Courier"/>
+              </a:rPr>
+              <a:t>nedges</a:t>
+            </a:r>
+            <a:r>
+              <a:rPr lang="en-US" sz="2000" dirty="0">
+                <a:latin typeface="Courier"/>
+                <a:cs typeface="Courier"/>
+              </a:rPr>
+              <a:t>))</a:t>
+            </a:r>
+          </a:p>
+          <a:p>
+            <a:pPr marL="0" indent="0">
+              <a:buNone/>
+            </a:pPr>
+            <a:r>
+              <a:rPr lang="en-US" sz="1800" dirty="0" err="1">
+                <a:latin typeface="Courier"/>
+                <a:cs typeface="Courier"/>
+              </a:rPr>
+              <a:t>edge.cols</a:t>
+            </a:r>
+            <a:r>
+              <a:rPr lang="en-US" sz="1800" dirty="0">
+                <a:latin typeface="Courier"/>
+                <a:cs typeface="Courier"/>
+              </a:rPr>
+              <a:t>[</a:t>
+            </a:r>
+            <a:r>
+              <a:rPr lang="en-US" sz="1800" dirty="0" err="1">
+                <a:latin typeface="Courier"/>
+                <a:cs typeface="Courier"/>
+              </a:rPr>
+              <a:t>leafnode.names</a:t>
+            </a:r>
+            <a:r>
+              <a:rPr lang="en-US" sz="1800" dirty="0">
+                <a:latin typeface="Courier"/>
+                <a:cs typeface="Courier"/>
+              </a:rPr>
+              <a:t>  %in% c("1", "5", "6")] &lt;- "red"</a:t>
+            </a:r>
+          </a:p>
+          <a:p>
+            <a:pPr marL="0" indent="0">
+              <a:buNone/>
+            </a:pPr>
+            <a:r>
+              <a:rPr lang="en-US" sz="2000" dirty="0" err="1">
+                <a:latin typeface="Courier"/>
+                <a:cs typeface="Courier"/>
+              </a:rPr>
+              <a:t>edge.cols</a:t>
+            </a:r>
+            <a:endParaRPr lang="en-US" sz="2000" dirty="0">
+              <a:latin typeface="Courier"/>
+              <a:cs typeface="Courier"/>
+            </a:endParaRPr>
+          </a:p>
+          <a:p>
+            <a:pPr marL="0" indent="0">
+              <a:buNone/>
+            </a:pPr>
+            <a:r>
+              <a:rPr lang="en-US" sz="2000" dirty="0" err="1" smtClean="0">
+                <a:latin typeface="Courier"/>
+                <a:cs typeface="Courier"/>
+              </a:rPr>
+              <a:t>plot.phylo</a:t>
+            </a:r>
+            <a:r>
+              <a:rPr lang="en-US" sz="2000" dirty="0">
+                <a:latin typeface="Courier"/>
+                <a:cs typeface="Courier"/>
+              </a:rPr>
+              <a:t>(td, </a:t>
+            </a:r>
+            <a:r>
+              <a:rPr lang="en-US" sz="2000" dirty="0" err="1">
+                <a:latin typeface="Courier"/>
+                <a:cs typeface="Courier"/>
+              </a:rPr>
+              <a:t>cex</a:t>
+            </a:r>
+            <a:r>
+              <a:rPr lang="en-US" sz="2000" dirty="0">
+                <a:latin typeface="Courier"/>
+                <a:cs typeface="Courier"/>
+              </a:rPr>
+              <a:t> = 2, </a:t>
+            </a:r>
+            <a:r>
+              <a:rPr lang="en-US" sz="2000" dirty="0" err="1">
+                <a:latin typeface="Courier"/>
+                <a:cs typeface="Courier"/>
+              </a:rPr>
+              <a:t>no.margin</a:t>
+            </a:r>
+            <a:r>
+              <a:rPr lang="en-US" sz="2000" dirty="0">
+                <a:latin typeface="Courier"/>
+                <a:cs typeface="Courier"/>
+              </a:rPr>
+              <a:t> = T, </a:t>
+            </a:r>
+            <a:r>
+              <a:rPr lang="en-US" sz="2000" dirty="0" err="1">
+                <a:latin typeface="Courier"/>
+                <a:cs typeface="Courier"/>
+              </a:rPr>
+              <a:t>edge.color</a:t>
+            </a:r>
+            <a:r>
+              <a:rPr lang="en-US" sz="2000" dirty="0">
+                <a:latin typeface="Courier"/>
+                <a:cs typeface="Courier"/>
+              </a:rPr>
+              <a:t> = </a:t>
+            </a:r>
+            <a:r>
+              <a:rPr lang="en-US" sz="2000" dirty="0" err="1">
+                <a:latin typeface="Courier"/>
+                <a:cs typeface="Courier"/>
+              </a:rPr>
+              <a:t>edge.cols</a:t>
+            </a:r>
+            <a:r>
+              <a:rPr lang="en-US" sz="2000" dirty="0" smtClean="0">
+                <a:latin typeface="Courier"/>
+                <a:cs typeface="Courier"/>
+              </a:rPr>
+              <a:t>)</a:t>
             </a:r>
             <a:endParaRPr lang="is-IS" sz="2000" dirty="0" smtClean="0">
               <a:latin typeface="Courier"/>
               <a:cs typeface="Courier"/>
             </a:endParaRPr>
           </a:p>
-          <a:p>
-            <a:pPr marL="0" indent="0">
-              <a:buNone/>
-            </a:pPr>
-            <a:r>
-              <a:rPr lang="is-IS" sz="2000" dirty="0" smtClean="0">
-                <a:latin typeface="Courier"/>
-                <a:cs typeface="Courier"/>
-              </a:rPr>
-              <a:t>edge.cols </a:t>
-            </a:r>
-            <a:r>
-              <a:rPr lang="is-IS" sz="2000" dirty="0">
-                <a:latin typeface="Courier"/>
-                <a:cs typeface="Courier"/>
-              </a:rPr>
-              <a:t>&lt;- </a:t>
-            </a:r>
-            <a:r>
-              <a:rPr lang="is-IS" sz="2000" dirty="0" smtClean="0">
-                <a:latin typeface="Courier"/>
-                <a:cs typeface="Courier"/>
-              </a:rPr>
-              <a:t>rep("</a:t>
-            </a:r>
-            <a:r>
-              <a:rPr lang="is-IS" sz="2000" dirty="0">
-                <a:latin typeface="Courier"/>
-                <a:cs typeface="Courier"/>
-              </a:rPr>
-              <a:t>grey", </a:t>
-            </a:r>
-            <a:r>
-              <a:rPr lang="is-IS" sz="2000" dirty="0" smtClean="0">
-                <a:latin typeface="Courier"/>
-                <a:cs typeface="Courier"/>
-              </a:rPr>
-              <a:t>length(nedges))</a:t>
-            </a:r>
-            <a:endParaRPr lang="is-IS" sz="2000" dirty="0">
-              <a:latin typeface="Courier"/>
-              <a:cs typeface="Courier"/>
-            </a:endParaRPr>
-          </a:p>
-          <a:p>
-            <a:pPr marL="0" indent="0">
-              <a:buNone/>
-            </a:pPr>
-            <a:r>
-              <a:rPr lang="is-IS" sz="2000" dirty="0">
-                <a:latin typeface="Courier"/>
-                <a:cs typeface="Courier"/>
-              </a:rPr>
-              <a:t>edge.cols[nedges[, 2] %in% c("1", "5", "6")] &lt;- "red</a:t>
-            </a:r>
-            <a:r>
-              <a:rPr lang="is-IS" sz="2000" dirty="0" smtClean="0">
-                <a:latin typeface="Courier"/>
-                <a:cs typeface="Courier"/>
-              </a:rPr>
-              <a:t>"</a:t>
-            </a:r>
-          </a:p>
-          <a:p>
-            <a:pPr marL="0" indent="0">
-              <a:buNone/>
-            </a:pPr>
-            <a:endParaRPr lang="is-IS" sz="2000" dirty="0">
-              <a:latin typeface="Courier"/>
-              <a:cs typeface="Courier"/>
-            </a:endParaRPr>
-          </a:p>
-          <a:p>
-            <a:pPr marL="0" indent="0">
-              <a:buNone/>
-            </a:pPr>
-            <a:r>
-              <a:rPr lang="en-US" sz="2000" dirty="0" err="1">
-                <a:latin typeface="Courier"/>
-                <a:cs typeface="Courier"/>
-              </a:rPr>
-              <a:t>plot.phylo</a:t>
-            </a:r>
-            <a:r>
-              <a:rPr lang="en-US" sz="2000" dirty="0" smtClean="0">
-                <a:latin typeface="Courier"/>
-                <a:cs typeface="Courier"/>
-              </a:rPr>
-              <a:t>(</a:t>
-            </a:r>
-            <a:r>
-              <a:rPr lang="en-US" sz="2000" dirty="0" err="1" smtClean="0">
-                <a:latin typeface="Courier"/>
-                <a:cs typeface="Courier"/>
-              </a:rPr>
-              <a:t>njs.tree</a:t>
-            </a:r>
-            <a:r>
-              <a:rPr lang="en-US" sz="2000" dirty="0" smtClean="0">
-                <a:latin typeface="Courier"/>
-                <a:cs typeface="Courier"/>
-              </a:rPr>
-              <a:t>, </a:t>
-            </a:r>
-            <a:r>
-              <a:rPr lang="en-US" sz="2000" dirty="0" err="1">
-                <a:latin typeface="Courier"/>
-                <a:cs typeface="Courier"/>
-              </a:rPr>
-              <a:t>cex</a:t>
-            </a:r>
-            <a:r>
-              <a:rPr lang="en-US" sz="2000" dirty="0">
-                <a:latin typeface="Courier"/>
-                <a:cs typeface="Courier"/>
-              </a:rPr>
-              <a:t> = </a:t>
-            </a:r>
-            <a:r>
-              <a:rPr lang="en-US" sz="2000" dirty="0" smtClean="0">
-                <a:latin typeface="Courier"/>
-                <a:cs typeface="Courier"/>
-              </a:rPr>
-              <a:t>2, </a:t>
-            </a:r>
-            <a:r>
-              <a:rPr lang="en-US" sz="2000" dirty="0" err="1">
-                <a:latin typeface="Courier"/>
-                <a:cs typeface="Courier"/>
-              </a:rPr>
-              <a:t>no.margin</a:t>
-            </a:r>
-            <a:r>
-              <a:rPr lang="en-US" sz="2000" dirty="0">
-                <a:latin typeface="Courier"/>
-                <a:cs typeface="Courier"/>
-              </a:rPr>
-              <a:t> = T, </a:t>
-            </a:r>
-            <a:r>
-              <a:rPr lang="en-US" sz="2000" dirty="0" err="1" smtClean="0">
-                <a:latin typeface="Courier"/>
-                <a:cs typeface="Courier"/>
-              </a:rPr>
-              <a:t>edge.color</a:t>
-            </a:r>
-            <a:r>
-              <a:rPr lang="en-US" sz="2000" dirty="0" smtClean="0">
-                <a:latin typeface="Courier"/>
-                <a:cs typeface="Courier"/>
-              </a:rPr>
-              <a:t> </a:t>
-            </a:r>
-            <a:r>
-              <a:rPr lang="en-US" sz="2000" dirty="0">
-                <a:latin typeface="Courier"/>
-                <a:cs typeface="Courier"/>
-              </a:rPr>
-              <a:t>= </a:t>
-            </a:r>
-            <a:r>
-              <a:rPr lang="en-US" sz="2000" dirty="0" err="1" smtClean="0">
-                <a:latin typeface="Courier"/>
-                <a:cs typeface="Courier"/>
-              </a:rPr>
-              <a:t>edge.cols</a:t>
-            </a:r>
-            <a:r>
-              <a:rPr lang="en-US" sz="2000" dirty="0" smtClean="0">
-                <a:latin typeface="Courier"/>
-                <a:cs typeface="Courier"/>
-              </a:rPr>
-              <a:t>)</a:t>
-            </a:r>
-            <a:endParaRPr lang="en-US" sz="2000" dirty="0">
-              <a:latin typeface="Courier"/>
-              <a:cs typeface="Courier"/>
-            </a:endParaRPr>
+        </p:txBody>
+      </p:sp>
+      <p:sp>
+        <p:nvSpPr>
+          <p:cNvPr id="4" name="Rectangle 3"/>
+          <p:cNvSpPr/>
+          <p:nvPr/>
+        </p:nvSpPr>
+        <p:spPr>
+          <a:xfrm>
+            <a:off x="457200" y="1419970"/>
+            <a:ext cx="7882311" cy="461665"/>
+          </a:xfrm>
+          <a:prstGeom prst="rect">
+            <a:avLst/>
+          </a:prstGeom>
+        </p:spPr>
+        <p:txBody>
+          <a:bodyPr wrap="square">
+            <a:spAutoFit/>
+          </a:bodyPr>
+          <a:lstStyle/>
+          <a:p>
+            <a:r>
+              <a:rPr lang="en-US" sz="2400" dirty="0"/>
+              <a:t>color-highlight the edges (clades) with the tips of  "1", "5", "6"</a:t>
+            </a:r>
           </a:p>
         </p:txBody>
       </p:sp>
@@ -6371,6 +6469,13 @@
   <p:clrMapOvr>
     <a:masterClrMapping/>
   </p:clrMapOvr>
+  <p:timing>
+    <p:tnLst>
+      <p:par>
+        <p:cTn xmlns:p14="http://schemas.microsoft.com/office/powerpoint/2010/main" id="1" dur="indefinite" restart="never" nodeType="tmRoot"/>
+      </p:par>
+    </p:tnLst>
+  </p:timing>
 </p:sld>
 </file>
 
@@ -6470,11 +6575,7 @@
             </a:pPr>
             <a:r>
               <a:rPr lang="en-US" sz="2800" dirty="0" smtClean="0"/>
-              <a:t>Other software </a:t>
-            </a:r>
-            <a:r>
-              <a:rPr lang="en-US" sz="2800" dirty="0" smtClean="0"/>
-              <a:t>packages</a:t>
+              <a:t>Other software packages</a:t>
             </a:r>
           </a:p>
           <a:p>
@@ -6732,6 +6833,13 @@
   <p:clrMapOvr>
     <a:masterClrMapping/>
   </p:clrMapOvr>
+  <p:timing>
+    <p:tnLst>
+      <p:par>
+        <p:cTn xmlns:p14="http://schemas.microsoft.com/office/powerpoint/2010/main" id="1" dur="indefinite" restart="never" nodeType="tmRoot"/>
+      </p:par>
+    </p:tnLst>
+  </p:timing>
 </p:sld>
 </file>
 

--- a/PLPTH813Bioinformatis/2019/labs/lab08_phylogeny.pptx
+++ b/PLPTH813Bioinformatis/2019/labs/lab08_phylogeny.pptx
@@ -125,6 +125,22 @@
       </a:defRPr>
     </a:lvl9pPr>
   </p:defaultTextStyle>
+  <p:extLst>
+    <p:ext uri="{EFAFB233-063F-42B5-8137-9DF3F51BA10A}">
+      <p15:sldGuideLst xmlns:p15="http://schemas.microsoft.com/office/powerpoint/2012/main">
+        <p15:guide id="1" orient="horz" pos="2160">
+          <p15:clr>
+            <a:srgbClr val="A4A3A4"/>
+          </p15:clr>
+        </p15:guide>
+        <p15:guide id="2" pos="2880">
+          <p15:clr>
+            <a:srgbClr val="A4A3A4"/>
+          </p15:clr>
+        </p15:guide>
+      </p15:sldGuideLst>
+    </p:ext>
+  </p:extLst>
 </p:presentation>
 </file>
 
@@ -210,7 +226,7 @@
           <a:p>
             <a:fld id="{08E6E0A8-E17C-C949-B17E-7A1A6494483A}" type="datetimeFigureOut">
               <a:rPr lang="en-US" smtClean="0"/>
-              <a:t>3/30/19</a:t>
+              <a:t>3/21/21</a:t>
             </a:fld>
             <a:endParaRPr lang="en-US"/>
           </a:p>
@@ -274,38 +290,37 @@
           <a:p>
             <a:pPr lvl="0"/>
             <a:r>
-              <a:rPr lang="en-US" smtClean="0"/>
+              <a:rPr lang="en-US"/>
               <a:t>Click to edit Master text styles</a:t>
             </a:r>
           </a:p>
           <a:p>
             <a:pPr lvl="1"/>
             <a:r>
-              <a:rPr lang="en-US" smtClean="0"/>
+              <a:rPr lang="en-US"/>
               <a:t>Second level</a:t>
             </a:r>
           </a:p>
           <a:p>
             <a:pPr lvl="2"/>
             <a:r>
-              <a:rPr lang="en-US" smtClean="0"/>
+              <a:rPr lang="en-US"/>
               <a:t>Third level</a:t>
             </a:r>
           </a:p>
           <a:p>
             <a:pPr lvl="3"/>
             <a:r>
-              <a:rPr lang="en-US" smtClean="0"/>
+              <a:rPr lang="en-US"/>
               <a:t>Fourth level</a:t>
             </a:r>
           </a:p>
           <a:p>
             <a:pPr lvl="4"/>
             <a:r>
-              <a:rPr lang="en-US" smtClean="0"/>
+              <a:rPr lang="en-US"/>
               <a:t>Fifth level</a:t>
             </a:r>
-            <a:endParaRPr lang="en-US"/>
           </a:p>
         </p:txBody>
       </p:sp>
@@ -523,7 +538,7 @@
           <a:lstStyle/>
           <a:p>
             <a:r>
-              <a:rPr lang="en-US" sz="1200" dirty="0" err="1" smtClean="0">
+              <a:rPr lang="en-US" sz="1200" dirty="0" err="1">
                 <a:latin typeface="Courier"/>
                 <a:cs typeface="Courier"/>
               </a:rPr>
@@ -607,10 +622,9 @@
           <a:lstStyle/>
           <a:p>
             <a:r>
-              <a:rPr lang="en-US" dirty="0" smtClean="0"/>
+              <a:rPr lang="en-US" dirty="0"/>
               <a:t>Click to edit Master title style</a:t>
             </a:r>
-            <a:endParaRPr lang="en-US" dirty="0"/>
           </a:p>
         </p:txBody>
       </p:sp>
@@ -726,10 +740,9 @@
           </a:lstStyle>
           <a:p>
             <a:r>
-              <a:rPr lang="en-US" dirty="0" smtClean="0"/>
+              <a:rPr lang="en-US" dirty="0"/>
               <a:t>Click to edit Master subtitle style</a:t>
             </a:r>
-            <a:endParaRPr lang="en-US" dirty="0"/>
           </a:p>
         </p:txBody>
       </p:sp>
@@ -750,7 +763,7 @@
           <a:p>
             <a:fld id="{42B8B0BE-C8D7-EB48-AD68-71DB5002F24B}" type="datetimeFigureOut">
               <a:rPr lang="en-US" smtClean="0"/>
-              <a:t>3/30/19</a:t>
+              <a:t>3/21/21</a:t>
             </a:fld>
             <a:endParaRPr lang="en-US"/>
           </a:p>
@@ -844,10 +857,9 @@
           <a:lstStyle/>
           <a:p>
             <a:r>
-              <a:rPr lang="en-US" smtClean="0"/>
+              <a:rPr lang="en-US"/>
               <a:t>Click to edit Master title style</a:t>
             </a:r>
-            <a:endParaRPr lang="en-US"/>
           </a:p>
         </p:txBody>
       </p:sp>
@@ -868,38 +880,37 @@
           <a:p>
             <a:pPr lvl="0"/>
             <a:r>
-              <a:rPr lang="en-US" smtClean="0"/>
+              <a:rPr lang="en-US"/>
               <a:t>Click to edit Master text styles</a:t>
             </a:r>
           </a:p>
           <a:p>
             <a:pPr lvl="1"/>
             <a:r>
-              <a:rPr lang="en-US" smtClean="0"/>
+              <a:rPr lang="en-US"/>
               <a:t>Second level</a:t>
             </a:r>
           </a:p>
           <a:p>
             <a:pPr lvl="2"/>
             <a:r>
-              <a:rPr lang="en-US" smtClean="0"/>
+              <a:rPr lang="en-US"/>
               <a:t>Third level</a:t>
             </a:r>
           </a:p>
           <a:p>
             <a:pPr lvl="3"/>
             <a:r>
-              <a:rPr lang="en-US" smtClean="0"/>
+              <a:rPr lang="en-US"/>
               <a:t>Fourth level</a:t>
             </a:r>
           </a:p>
           <a:p>
             <a:pPr lvl="4"/>
             <a:r>
-              <a:rPr lang="en-US" smtClean="0"/>
+              <a:rPr lang="en-US"/>
               <a:t>Fifth level</a:t>
             </a:r>
-            <a:endParaRPr lang="en-US"/>
           </a:p>
         </p:txBody>
       </p:sp>
@@ -920,7 +931,7 @@
           <a:p>
             <a:fld id="{42B8B0BE-C8D7-EB48-AD68-71DB5002F24B}" type="datetimeFigureOut">
               <a:rPr lang="en-US" smtClean="0"/>
-              <a:t>3/30/19</a:t>
+              <a:t>3/21/21</a:t>
             </a:fld>
             <a:endParaRPr lang="en-US"/>
           </a:p>
@@ -1019,10 +1030,9 @@
           <a:lstStyle/>
           <a:p>
             <a:r>
-              <a:rPr lang="en-US" smtClean="0"/>
+              <a:rPr lang="en-US"/>
               <a:t>Click to edit Master title style</a:t>
             </a:r>
-            <a:endParaRPr lang="en-US"/>
           </a:p>
         </p:txBody>
       </p:sp>
@@ -1048,38 +1058,37 @@
           <a:p>
             <a:pPr lvl="0"/>
             <a:r>
-              <a:rPr lang="en-US" smtClean="0"/>
+              <a:rPr lang="en-US"/>
               <a:t>Click to edit Master text styles</a:t>
             </a:r>
           </a:p>
           <a:p>
             <a:pPr lvl="1"/>
             <a:r>
-              <a:rPr lang="en-US" smtClean="0"/>
+              <a:rPr lang="en-US"/>
               <a:t>Second level</a:t>
             </a:r>
           </a:p>
           <a:p>
             <a:pPr lvl="2"/>
             <a:r>
-              <a:rPr lang="en-US" smtClean="0"/>
+              <a:rPr lang="en-US"/>
               <a:t>Third level</a:t>
             </a:r>
           </a:p>
           <a:p>
             <a:pPr lvl="3"/>
             <a:r>
-              <a:rPr lang="en-US" smtClean="0"/>
+              <a:rPr lang="en-US"/>
               <a:t>Fourth level</a:t>
             </a:r>
           </a:p>
           <a:p>
             <a:pPr lvl="4"/>
             <a:r>
-              <a:rPr lang="en-US" smtClean="0"/>
+              <a:rPr lang="en-US"/>
               <a:t>Fifth level</a:t>
             </a:r>
-            <a:endParaRPr lang="en-US"/>
           </a:p>
         </p:txBody>
       </p:sp>
@@ -1100,7 +1109,7 @@
           <a:p>
             <a:fld id="{42B8B0BE-C8D7-EB48-AD68-71DB5002F24B}" type="datetimeFigureOut">
               <a:rPr lang="en-US" smtClean="0"/>
-              <a:t>3/30/19</a:t>
+              <a:t>3/21/21</a:t>
             </a:fld>
             <a:endParaRPr lang="en-US"/>
           </a:p>
@@ -1194,10 +1203,9 @@
           <a:lstStyle/>
           <a:p>
             <a:r>
-              <a:rPr lang="en-US" smtClean="0"/>
+              <a:rPr lang="en-US"/>
               <a:t>Click to edit Master title style</a:t>
             </a:r>
-            <a:endParaRPr lang="en-US"/>
           </a:p>
         </p:txBody>
       </p:sp>
@@ -1218,38 +1226,37 @@
           <a:p>
             <a:pPr lvl="0"/>
             <a:r>
-              <a:rPr lang="en-US" smtClean="0"/>
+              <a:rPr lang="en-US"/>
               <a:t>Click to edit Master text styles</a:t>
             </a:r>
           </a:p>
           <a:p>
             <a:pPr lvl="1"/>
             <a:r>
-              <a:rPr lang="en-US" smtClean="0"/>
+              <a:rPr lang="en-US"/>
               <a:t>Second level</a:t>
             </a:r>
           </a:p>
           <a:p>
             <a:pPr lvl="2"/>
             <a:r>
-              <a:rPr lang="en-US" smtClean="0"/>
+              <a:rPr lang="en-US"/>
               <a:t>Third level</a:t>
             </a:r>
           </a:p>
           <a:p>
             <a:pPr lvl="3"/>
             <a:r>
-              <a:rPr lang="en-US" smtClean="0"/>
+              <a:rPr lang="en-US"/>
               <a:t>Fourth level</a:t>
             </a:r>
           </a:p>
           <a:p>
             <a:pPr lvl="4"/>
             <a:r>
-              <a:rPr lang="en-US" smtClean="0"/>
+              <a:rPr lang="en-US"/>
               <a:t>Fifth level</a:t>
             </a:r>
-            <a:endParaRPr lang="en-US"/>
           </a:p>
         </p:txBody>
       </p:sp>
@@ -1270,7 +1277,7 @@
           <a:p>
             <a:fld id="{42B8B0BE-C8D7-EB48-AD68-71DB5002F24B}" type="datetimeFigureOut">
               <a:rPr lang="en-US" smtClean="0"/>
-              <a:t>3/30/19</a:t>
+              <a:t>3/21/21</a:t>
             </a:fld>
             <a:endParaRPr lang="en-US"/>
           </a:p>
@@ -1373,10 +1380,9 @@
           </a:lstStyle>
           <a:p>
             <a:r>
-              <a:rPr lang="en-US" smtClean="0"/>
+              <a:rPr lang="en-US"/>
               <a:t>Click to edit Master title style</a:t>
             </a:r>
-            <a:endParaRPr lang="en-US"/>
           </a:p>
         </p:txBody>
       </p:sp>
@@ -1493,7 +1499,7 @@
           <a:p>
             <a:pPr lvl="0"/>
             <a:r>
-              <a:rPr lang="en-US" smtClean="0"/>
+              <a:rPr lang="en-US"/>
               <a:t>Click to edit Master text styles</a:t>
             </a:r>
           </a:p>
@@ -1516,7 +1522,7 @@
           <a:p>
             <a:fld id="{42B8B0BE-C8D7-EB48-AD68-71DB5002F24B}" type="datetimeFigureOut">
               <a:rPr lang="en-US" smtClean="0"/>
-              <a:t>3/30/19</a:t>
+              <a:t>3/21/21</a:t>
             </a:fld>
             <a:endParaRPr lang="en-US"/>
           </a:p>
@@ -1610,10 +1616,9 @@
           <a:lstStyle/>
           <a:p>
             <a:r>
-              <a:rPr lang="en-US" smtClean="0"/>
+              <a:rPr lang="en-US"/>
               <a:t>Click to edit Master title style</a:t>
             </a:r>
-            <a:endParaRPr lang="en-US"/>
           </a:p>
         </p:txBody>
       </p:sp>
@@ -1667,38 +1672,37 @@
           <a:p>
             <a:pPr lvl="0"/>
             <a:r>
-              <a:rPr lang="en-US" smtClean="0"/>
+              <a:rPr lang="en-US"/>
               <a:t>Click to edit Master text styles</a:t>
             </a:r>
           </a:p>
           <a:p>
             <a:pPr lvl="1"/>
             <a:r>
-              <a:rPr lang="en-US" smtClean="0"/>
+              <a:rPr lang="en-US"/>
               <a:t>Second level</a:t>
             </a:r>
           </a:p>
           <a:p>
             <a:pPr lvl="2"/>
             <a:r>
-              <a:rPr lang="en-US" smtClean="0"/>
+              <a:rPr lang="en-US"/>
               <a:t>Third level</a:t>
             </a:r>
           </a:p>
           <a:p>
             <a:pPr lvl="3"/>
             <a:r>
-              <a:rPr lang="en-US" smtClean="0"/>
+              <a:rPr lang="en-US"/>
               <a:t>Fourth level</a:t>
             </a:r>
           </a:p>
           <a:p>
             <a:pPr lvl="4"/>
             <a:r>
-              <a:rPr lang="en-US" smtClean="0"/>
+              <a:rPr lang="en-US"/>
               <a:t>Fifth level</a:t>
             </a:r>
-            <a:endParaRPr lang="en-US"/>
           </a:p>
         </p:txBody>
       </p:sp>
@@ -1752,38 +1756,37 @@
           <a:p>
             <a:pPr lvl="0"/>
             <a:r>
-              <a:rPr lang="en-US" smtClean="0"/>
+              <a:rPr lang="en-US"/>
               <a:t>Click to edit Master text styles</a:t>
             </a:r>
           </a:p>
           <a:p>
             <a:pPr lvl="1"/>
             <a:r>
-              <a:rPr lang="en-US" smtClean="0"/>
+              <a:rPr lang="en-US"/>
               <a:t>Second level</a:t>
             </a:r>
           </a:p>
           <a:p>
             <a:pPr lvl="2"/>
             <a:r>
-              <a:rPr lang="en-US" smtClean="0"/>
+              <a:rPr lang="en-US"/>
               <a:t>Third level</a:t>
             </a:r>
           </a:p>
           <a:p>
             <a:pPr lvl="3"/>
             <a:r>
-              <a:rPr lang="en-US" smtClean="0"/>
+              <a:rPr lang="en-US"/>
               <a:t>Fourth level</a:t>
             </a:r>
           </a:p>
           <a:p>
             <a:pPr lvl="4"/>
             <a:r>
-              <a:rPr lang="en-US" smtClean="0"/>
+              <a:rPr lang="en-US"/>
               <a:t>Fifth level</a:t>
             </a:r>
-            <a:endParaRPr lang="en-US"/>
           </a:p>
         </p:txBody>
       </p:sp>
@@ -1804,7 +1807,7 @@
           <a:p>
             <a:fld id="{42B8B0BE-C8D7-EB48-AD68-71DB5002F24B}" type="datetimeFigureOut">
               <a:rPr lang="en-US" smtClean="0"/>
-              <a:t>3/30/19</a:t>
+              <a:t>3/21/21</a:t>
             </a:fld>
             <a:endParaRPr lang="en-US"/>
           </a:p>
@@ -1902,10 +1905,9 @@
           </a:lstStyle>
           <a:p>
             <a:r>
-              <a:rPr lang="en-US" smtClean="0"/>
+              <a:rPr lang="en-US"/>
               <a:t>Click to edit Master title style</a:t>
             </a:r>
-            <a:endParaRPr lang="en-US"/>
           </a:p>
         </p:txBody>
       </p:sp>
@@ -1968,7 +1970,7 @@
           <a:p>
             <a:pPr lvl="0"/>
             <a:r>
-              <a:rPr lang="en-US" smtClean="0"/>
+              <a:rPr lang="en-US"/>
               <a:t>Click to edit Master text styles</a:t>
             </a:r>
           </a:p>
@@ -2024,38 +2026,37 @@
           <a:p>
             <a:pPr lvl="0"/>
             <a:r>
-              <a:rPr lang="en-US" smtClean="0"/>
+              <a:rPr lang="en-US"/>
               <a:t>Click to edit Master text styles</a:t>
             </a:r>
           </a:p>
           <a:p>
             <a:pPr lvl="1"/>
             <a:r>
-              <a:rPr lang="en-US" smtClean="0"/>
+              <a:rPr lang="en-US"/>
               <a:t>Second level</a:t>
             </a:r>
           </a:p>
           <a:p>
             <a:pPr lvl="2"/>
             <a:r>
-              <a:rPr lang="en-US" smtClean="0"/>
+              <a:rPr lang="en-US"/>
               <a:t>Third level</a:t>
             </a:r>
           </a:p>
           <a:p>
             <a:pPr lvl="3"/>
             <a:r>
-              <a:rPr lang="en-US" smtClean="0"/>
+              <a:rPr lang="en-US"/>
               <a:t>Fourth level</a:t>
             </a:r>
           </a:p>
           <a:p>
             <a:pPr lvl="4"/>
             <a:r>
-              <a:rPr lang="en-US" smtClean="0"/>
+              <a:rPr lang="en-US"/>
               <a:t>Fifth level</a:t>
             </a:r>
-            <a:endParaRPr lang="en-US"/>
           </a:p>
         </p:txBody>
       </p:sp>
@@ -2118,7 +2119,7 @@
           <a:p>
             <a:pPr lvl="0"/>
             <a:r>
-              <a:rPr lang="en-US" smtClean="0"/>
+              <a:rPr lang="en-US"/>
               <a:t>Click to edit Master text styles</a:t>
             </a:r>
           </a:p>
@@ -2174,38 +2175,37 @@
           <a:p>
             <a:pPr lvl="0"/>
             <a:r>
-              <a:rPr lang="en-US" smtClean="0"/>
+              <a:rPr lang="en-US"/>
               <a:t>Click to edit Master text styles</a:t>
             </a:r>
           </a:p>
           <a:p>
             <a:pPr lvl="1"/>
             <a:r>
-              <a:rPr lang="en-US" smtClean="0"/>
+              <a:rPr lang="en-US"/>
               <a:t>Second level</a:t>
             </a:r>
           </a:p>
           <a:p>
             <a:pPr lvl="2"/>
             <a:r>
-              <a:rPr lang="en-US" smtClean="0"/>
+              <a:rPr lang="en-US"/>
               <a:t>Third level</a:t>
             </a:r>
           </a:p>
           <a:p>
             <a:pPr lvl="3"/>
             <a:r>
-              <a:rPr lang="en-US" smtClean="0"/>
+              <a:rPr lang="en-US"/>
               <a:t>Fourth level</a:t>
             </a:r>
           </a:p>
           <a:p>
             <a:pPr lvl="4"/>
             <a:r>
-              <a:rPr lang="en-US" smtClean="0"/>
+              <a:rPr lang="en-US"/>
               <a:t>Fifth level</a:t>
             </a:r>
-            <a:endParaRPr lang="en-US"/>
           </a:p>
         </p:txBody>
       </p:sp>
@@ -2226,7 +2226,7 @@
           <a:p>
             <a:fld id="{42B8B0BE-C8D7-EB48-AD68-71DB5002F24B}" type="datetimeFigureOut">
               <a:rPr lang="en-US" smtClean="0"/>
-              <a:t>3/30/19</a:t>
+              <a:t>3/21/21</a:t>
             </a:fld>
             <a:endParaRPr lang="en-US"/>
           </a:p>
@@ -2320,10 +2320,9 @@
           <a:lstStyle/>
           <a:p>
             <a:r>
-              <a:rPr lang="en-US" smtClean="0"/>
+              <a:rPr lang="en-US"/>
               <a:t>Click to edit Master title style</a:t>
             </a:r>
-            <a:endParaRPr lang="en-US"/>
           </a:p>
         </p:txBody>
       </p:sp>
@@ -2344,7 +2343,7 @@
           <a:p>
             <a:fld id="{42B8B0BE-C8D7-EB48-AD68-71DB5002F24B}" type="datetimeFigureOut">
               <a:rPr lang="en-US" smtClean="0"/>
-              <a:t>3/30/19</a:t>
+              <a:t>3/21/21</a:t>
             </a:fld>
             <a:endParaRPr lang="en-US"/>
           </a:p>
@@ -2439,7 +2438,7 @@
           <a:p>
             <a:fld id="{42B8B0BE-C8D7-EB48-AD68-71DB5002F24B}" type="datetimeFigureOut">
               <a:rPr lang="en-US" smtClean="0"/>
-              <a:t>3/30/19</a:t>
+              <a:t>3/21/21</a:t>
             </a:fld>
             <a:endParaRPr lang="en-US"/>
           </a:p>
@@ -2542,10 +2541,9 @@
           </a:lstStyle>
           <a:p>
             <a:r>
-              <a:rPr lang="en-US" smtClean="0"/>
+              <a:rPr lang="en-US"/>
               <a:t>Click to edit Master title style</a:t>
             </a:r>
-            <a:endParaRPr lang="en-US"/>
           </a:p>
         </p:txBody>
       </p:sp>
@@ -2599,38 +2597,37 @@
           <a:p>
             <a:pPr lvl="0"/>
             <a:r>
-              <a:rPr lang="en-US" smtClean="0"/>
+              <a:rPr lang="en-US"/>
               <a:t>Click to edit Master text styles</a:t>
             </a:r>
           </a:p>
           <a:p>
             <a:pPr lvl="1"/>
             <a:r>
-              <a:rPr lang="en-US" smtClean="0"/>
+              <a:rPr lang="en-US"/>
               <a:t>Second level</a:t>
             </a:r>
           </a:p>
           <a:p>
             <a:pPr lvl="2"/>
             <a:r>
-              <a:rPr lang="en-US" smtClean="0"/>
+              <a:rPr lang="en-US"/>
               <a:t>Third level</a:t>
             </a:r>
           </a:p>
           <a:p>
             <a:pPr lvl="3"/>
             <a:r>
-              <a:rPr lang="en-US" smtClean="0"/>
+              <a:rPr lang="en-US"/>
               <a:t>Fourth level</a:t>
             </a:r>
           </a:p>
           <a:p>
             <a:pPr lvl="4"/>
             <a:r>
-              <a:rPr lang="en-US" smtClean="0"/>
+              <a:rPr lang="en-US"/>
               <a:t>Fifth level</a:t>
             </a:r>
-            <a:endParaRPr lang="en-US"/>
           </a:p>
         </p:txBody>
       </p:sp>
@@ -2693,7 +2690,7 @@
           <a:p>
             <a:pPr lvl="0"/>
             <a:r>
-              <a:rPr lang="en-US" smtClean="0"/>
+              <a:rPr lang="en-US"/>
               <a:t>Click to edit Master text styles</a:t>
             </a:r>
           </a:p>
@@ -2716,7 +2713,7 @@
           <a:p>
             <a:fld id="{42B8B0BE-C8D7-EB48-AD68-71DB5002F24B}" type="datetimeFigureOut">
               <a:rPr lang="en-US" smtClean="0"/>
-              <a:t>3/30/19</a:t>
+              <a:t>3/21/21</a:t>
             </a:fld>
             <a:endParaRPr lang="en-US"/>
           </a:p>
@@ -2819,10 +2816,9 @@
           </a:lstStyle>
           <a:p>
             <a:r>
-              <a:rPr lang="en-US" smtClean="0"/>
+              <a:rPr lang="en-US"/>
               <a:t>Click to edit Master title style</a:t>
             </a:r>
-            <a:endParaRPr lang="en-US"/>
           </a:p>
         </p:txBody>
       </p:sp>
@@ -2946,7 +2942,7 @@
           <a:p>
             <a:pPr lvl="0"/>
             <a:r>
-              <a:rPr lang="en-US" smtClean="0"/>
+              <a:rPr lang="en-US"/>
               <a:t>Click to edit Master text styles</a:t>
             </a:r>
           </a:p>
@@ -2969,7 +2965,7 @@
           <a:p>
             <a:fld id="{42B8B0BE-C8D7-EB48-AD68-71DB5002F24B}" type="datetimeFigureOut">
               <a:rPr lang="en-US" smtClean="0"/>
-              <a:t>3/30/19</a:t>
+              <a:t>3/21/21</a:t>
             </a:fld>
             <a:endParaRPr lang="en-US"/>
           </a:p>
@@ -3078,10 +3074,9 @@
           <a:lstStyle/>
           <a:p>
             <a:r>
-              <a:rPr lang="en-US" smtClean="0"/>
+              <a:rPr lang="en-US"/>
               <a:t>Click to edit Master title style</a:t>
             </a:r>
-            <a:endParaRPr lang="en-US"/>
           </a:p>
         </p:txBody>
       </p:sp>
@@ -3112,38 +3107,37 @@
           <a:p>
             <a:pPr lvl="0"/>
             <a:r>
-              <a:rPr lang="en-US" smtClean="0"/>
+              <a:rPr lang="en-US"/>
               <a:t>Click to edit Master text styles</a:t>
             </a:r>
           </a:p>
           <a:p>
             <a:pPr lvl="1"/>
             <a:r>
-              <a:rPr lang="en-US" smtClean="0"/>
+              <a:rPr lang="en-US"/>
               <a:t>Second level</a:t>
             </a:r>
           </a:p>
           <a:p>
             <a:pPr lvl="2"/>
             <a:r>
-              <a:rPr lang="en-US" smtClean="0"/>
+              <a:rPr lang="en-US"/>
               <a:t>Third level</a:t>
             </a:r>
           </a:p>
           <a:p>
             <a:pPr lvl="3"/>
             <a:r>
-              <a:rPr lang="en-US" smtClean="0"/>
+              <a:rPr lang="en-US"/>
               <a:t>Fourth level</a:t>
             </a:r>
           </a:p>
           <a:p>
             <a:pPr lvl="4"/>
             <a:r>
-              <a:rPr lang="en-US" smtClean="0"/>
+              <a:rPr lang="en-US"/>
               <a:t>Fifth level</a:t>
             </a:r>
-            <a:endParaRPr lang="en-US"/>
           </a:p>
         </p:txBody>
       </p:sp>
@@ -3182,7 +3176,7 @@
           <a:p>
             <a:fld id="{42B8B0BE-C8D7-EB48-AD68-71DB5002F24B}" type="datetimeFigureOut">
               <a:rPr lang="en-US" smtClean="0"/>
-              <a:t>3/30/19</a:t>
+              <a:t>3/21/21</a:t>
             </a:fld>
             <a:endParaRPr lang="en-US"/>
           </a:p>
@@ -3570,7 +3564,7 @@
         <p:spPr>
           <a:xfrm>
             <a:off x="685800" y="1805739"/>
-            <a:ext cx="7772400" cy="1470025"/>
+            <a:ext cx="7772400" cy="1963072"/>
           </a:xfrm>
         </p:spPr>
         <p:txBody>
@@ -3580,32 +3574,19 @@
           <a:lstStyle/>
           <a:p>
             <a:r>
-              <a:rPr lang="en-US" sz="3200" dirty="0" smtClean="0"/>
+              <a:rPr lang="en-US" sz="3600" dirty="0"/>
               <a:t>Phylogenetic tree</a:t>
-            </a:r>
-            <a:br>
-              <a:rPr lang="en-US" sz="3200" dirty="0" smtClean="0"/>
-            </a:br>
-            <a:r>
-              <a:rPr lang="en-US" sz="3200" dirty="0"/>
-              <a:t/>
             </a:r>
             <a:br>
               <a:rPr lang="en-US" sz="3200" dirty="0"/>
             </a:br>
-            <a:r>
-              <a:rPr lang="en-US" sz="2000" dirty="0" smtClean="0"/>
-              <a:t>Bioinformatics Applications</a:t>
-            </a:r>
-            <a:r>
-              <a:rPr lang="en-US" sz="2000" dirty="0"/>
-              <a:t> </a:t>
-            </a:r>
-            <a:r>
-              <a:rPr lang="en-US" sz="2000" dirty="0" smtClean="0"/>
-              <a:t>(PLPTH813)</a:t>
-            </a:r>
-            <a:endParaRPr lang="en-US" sz="2000" dirty="0"/>
+            <a:br>
+              <a:rPr lang="en-US" sz="3200" dirty="0"/>
+            </a:br>
+            <a:r>
+              <a:rPr lang="en-US" sz="2400" dirty="0"/>
+              <a:t>Bioinformatics Applications (PLPTH813)</a:t>
+            </a:r>
           </a:p>
         </p:txBody>
       </p:sp>
@@ -3632,7 +3613,7 @@
           <a:lstStyle/>
           <a:p>
             <a:r>
-              <a:rPr lang="en-US" sz="2800" dirty="0" smtClean="0"/>
+              <a:rPr lang="en-US" sz="2800" dirty="0"/>
               <a:t>Sanzhen Liu</a:t>
             </a:r>
           </a:p>
@@ -3642,13 +3623,8 @@
           <a:p>
             <a:r>
               <a:rPr lang="en-US" sz="2800" dirty="0"/>
-              <a:t>3</a:t>
-            </a:r>
-            <a:r>
-              <a:rPr lang="en-US" sz="2800" dirty="0" smtClean="0"/>
-              <a:t>/28/2019</a:t>
-            </a:r>
-            <a:endParaRPr lang="en-US" sz="2800" dirty="0"/>
+              <a:t>3/28/2019</a:t>
+            </a:r>
           </a:p>
         </p:txBody>
       </p:sp>
@@ -3662,13 +3638,6 @@
   <p:clrMapOvr>
     <a:masterClrMapping/>
   </p:clrMapOvr>
-  <p:timing>
-    <p:tnLst>
-      <p:par>
-        <p:cTn xmlns:p14="http://schemas.microsoft.com/office/powerpoint/2010/main" id="1" dur="indefinite" restart="never" nodeType="tmRoot"/>
-      </p:par>
-    </p:tnLst>
-  </p:timing>
 </p:sld>
 </file>
 
@@ -3706,21 +3675,22 @@
           </a:xfrm>
         </p:spPr>
         <p:txBody>
-          <a:bodyPr/>
-          <a:lstStyle/>
-          <a:p>
-            <a:r>
-              <a:rPr lang="en-US" dirty="0" smtClean="0"/>
+          <a:bodyPr>
+            <a:normAutofit/>
+          </a:bodyPr>
+          <a:lstStyle/>
+          <a:p>
+            <a:r>
+              <a:rPr lang="en-US" sz="3200" dirty="0"/>
               <a:t>From DNA sequences to tree</a:t>
             </a:r>
             <a:br>
-              <a:rPr lang="en-US" dirty="0" smtClean="0"/>
+              <a:rPr lang="en-US" sz="3200" dirty="0"/>
             </a:br>
             <a:r>
-              <a:rPr lang="en-US" dirty="0" smtClean="0"/>
+              <a:rPr lang="en-US" sz="3200" dirty="0"/>
               <a:t>– step1: data formatting</a:t>
             </a:r>
-            <a:endParaRPr lang="en-US" dirty="0"/>
           </a:p>
         </p:txBody>
       </p:sp>
@@ -3736,8 +3706,8 @@
         </p:nvSpPr>
         <p:spPr>
           <a:xfrm>
-            <a:off x="749300" y="2057976"/>
-            <a:ext cx="7835900" cy="2704524"/>
+            <a:off x="82034" y="2193900"/>
+            <a:ext cx="9061966" cy="3391354"/>
           </a:xfrm>
         </p:spPr>
         <p:txBody>
@@ -3750,35 +3720,28 @@
               <a:buNone/>
             </a:pPr>
             <a:r>
-              <a:rPr lang="en-US" sz="1600" dirty="0" err="1" smtClean="0">
+              <a:rPr lang="en-US" sz="2000" dirty="0" err="1">
                 <a:latin typeface="Courier"/>
                 <a:cs typeface="Courier"/>
               </a:rPr>
               <a:t>pd.file</a:t>
             </a:r>
             <a:r>
-              <a:rPr lang="en-US" sz="1600" dirty="0" smtClean="0">
-                <a:latin typeface="Courier"/>
-                <a:cs typeface="Courier"/>
-              </a:rPr>
-              <a:t> </a:t>
-            </a:r>
-            <a:r>
-              <a:rPr lang="en-US" sz="1600" dirty="0">
-                <a:latin typeface="Courier"/>
-                <a:cs typeface="Courier"/>
-              </a:rPr>
-              <a:t>&lt;- "</a:t>
-            </a:r>
-            <a:r>
-              <a:rPr lang="en-US" sz="1600" dirty="0" err="1">
+              <a:rPr lang="en-US" sz="2000" dirty="0">
+                <a:latin typeface="Courier"/>
+                <a:cs typeface="Courier"/>
+              </a:rPr>
+              <a:t> &lt;- "</a:t>
+            </a:r>
+            <a:r>
+              <a:rPr lang="en-US" sz="2000" dirty="0" err="1">
                 <a:latin typeface="Courier"/>
                 <a:cs typeface="Courier"/>
               </a:rPr>
               <a:t>phylo.data.txt</a:t>
             </a:r>
             <a:r>
-              <a:rPr lang="en-US" sz="1600" dirty="0" smtClean="0">
+              <a:rPr lang="en-US" sz="2000" dirty="0">
                 <a:latin typeface="Courier"/>
                 <a:cs typeface="Courier"/>
               </a:rPr>
@@ -3789,7 +3752,7 @@
             <a:pPr marL="0" indent="0">
               <a:buNone/>
             </a:pPr>
-            <a:endParaRPr lang="en-US" sz="1600" dirty="0">
+            <a:endParaRPr lang="en-US" sz="2000" dirty="0">
               <a:latin typeface="Courier"/>
               <a:cs typeface="Courier"/>
             </a:endParaRPr>
@@ -3799,21 +3762,21 @@
               <a:buNone/>
             </a:pPr>
             <a:r>
-              <a:rPr lang="en-US" sz="1600" dirty="0">
+              <a:rPr lang="en-US" sz="2000" dirty="0">
                 <a:latin typeface="Courier"/>
                 <a:cs typeface="Courier"/>
               </a:rPr>
               <a:t>cat(6, 20, "\n", file = </a:t>
             </a:r>
             <a:r>
-              <a:rPr lang="en-US" sz="1600" dirty="0" err="1" smtClean="0">
+              <a:rPr lang="en-US" sz="2000" dirty="0" err="1">
                 <a:latin typeface="Courier"/>
                 <a:cs typeface="Courier"/>
               </a:rPr>
               <a:t>pd.file</a:t>
             </a:r>
             <a:r>
-              <a:rPr lang="en-US" sz="1600" dirty="0">
+              <a:rPr lang="en-US" sz="2000" dirty="0">
                 <a:latin typeface="Courier"/>
                 <a:cs typeface="Courier"/>
               </a:rPr>
@@ -3825,155 +3788,155 @@
               <a:buNone/>
             </a:pPr>
             <a:r>
-              <a:rPr lang="en-US" sz="1600" dirty="0">
-                <a:latin typeface="Courier"/>
-                <a:cs typeface="Courier"/>
-              </a:rPr>
-              <a:t>cat("1", "ATCAGATCGCTTCCGGACGA\n", file = </a:t>
-            </a:r>
-            <a:r>
-              <a:rPr lang="en-US" sz="1600" dirty="0" err="1" smtClean="0">
+              <a:rPr lang="en-US" sz="2000" dirty="0">
+                <a:latin typeface="Courier"/>
+                <a:cs typeface="Courier"/>
+              </a:rPr>
+              <a:t>cat("1", "ATCAGATCGCTTCCGGACGA\n", file=</a:t>
+            </a:r>
+            <a:r>
+              <a:rPr lang="en-US" sz="2000" dirty="0" err="1">
                 <a:latin typeface="Courier"/>
                 <a:cs typeface="Courier"/>
               </a:rPr>
               <a:t>pd.file</a:t>
             </a:r>
             <a:r>
-              <a:rPr lang="en-US" sz="1600" dirty="0">
-                <a:latin typeface="Courier"/>
-                <a:cs typeface="Courier"/>
-              </a:rPr>
-              <a:t>, append = T)</a:t>
-            </a:r>
-          </a:p>
-          <a:p>
-            <a:pPr marL="0" indent="0">
-              <a:buNone/>
-            </a:pPr>
-            <a:r>
-              <a:rPr lang="en-US" sz="1600" dirty="0">
-                <a:latin typeface="Courier"/>
-                <a:cs typeface="Courier"/>
-              </a:rPr>
-              <a:t>cat("2", "ATAAGATCGCTACCGGACGA\n", file = </a:t>
-            </a:r>
-            <a:r>
-              <a:rPr lang="en-US" sz="1600" dirty="0" err="1" smtClean="0">
+              <a:rPr lang="en-US" sz="2000" dirty="0">
+                <a:latin typeface="Courier"/>
+                <a:cs typeface="Courier"/>
+              </a:rPr>
+              <a:t>, append=T)</a:t>
+            </a:r>
+          </a:p>
+          <a:p>
+            <a:pPr marL="0" indent="0">
+              <a:buNone/>
+            </a:pPr>
+            <a:r>
+              <a:rPr lang="en-US" sz="2000" dirty="0">
+                <a:latin typeface="Courier"/>
+                <a:cs typeface="Courier"/>
+              </a:rPr>
+              <a:t>cat("2", "ATAAGATCGCTACCGGACGA\n", file=</a:t>
+            </a:r>
+            <a:r>
+              <a:rPr lang="en-US" sz="2000" dirty="0" err="1">
                 <a:latin typeface="Courier"/>
                 <a:cs typeface="Courier"/>
               </a:rPr>
               <a:t>pd.file</a:t>
             </a:r>
             <a:r>
-              <a:rPr lang="en-US" sz="1600" dirty="0">
-                <a:latin typeface="Courier"/>
-                <a:cs typeface="Courier"/>
-              </a:rPr>
-              <a:t>, append = T)</a:t>
-            </a:r>
-          </a:p>
-          <a:p>
-            <a:pPr marL="0" indent="0">
-              <a:buNone/>
-            </a:pPr>
-            <a:r>
-              <a:rPr lang="en-US" sz="1600" dirty="0">
-                <a:latin typeface="Courier"/>
-                <a:cs typeface="Courier"/>
-              </a:rPr>
-              <a:t>cat("3", "ATCAGATCGCTACCGGAGGA\n", file = </a:t>
-            </a:r>
-            <a:r>
-              <a:rPr lang="en-US" sz="1600" dirty="0" err="1" smtClean="0">
+              <a:rPr lang="en-US" sz="2000" dirty="0">
+                <a:latin typeface="Courier"/>
+                <a:cs typeface="Courier"/>
+              </a:rPr>
+              <a:t>, append=T)</a:t>
+            </a:r>
+          </a:p>
+          <a:p>
+            <a:pPr marL="0" indent="0">
+              <a:buNone/>
+            </a:pPr>
+            <a:r>
+              <a:rPr lang="en-US" sz="2000" dirty="0">
+                <a:latin typeface="Courier"/>
+                <a:cs typeface="Courier"/>
+              </a:rPr>
+              <a:t>cat("3", "ATCAGATCGCTACCGGAGGA\n", file=</a:t>
+            </a:r>
+            <a:r>
+              <a:rPr lang="en-US" sz="2000" dirty="0" err="1">
                 <a:latin typeface="Courier"/>
                 <a:cs typeface="Courier"/>
               </a:rPr>
               <a:t>pd.file</a:t>
             </a:r>
             <a:r>
-              <a:rPr lang="en-US" sz="1600" dirty="0">
-                <a:latin typeface="Courier"/>
-                <a:cs typeface="Courier"/>
-              </a:rPr>
-              <a:t>, append = T)</a:t>
-            </a:r>
-          </a:p>
-          <a:p>
-            <a:pPr marL="0" indent="0">
-              <a:buNone/>
-            </a:pPr>
-            <a:r>
-              <a:rPr lang="en-US" sz="1600" dirty="0">
-                <a:latin typeface="Courier"/>
-                <a:cs typeface="Courier"/>
-              </a:rPr>
-              <a:t>cat("4", "ATAAGATCGCTACCGGAGGA\n", file = </a:t>
-            </a:r>
-            <a:r>
-              <a:rPr lang="en-US" sz="1600" dirty="0" err="1" smtClean="0">
+              <a:rPr lang="en-US" sz="2000" dirty="0">
+                <a:latin typeface="Courier"/>
+                <a:cs typeface="Courier"/>
+              </a:rPr>
+              <a:t>, append=T)</a:t>
+            </a:r>
+          </a:p>
+          <a:p>
+            <a:pPr marL="0" indent="0">
+              <a:buNone/>
+            </a:pPr>
+            <a:r>
+              <a:rPr lang="en-US" sz="2000" dirty="0">
+                <a:latin typeface="Courier"/>
+                <a:cs typeface="Courier"/>
+              </a:rPr>
+              <a:t>cat("4", "ATAAGATCGCTACCGGAGGA\n", file=</a:t>
+            </a:r>
+            <a:r>
+              <a:rPr lang="en-US" sz="2000" dirty="0" err="1">
                 <a:latin typeface="Courier"/>
                 <a:cs typeface="Courier"/>
               </a:rPr>
               <a:t>pd.file</a:t>
             </a:r>
             <a:r>
-              <a:rPr lang="en-US" sz="1600" dirty="0">
-                <a:latin typeface="Courier"/>
-                <a:cs typeface="Courier"/>
-              </a:rPr>
-              <a:t>, append = T)</a:t>
-            </a:r>
-          </a:p>
-          <a:p>
-            <a:pPr marL="0" indent="0">
-              <a:buNone/>
-            </a:pPr>
-            <a:r>
-              <a:rPr lang="en-US" sz="1600" dirty="0">
-                <a:latin typeface="Courier"/>
-                <a:cs typeface="Courier"/>
-              </a:rPr>
-              <a:t>cat("5", "ATAAGATCCCTTGCGGACGT\n", file = </a:t>
-            </a:r>
-            <a:r>
-              <a:rPr lang="en-US" sz="1600" dirty="0" err="1" smtClean="0">
+              <a:rPr lang="en-US" sz="2000" dirty="0">
+                <a:latin typeface="Courier"/>
+                <a:cs typeface="Courier"/>
+              </a:rPr>
+              <a:t>, append=T)</a:t>
+            </a:r>
+          </a:p>
+          <a:p>
+            <a:pPr marL="0" indent="0">
+              <a:buNone/>
+            </a:pPr>
+            <a:r>
+              <a:rPr lang="en-US" sz="2000" dirty="0">
+                <a:latin typeface="Courier"/>
+                <a:cs typeface="Courier"/>
+              </a:rPr>
+              <a:t>cat("5", "ATAAGATCCCTTGCGGACGT\n", file=</a:t>
+            </a:r>
+            <a:r>
+              <a:rPr lang="en-US" sz="2000" dirty="0" err="1">
                 <a:latin typeface="Courier"/>
                 <a:cs typeface="Courier"/>
               </a:rPr>
               <a:t>pd.file</a:t>
             </a:r>
             <a:r>
-              <a:rPr lang="en-US" sz="1600" dirty="0">
-                <a:latin typeface="Courier"/>
-                <a:cs typeface="Courier"/>
-              </a:rPr>
-              <a:t>, append = T)</a:t>
-            </a:r>
-          </a:p>
-          <a:p>
-            <a:pPr marL="0" indent="0">
-              <a:buNone/>
-            </a:pPr>
-            <a:r>
-              <a:rPr lang="en-US" sz="1600" dirty="0">
-                <a:latin typeface="Courier"/>
-                <a:cs typeface="Courier"/>
-              </a:rPr>
-              <a:t>cat("6", "ATCAGATCGCATGCGGACGT\n", file = </a:t>
-            </a:r>
-            <a:r>
-              <a:rPr lang="en-US" sz="1600" dirty="0" err="1" smtClean="0">
+              <a:rPr lang="en-US" sz="2000" dirty="0">
+                <a:latin typeface="Courier"/>
+                <a:cs typeface="Courier"/>
+              </a:rPr>
+              <a:t>, append=T)</a:t>
+            </a:r>
+          </a:p>
+          <a:p>
+            <a:pPr marL="0" indent="0">
+              <a:buNone/>
+            </a:pPr>
+            <a:r>
+              <a:rPr lang="en-US" sz="2000" dirty="0">
+                <a:latin typeface="Courier"/>
+                <a:cs typeface="Courier"/>
+              </a:rPr>
+              <a:t>cat("6", "ATCAGATCGCATGCGGACGT\n", file=</a:t>
+            </a:r>
+            <a:r>
+              <a:rPr lang="en-US" sz="2000" dirty="0" err="1">
                 <a:latin typeface="Courier"/>
                 <a:cs typeface="Courier"/>
               </a:rPr>
               <a:t>pd.file</a:t>
             </a:r>
             <a:r>
-              <a:rPr lang="en-US" sz="1600" dirty="0">
-                <a:latin typeface="Courier"/>
-                <a:cs typeface="Courier"/>
-              </a:rPr>
-              <a:t>, append = T)</a:t>
+              <a:rPr lang="en-US" sz="2000" dirty="0">
+                <a:latin typeface="Courier"/>
+                <a:cs typeface="Courier"/>
+              </a:rPr>
+              <a:t>, append=T)</a:t>
             </a:r>
           </a:p>
         </p:txBody>
@@ -3988,13 +3951,6 @@
   <p:clrMapOvr>
     <a:masterClrMapping/>
   </p:clrMapOvr>
-  <p:timing>
-    <p:tnLst>
-      <p:par>
-        <p:cTn xmlns:p14="http://schemas.microsoft.com/office/powerpoint/2010/main" id="1" dur="indefinite" restart="never" nodeType="tmRoot"/>
-      </p:par>
-    </p:tnLst>
-  </p:timing>
 </p:sld>
 </file>
 
@@ -4036,17 +3992,16 @@
           <a:lstStyle/>
           <a:p>
             <a:r>
-              <a:rPr lang="en-US" dirty="0" smtClean="0"/>
+              <a:rPr lang="en-US" dirty="0"/>
               <a:t>From DNA sequences to tree</a:t>
             </a:r>
             <a:br>
-              <a:rPr lang="en-US" dirty="0" smtClean="0"/>
+              <a:rPr lang="en-US" dirty="0"/>
             </a:br>
             <a:r>
-              <a:rPr lang="en-US" dirty="0" smtClean="0"/>
+              <a:rPr lang="en-US" dirty="0"/>
               <a:t>– step2: Distance calculation</a:t>
             </a:r>
-            <a:endParaRPr lang="en-US" dirty="0"/>
           </a:p>
         </p:txBody>
       </p:sp>
@@ -4076,7 +4031,7 @@
               <a:buNone/>
             </a:pPr>
             <a:r>
-              <a:rPr lang="en-US" sz="1600" dirty="0" smtClean="0">
+              <a:rPr lang="en-US" dirty="0">
                 <a:latin typeface="Courier"/>
                 <a:cs typeface="Courier"/>
               </a:rPr>
@@ -4088,49 +4043,42 @@
               <a:buNone/>
             </a:pPr>
             <a:r>
-              <a:rPr lang="en-US" sz="1600" dirty="0" err="1" smtClean="0">
+              <a:rPr lang="en-US" dirty="0" err="1">
                 <a:latin typeface="Courier"/>
                 <a:cs typeface="Courier"/>
               </a:rPr>
               <a:t>dna</a:t>
             </a:r>
             <a:r>
-              <a:rPr lang="en-US" sz="1600" dirty="0" smtClean="0">
-                <a:latin typeface="Courier"/>
-                <a:cs typeface="Courier"/>
-              </a:rPr>
-              <a:t> </a:t>
-            </a:r>
-            <a:r>
-              <a:rPr lang="en-US" sz="1600" dirty="0">
-                <a:latin typeface="Courier"/>
-                <a:cs typeface="Courier"/>
-              </a:rPr>
-              <a:t>&lt;- </a:t>
-            </a:r>
-            <a:r>
-              <a:rPr lang="en-US" sz="1600" dirty="0" err="1">
+              <a:rPr lang="en-US" dirty="0">
+                <a:latin typeface="Courier"/>
+                <a:cs typeface="Courier"/>
+              </a:rPr>
+              <a:t> &lt;- </a:t>
+            </a:r>
+            <a:r>
+              <a:rPr lang="en-US" dirty="0" err="1">
                 <a:latin typeface="Courier"/>
                 <a:cs typeface="Courier"/>
               </a:rPr>
               <a:t>read.dna</a:t>
             </a:r>
             <a:r>
-              <a:rPr lang="en-US" sz="1600" dirty="0">
+              <a:rPr lang="en-US" dirty="0">
                 <a:latin typeface="Courier"/>
                 <a:cs typeface="Courier"/>
               </a:rPr>
               <a:t>(</a:t>
             </a:r>
             <a:r>
-              <a:rPr lang="en-US" sz="1600" dirty="0" err="1" smtClean="0">
+              <a:rPr lang="en-US" dirty="0" err="1">
                 <a:latin typeface="Courier"/>
                 <a:cs typeface="Courier"/>
               </a:rPr>
               <a:t>pd.file</a:t>
             </a:r>
             <a:r>
-              <a:rPr lang="en-US" sz="1600" dirty="0" smtClean="0">
+              <a:rPr lang="en-US" dirty="0">
                 <a:latin typeface="Courier"/>
                 <a:cs typeface="Courier"/>
               </a:rPr>
@@ -4155,19 +4103,8 @@
                 <a:latin typeface="Courier"/>
                 <a:cs typeface="Courier"/>
               </a:rPr>
-              <a:t>### determine pair-wise distance (matrix</a:t>
-            </a:r>
-            <a:r>
-              <a:rPr lang="en-US" sz="1600" dirty="0" smtClean="0">
-                <a:latin typeface="Courier"/>
-                <a:cs typeface="Courier"/>
-              </a:rPr>
-              <a:t>):</a:t>
-            </a:r>
-            <a:endParaRPr lang="en-US" sz="1600" dirty="0">
-              <a:latin typeface="Courier"/>
-              <a:cs typeface="Courier"/>
-            </a:endParaRPr>
+              <a:t>### determine pair-wise distance (matrix):</a:t>
+            </a:r>
           </a:p>
           <a:p>
             <a:pPr marL="0" indent="0">
@@ -4213,17 +4150,10 @@
                 <a:latin typeface="Courier"/>
                 <a:cs typeface="Courier"/>
               </a:rPr>
-              <a:t>, model="RAW"</a:t>
-            </a:r>
-            <a:r>
-              <a:rPr lang="en-US" sz="1600" dirty="0" smtClean="0">
-                <a:latin typeface="Courier"/>
-                <a:cs typeface="Courier"/>
-              </a:rPr>
-              <a:t>, </a:t>
-            </a:r>
-            <a:r>
-              <a:rPr lang="en-US" sz="1600" dirty="0" err="1" smtClean="0">
+              <a:t>, model="RAW", </a:t>
+            </a:r>
+            <a:r>
+              <a:rPr lang="en-US" sz="1600" dirty="0" err="1">
                 <a:latin typeface="Courier"/>
                 <a:cs typeface="Courier"/>
               </a:rPr>
@@ -4265,13 +4195,6 @@
   <p:clrMapOvr>
     <a:masterClrMapping/>
   </p:clrMapOvr>
-  <p:timing>
-    <p:tnLst>
-      <p:par>
-        <p:cTn xmlns:p14="http://schemas.microsoft.com/office/powerpoint/2010/main" id="1" dur="indefinite" restart="never" nodeType="tmRoot"/>
-      </p:par>
-    </p:tnLst>
-  </p:timing>
 </p:sld>
 </file>
 
@@ -4313,17 +4236,16 @@
           <a:lstStyle/>
           <a:p>
             <a:r>
-              <a:rPr lang="en-US" dirty="0" smtClean="0"/>
+              <a:rPr lang="en-US" dirty="0"/>
               <a:t>From DNA sequences to tree</a:t>
             </a:r>
             <a:br>
-              <a:rPr lang="en-US" dirty="0" smtClean="0"/>
+              <a:rPr lang="en-US" dirty="0"/>
             </a:br>
             <a:r>
-              <a:rPr lang="en-US" dirty="0" smtClean="0"/>
+              <a:rPr lang="en-US" dirty="0"/>
               <a:t>– step3: construct tree and plotting</a:t>
             </a:r>
-            <a:endParaRPr lang="en-US" dirty="0"/>
           </a:p>
         </p:txBody>
       </p:sp>
@@ -4339,8 +4261,8 @@
         </p:nvSpPr>
         <p:spPr>
           <a:xfrm>
-            <a:off x="571500" y="1906152"/>
-            <a:ext cx="8115300" cy="2602924"/>
+            <a:off x="172995" y="1906152"/>
+            <a:ext cx="8872151" cy="2602924"/>
           </a:xfrm>
         </p:spPr>
         <p:txBody>
@@ -4353,7 +4275,7 @@
               <a:buNone/>
             </a:pPr>
             <a:r>
-              <a:rPr lang="en-US" sz="2000" dirty="0" smtClean="0">
+              <a:rPr lang="en-US" dirty="0">
                 <a:latin typeface="Courier"/>
                 <a:cs typeface="Courier"/>
               </a:rPr>
@@ -4365,49 +4287,42 @@
               <a:buNone/>
             </a:pPr>
             <a:r>
-              <a:rPr lang="en-US" sz="2000" dirty="0" err="1" smtClean="0">
+              <a:rPr lang="en-US" dirty="0" err="1">
                 <a:latin typeface="Courier"/>
                 <a:cs typeface="Courier"/>
               </a:rPr>
               <a:t>njs.tree</a:t>
             </a:r>
             <a:r>
-              <a:rPr lang="en-US" sz="2000" dirty="0" smtClean="0">
-                <a:latin typeface="Courier"/>
-                <a:cs typeface="Courier"/>
-              </a:rPr>
-              <a:t> </a:t>
-            </a:r>
-            <a:r>
-              <a:rPr lang="en-US" sz="2000" dirty="0">
-                <a:latin typeface="Courier"/>
-                <a:cs typeface="Courier"/>
-              </a:rPr>
-              <a:t>&lt;- </a:t>
-            </a:r>
-            <a:r>
-              <a:rPr lang="en-US" sz="2000" dirty="0" err="1">
+              <a:rPr lang="en-US" dirty="0">
+                <a:latin typeface="Courier"/>
+                <a:cs typeface="Courier"/>
+              </a:rPr>
+              <a:t> &lt;- </a:t>
+            </a:r>
+            <a:r>
+              <a:rPr lang="en-US" dirty="0" err="1">
                 <a:latin typeface="Courier"/>
                 <a:cs typeface="Courier"/>
               </a:rPr>
               <a:t>njs</a:t>
             </a:r>
             <a:r>
-              <a:rPr lang="en-US" sz="2000" dirty="0">
+              <a:rPr lang="en-US" dirty="0">
                 <a:latin typeface="Courier"/>
                 <a:cs typeface="Courier"/>
               </a:rPr>
               <a:t>(</a:t>
             </a:r>
             <a:r>
-              <a:rPr lang="en-US" sz="2000" dirty="0" err="1">
+              <a:rPr lang="en-US" dirty="0" err="1">
                 <a:latin typeface="Courier"/>
                 <a:cs typeface="Courier"/>
               </a:rPr>
               <a:t>dist.matrix</a:t>
             </a:r>
             <a:r>
-              <a:rPr lang="en-US" sz="2000" dirty="0">
+              <a:rPr lang="en-US" dirty="0">
                 <a:latin typeface="Courier"/>
                 <a:cs typeface="Courier"/>
               </a:rPr>
@@ -4419,13 +4334,13 @@
               <a:buNone/>
             </a:pPr>
             <a:r>
-              <a:rPr lang="en-US" sz="2000" dirty="0" err="1" smtClean="0">
+              <a:rPr lang="en-US" dirty="0" err="1">
                 <a:latin typeface="Courier"/>
                 <a:cs typeface="Courier"/>
               </a:rPr>
               <a:t>njs.tree</a:t>
             </a:r>
-            <a:endParaRPr lang="en-US" sz="2000" dirty="0" smtClean="0">
+            <a:endParaRPr lang="en-US" dirty="0">
               <a:latin typeface="Courier"/>
               <a:cs typeface="Courier"/>
             </a:endParaRPr>
@@ -4434,7 +4349,7 @@
             <a:pPr marL="0" indent="0">
               <a:buNone/>
             </a:pPr>
-            <a:endParaRPr lang="en-US" sz="2000" dirty="0">
+            <a:endParaRPr lang="en-US" dirty="0">
               <a:latin typeface="Courier"/>
               <a:cs typeface="Courier"/>
             </a:endParaRPr>
@@ -4444,83 +4359,72 @@
               <a:buNone/>
             </a:pPr>
             <a:r>
-              <a:rPr lang="en-US" sz="2000" dirty="0" smtClean="0">
+              <a:rPr lang="en-US" dirty="0">
                 <a:latin typeface="Courier"/>
                 <a:cs typeface="Courier"/>
               </a:rPr>
               <a:t>### plotting</a:t>
             </a:r>
-            <a:endParaRPr lang="en-US" sz="2000" dirty="0">
-              <a:latin typeface="Courier"/>
-              <a:cs typeface="Courier"/>
-            </a:endParaRPr>
-          </a:p>
-          <a:p>
-            <a:pPr marL="0" indent="0">
-              <a:buNone/>
-            </a:pPr>
-            <a:r>
-              <a:rPr lang="en-US" sz="2000" dirty="0" err="1">
+          </a:p>
+          <a:p>
+            <a:pPr marL="0" indent="0">
+              <a:buNone/>
+            </a:pPr>
+            <a:r>
+              <a:rPr lang="en-US" dirty="0" err="1">
                 <a:latin typeface="Courier"/>
                 <a:cs typeface="Courier"/>
               </a:rPr>
               <a:t>plot.phylo</a:t>
             </a:r>
             <a:r>
-              <a:rPr lang="en-US" sz="2000" dirty="0">
+              <a:rPr lang="en-US" dirty="0">
                 <a:latin typeface="Courier"/>
                 <a:cs typeface="Courier"/>
               </a:rPr>
               <a:t>(</a:t>
             </a:r>
             <a:r>
-              <a:rPr lang="en-US" sz="2000" dirty="0" err="1">
+              <a:rPr lang="en-US" dirty="0" err="1">
                 <a:latin typeface="Courier"/>
                 <a:cs typeface="Courier"/>
               </a:rPr>
               <a:t>njs.tree</a:t>
             </a:r>
             <a:r>
-              <a:rPr lang="en-US" sz="2000" dirty="0">
+              <a:rPr lang="en-US" dirty="0">
                 <a:latin typeface="Courier"/>
                 <a:cs typeface="Courier"/>
               </a:rPr>
               <a:t>, type="</a:t>
             </a:r>
             <a:r>
-              <a:rPr lang="en-US" sz="2000" dirty="0" err="1">
+              <a:rPr lang="en-US" dirty="0" err="1">
                 <a:latin typeface="Courier"/>
                 <a:cs typeface="Courier"/>
               </a:rPr>
               <a:t>phylogram</a:t>
             </a:r>
             <a:r>
-              <a:rPr lang="en-US" sz="2000" dirty="0">
+              <a:rPr lang="en-US" dirty="0">
                 <a:latin typeface="Courier"/>
                 <a:cs typeface="Courier"/>
               </a:rPr>
               <a:t>", </a:t>
             </a:r>
             <a:r>
-              <a:rPr lang="en-US" sz="2000" dirty="0" err="1">
+              <a:rPr lang="en-US" dirty="0" err="1">
                 <a:latin typeface="Courier"/>
                 <a:cs typeface="Courier"/>
               </a:rPr>
               <a:t>cex</a:t>
             </a:r>
             <a:r>
-              <a:rPr lang="en-US" sz="2000" dirty="0">
-                <a:latin typeface="Courier"/>
-                <a:cs typeface="Courier"/>
-              </a:rPr>
-              <a:t>=1.5</a:t>
-            </a:r>
-            <a:r>
-              <a:rPr lang="en-US" sz="2000" dirty="0" smtClean="0">
-                <a:latin typeface="Courier"/>
-                <a:cs typeface="Courier"/>
-              </a:rPr>
-              <a:t>)</a:t>
+              <a:rPr lang="en-US" dirty="0">
+                <a:latin typeface="Courier"/>
+                <a:cs typeface="Courier"/>
+              </a:rPr>
+              <a:t>=1.5)</a:t>
             </a:r>
           </a:p>
           <a:p>
@@ -4553,13 +4457,6 @@
   <p:clrMapOvr>
     <a:masterClrMapping/>
   </p:clrMapOvr>
-  <p:timing>
-    <p:tnLst>
-      <p:par>
-        <p:cTn xmlns:p14="http://schemas.microsoft.com/office/powerpoint/2010/main" id="1" dur="indefinite" restart="never" nodeType="tmRoot"/>
-      </p:par>
-    </p:tnLst>
-  </p:timing>
 </p:sld>
 </file>
 
@@ -4592,22 +4489,23 @@
         </p:nvSpPr>
         <p:spPr/>
         <p:txBody>
-          <a:bodyPr/>
-          <a:lstStyle/>
-          <a:p>
-            <a:r>
-              <a:rPr lang="en-US" dirty="0" smtClean="0"/>
+          <a:bodyPr>
+            <a:normAutofit/>
+          </a:bodyPr>
+          <a:lstStyle/>
+          <a:p>
+            <a:r>
+              <a:rPr lang="en-US" sz="3200" dirty="0"/>
               <a:t>output a </a:t>
             </a:r>
             <a:r>
-              <a:rPr lang="en-US" dirty="0" err="1" smtClean="0"/>
+              <a:rPr lang="en-US" sz="3200" dirty="0" err="1"/>
               <a:t>Newick</a:t>
             </a:r>
             <a:r>
-              <a:rPr lang="en-US" dirty="0" smtClean="0"/>
+              <a:rPr lang="en-US" sz="3200" dirty="0"/>
               <a:t> file</a:t>
             </a:r>
-            <a:endParaRPr lang="en-US" dirty="0"/>
           </a:p>
         </p:txBody>
       </p:sp>
@@ -4628,7 +4526,9 @@
           </a:xfrm>
         </p:spPr>
         <p:txBody>
-          <a:bodyPr/>
+          <a:bodyPr>
+            <a:normAutofit/>
+          </a:bodyPr>
           <a:lstStyle/>
           <a:p>
             <a:pPr marL="0" indent="0">
@@ -4661,60 +4561,46 @@
               <a:buNone/>
             </a:pPr>
             <a:r>
-              <a:rPr lang="en-US" sz="2200" dirty="0" err="1">
+              <a:rPr lang="en-US" dirty="0" err="1">
                 <a:latin typeface="Courier"/>
                 <a:cs typeface="Courier"/>
               </a:rPr>
               <a:t>write.tree</a:t>
             </a:r>
             <a:r>
-              <a:rPr lang="en-US" sz="2200" dirty="0">
+              <a:rPr lang="en-US" dirty="0">
                 <a:latin typeface="Courier"/>
                 <a:cs typeface="Courier"/>
               </a:rPr>
               <a:t>(</a:t>
             </a:r>
             <a:r>
-              <a:rPr lang="en-US" sz="2200" dirty="0" err="1">
+              <a:rPr lang="en-US" dirty="0" err="1">
                 <a:latin typeface="Courier"/>
                 <a:cs typeface="Courier"/>
               </a:rPr>
               <a:t>njs.tree</a:t>
             </a:r>
             <a:r>
-              <a:rPr lang="en-US" sz="2200" dirty="0">
-                <a:latin typeface="Courier"/>
-                <a:cs typeface="Courier"/>
-              </a:rPr>
-              <a:t>, file = </a:t>
-            </a:r>
-            <a:r>
-              <a:rPr lang="en-US" sz="2200" dirty="0" smtClean="0">
-                <a:latin typeface="Courier"/>
-                <a:cs typeface="Courier"/>
-              </a:rPr>
-              <a:t>"</a:t>
-            </a:r>
-            <a:r>
-              <a:rPr lang="en-US" sz="2200" dirty="0" err="1" smtClean="0">
+              <a:rPr lang="en-US" dirty="0">
+                <a:latin typeface="Courier"/>
+                <a:cs typeface="Courier"/>
+              </a:rPr>
+              <a:t>, file="</a:t>
+            </a:r>
+            <a:r>
+              <a:rPr lang="en-US" dirty="0" err="1">
                 <a:latin typeface="Courier"/>
                 <a:cs typeface="Courier"/>
               </a:rPr>
               <a:t>example.tree.newick</a:t>
             </a:r>
             <a:r>
-              <a:rPr lang="en-US" sz="2200" dirty="0" smtClean="0">
-                <a:latin typeface="Courier"/>
-                <a:cs typeface="Courier"/>
-              </a:rPr>
-              <a:t>"</a:t>
-            </a:r>
-            <a:r>
-              <a:rPr lang="en-US" sz="2200" dirty="0">
-                <a:latin typeface="Courier"/>
-                <a:cs typeface="Courier"/>
-              </a:rPr>
-              <a:t>)</a:t>
+              <a:rPr lang="en-US" dirty="0">
+                <a:latin typeface="Courier"/>
+                <a:cs typeface="Courier"/>
+              </a:rPr>
+              <a:t>")</a:t>
             </a:r>
           </a:p>
         </p:txBody>
@@ -4729,13 +4615,6 @@
   <p:clrMapOvr>
     <a:masterClrMapping/>
   </p:clrMapOvr>
-  <p:timing>
-    <p:tnLst>
-      <p:par>
-        <p:cTn xmlns:p14="http://schemas.microsoft.com/office/powerpoint/2010/main" id="1" dur="indefinite" restart="never" nodeType="tmRoot"/>
-      </p:par>
-    </p:tnLst>
-  </p:timing>
 </p:sld>
 </file>
 
@@ -4768,14 +4647,15 @@
         </p:nvSpPr>
         <p:spPr/>
         <p:txBody>
-          <a:bodyPr/>
-          <a:lstStyle/>
-          <a:p>
-            <a:r>
-              <a:rPr lang="en-US" dirty="0" smtClean="0"/>
+          <a:bodyPr>
+            <a:normAutofit/>
+          </a:bodyPr>
+          <a:lstStyle/>
+          <a:p>
+            <a:r>
+              <a:rPr lang="en-US" sz="3200" dirty="0"/>
               <a:t>tree summary</a:t>
             </a:r>
-            <a:endParaRPr lang="en-US" dirty="0"/>
           </a:p>
         </p:txBody>
       </p:sp>
@@ -4792,18 +4672,20 @@
         <p:spPr>
           <a:xfrm>
             <a:off x="457200" y="1384876"/>
-            <a:ext cx="8229600" cy="3364523"/>
+            <a:ext cx="8229600" cy="4150951"/>
           </a:xfrm>
         </p:spPr>
         <p:txBody>
-          <a:bodyPr/>
-          <a:lstStyle/>
-          <a:p>
-            <a:pPr marL="0" indent="0">
-              <a:buNone/>
-            </a:pPr>
-            <a:r>
-              <a:rPr lang="en-US" dirty="0">
+          <a:bodyPr>
+            <a:noAutofit/>
+          </a:bodyPr>
+          <a:lstStyle/>
+          <a:p>
+            <a:pPr marL="0" indent="0">
+              <a:buNone/>
+            </a:pPr>
+            <a:r>
+              <a:rPr lang="en-US" sz="2800" dirty="0">
                 <a:latin typeface="Courier"/>
                 <a:cs typeface="Courier"/>
               </a:rPr>
@@ -4815,81 +4697,65 @@
               <a:buNone/>
             </a:pPr>
             <a:r>
-              <a:rPr lang="en-US" dirty="0" smtClean="0">
-                <a:latin typeface="Courier"/>
-                <a:cs typeface="Courier"/>
-              </a:rPr>
-              <a:t>td </a:t>
-            </a:r>
-            <a:r>
-              <a:rPr lang="en-US" dirty="0">
-                <a:latin typeface="Courier"/>
-                <a:cs typeface="Courier"/>
-              </a:rPr>
-              <a:t>&lt;- </a:t>
-            </a:r>
-            <a:r>
-              <a:rPr lang="en-US" dirty="0" err="1">
+              <a:rPr lang="en-US" sz="2800" dirty="0">
+                <a:latin typeface="Courier"/>
+                <a:cs typeface="Courier"/>
+              </a:rPr>
+              <a:t>td &lt;- </a:t>
+            </a:r>
+            <a:r>
+              <a:rPr lang="en-US" sz="2800" dirty="0" err="1">
                 <a:latin typeface="Courier"/>
                 <a:cs typeface="Courier"/>
               </a:rPr>
               <a:t>read.tree</a:t>
             </a:r>
             <a:r>
-              <a:rPr lang="en-US" dirty="0">
-                <a:latin typeface="Courier"/>
-                <a:cs typeface="Courier"/>
-              </a:rPr>
-              <a:t>(</a:t>
-            </a:r>
-            <a:r>
-              <a:rPr lang="en-US" dirty="0" smtClean="0">
-                <a:latin typeface="Courier"/>
-                <a:cs typeface="Courier"/>
-              </a:rPr>
-              <a:t>"</a:t>
-            </a:r>
-            <a:r>
-              <a:rPr lang="en-US" dirty="0" err="1" smtClean="0">
+              <a:rPr lang="en-US" sz="2800" dirty="0">
+                <a:latin typeface="Courier"/>
+                <a:cs typeface="Courier"/>
+              </a:rPr>
+              <a:t>("</a:t>
+            </a:r>
+            <a:r>
+              <a:rPr lang="en-US" sz="2800" dirty="0" err="1">
                 <a:latin typeface="Courier"/>
                 <a:cs typeface="Courier"/>
               </a:rPr>
               <a:t>example.tree.newick</a:t>
             </a:r>
             <a:r>
-              <a:rPr lang="en-US" dirty="0" smtClean="0">
-                <a:latin typeface="Courier"/>
-                <a:cs typeface="Courier"/>
-              </a:rPr>
-              <a:t>"</a:t>
-            </a:r>
-            <a:r>
-              <a:rPr lang="en-US" dirty="0">
-                <a:latin typeface="Courier"/>
-                <a:cs typeface="Courier"/>
-              </a:rPr>
-              <a:t>)</a:t>
-            </a:r>
-          </a:p>
-          <a:p>
-            <a:pPr marL="0" indent="0">
-              <a:buNone/>
-            </a:pPr>
-            <a:r>
-              <a:rPr lang="en-US" dirty="0">
-                <a:latin typeface="Courier"/>
-                <a:cs typeface="Courier"/>
-              </a:rPr>
-              <a:t>summary</a:t>
-            </a:r>
-            <a:r>
-              <a:rPr lang="en-US" dirty="0" smtClean="0">
-                <a:latin typeface="Courier"/>
-                <a:cs typeface="Courier"/>
-              </a:rPr>
-              <a:t>(td)</a:t>
-            </a:r>
-            <a:endParaRPr lang="en-US" dirty="0">
+              <a:rPr lang="en-US" sz="2800" dirty="0">
+                <a:latin typeface="Courier"/>
+                <a:cs typeface="Courier"/>
+              </a:rPr>
+              <a:t>")</a:t>
+            </a:r>
+          </a:p>
+          <a:p>
+            <a:pPr marL="0" indent="0">
+              <a:buNone/>
+            </a:pPr>
+            <a:r>
+              <a:rPr lang="en-US" sz="2800" dirty="0">
+                <a:latin typeface="Courier"/>
+                <a:cs typeface="Courier"/>
+              </a:rPr>
+              <a:t>summary(td)</a:t>
+            </a:r>
+          </a:p>
+          <a:p>
+            <a:pPr marL="0" indent="0">
+              <a:buNone/>
+            </a:pPr>
+            <a:r>
+              <a:rPr lang="en-US" sz="2800" dirty="0" err="1">
+                <a:latin typeface="Courier"/>
+                <a:cs typeface="Courier"/>
+              </a:rPr>
+              <a:t>td$edge</a:t>
+            </a:r>
+            <a:endParaRPr lang="en-US" sz="2800" dirty="0">
               <a:latin typeface="Courier"/>
               <a:cs typeface="Courier"/>
             </a:endParaRPr>
@@ -4899,20 +4765,13 @@
               <a:buNone/>
             </a:pPr>
             <a:r>
-              <a:rPr lang="en-US" dirty="0" err="1" smtClean="0">
-                <a:latin typeface="Courier"/>
-                <a:cs typeface="Courier"/>
-              </a:rPr>
-              <a:t>td$</a:t>
-            </a:r>
-            <a:r>
-              <a:rPr lang="en-US" dirty="0" err="1">
-                <a:latin typeface="Courier"/>
-                <a:cs typeface="Courier"/>
-              </a:rPr>
-              <a:t>edge</a:t>
-            </a:r>
-            <a:endParaRPr lang="en-US" dirty="0">
+              <a:rPr lang="en-US" sz="2800" dirty="0" err="1">
+                <a:latin typeface="Courier"/>
+                <a:cs typeface="Courier"/>
+              </a:rPr>
+              <a:t>td$Nnode</a:t>
+            </a:r>
+            <a:endParaRPr lang="en-US" sz="2800" dirty="0">
               <a:latin typeface="Courier"/>
               <a:cs typeface="Courier"/>
             </a:endParaRPr>
@@ -4922,20 +4781,13 @@
               <a:buNone/>
             </a:pPr>
             <a:r>
-              <a:rPr lang="en-US" dirty="0" err="1" smtClean="0">
-                <a:latin typeface="Courier"/>
-                <a:cs typeface="Courier"/>
-              </a:rPr>
-              <a:t>td$</a:t>
-            </a:r>
-            <a:r>
-              <a:rPr lang="en-US" dirty="0" err="1">
-                <a:latin typeface="Courier"/>
-                <a:cs typeface="Courier"/>
-              </a:rPr>
-              <a:t>Nnode</a:t>
-            </a:r>
-            <a:endParaRPr lang="en-US" dirty="0">
+              <a:rPr lang="en-US" sz="2800" dirty="0" err="1">
+                <a:latin typeface="Courier"/>
+                <a:cs typeface="Courier"/>
+              </a:rPr>
+              <a:t>td$tip.label</a:t>
+            </a:r>
+            <a:endParaRPr lang="en-US" sz="2800" dirty="0">
               <a:latin typeface="Courier"/>
               <a:cs typeface="Courier"/>
             </a:endParaRPr>
@@ -4945,47 +4797,17 @@
               <a:buNone/>
             </a:pPr>
             <a:r>
-              <a:rPr lang="en-US" dirty="0" err="1" smtClean="0">
-                <a:latin typeface="Courier"/>
-                <a:cs typeface="Courier"/>
-              </a:rPr>
-              <a:t>td$</a:t>
-            </a:r>
-            <a:r>
-              <a:rPr lang="en-US" dirty="0" err="1">
-                <a:latin typeface="Courier"/>
-                <a:cs typeface="Courier"/>
-              </a:rPr>
-              <a:t>tip.label</a:t>
-            </a:r>
-            <a:endParaRPr lang="en-US" dirty="0">
+              <a:rPr lang="en-US" sz="2800" dirty="0" err="1">
+                <a:latin typeface="Courier"/>
+                <a:cs typeface="Courier"/>
+              </a:rPr>
+              <a:t>td$edge.length</a:t>
+            </a:r>
+            <a:endParaRPr lang="en-US" sz="2800" dirty="0">
               <a:latin typeface="Courier"/>
               <a:cs typeface="Courier"/>
             </a:endParaRPr>
           </a:p>
-          <a:p>
-            <a:pPr marL="0" indent="0">
-              <a:buNone/>
-            </a:pPr>
-            <a:r>
-              <a:rPr lang="en-US" dirty="0" err="1" smtClean="0">
-                <a:latin typeface="Courier"/>
-                <a:cs typeface="Courier"/>
-              </a:rPr>
-              <a:t>td$</a:t>
-            </a:r>
-            <a:r>
-              <a:rPr lang="en-US" dirty="0" err="1">
-                <a:latin typeface="Courier"/>
-                <a:cs typeface="Courier"/>
-              </a:rPr>
-              <a:t>edge.length</a:t>
-            </a:r>
-            <a:endParaRPr lang="en-US" dirty="0">
-              <a:latin typeface="Courier"/>
-              <a:cs typeface="Courier"/>
-            </a:endParaRPr>
-          </a:p>
         </p:txBody>
       </p:sp>
       <p:sp>
@@ -4996,7 +4818,7 @@
         </p:nvSpPr>
         <p:spPr>
           <a:xfrm>
-            <a:off x="2150882" y="5461442"/>
+            <a:off x="2073372" y="6060142"/>
             <a:ext cx="4997256" cy="523220"/>
           </a:xfrm>
           <a:prstGeom prst="rect">
@@ -5011,18 +4833,13 @@
           <a:lstStyle/>
           <a:p>
             <a:r>
-              <a:rPr lang="en-US" sz="2800" dirty="0" smtClean="0">
+              <a:rPr lang="en-US" sz="2800" dirty="0">
                 <a:solidFill>
                   <a:srgbClr val="FF0000"/>
                 </a:solidFill>
               </a:rPr>
               <a:t>compare data to the tree (graph)</a:t>
             </a:r>
-            <a:endParaRPr lang="en-US" sz="2800" dirty="0">
-              <a:solidFill>
-                <a:srgbClr val="FF0000"/>
-              </a:solidFill>
-            </a:endParaRPr>
           </a:p>
         </p:txBody>
       </p:sp>
@@ -5036,13 +4853,6 @@
   <p:clrMapOvr>
     <a:masterClrMapping/>
   </p:clrMapOvr>
-  <p:timing>
-    <p:tnLst>
-      <p:par>
-        <p:cTn xmlns:p14="http://schemas.microsoft.com/office/powerpoint/2010/main" id="1" dur="indefinite" restart="never" nodeType="tmRoot"/>
-      </p:par>
-    </p:tnLst>
-  </p:timing>
 </p:sld>
 </file>
 
@@ -5079,10 +4889,9 @@
           <a:lstStyle/>
           <a:p>
             <a:r>
-              <a:rPr lang="en-US" dirty="0" smtClean="0"/>
+              <a:rPr lang="en-US" dirty="0"/>
               <a:t>Tree</a:t>
             </a:r>
-            <a:endParaRPr lang="en-US" dirty="0"/>
           </a:p>
         </p:txBody>
       </p:sp>
@@ -5292,18 +5101,13 @@
           <a:lstStyle/>
           <a:p>
             <a:r>
-              <a:rPr lang="en-US" sz="2800" dirty="0" smtClean="0">
+              <a:rPr lang="en-US" sz="2800" dirty="0">
                 <a:solidFill>
                   <a:srgbClr val="FF0000"/>
                 </a:solidFill>
               </a:rPr>
               <a:t>7</a:t>
             </a:r>
-            <a:endParaRPr lang="en-US" sz="2800" dirty="0">
-              <a:solidFill>
-                <a:srgbClr val="FF0000"/>
-              </a:solidFill>
-            </a:endParaRPr>
           </a:p>
         </p:txBody>
       </p:sp>
@@ -5330,18 +5134,13 @@
           <a:lstStyle/>
           <a:p>
             <a:r>
-              <a:rPr lang="en-US" sz="2800" dirty="0" smtClean="0">
+              <a:rPr lang="en-US" sz="2800" dirty="0">
                 <a:solidFill>
                   <a:srgbClr val="FF0000"/>
                 </a:solidFill>
               </a:rPr>
               <a:t>10</a:t>
             </a:r>
-            <a:endParaRPr lang="en-US" sz="2800" dirty="0">
-              <a:solidFill>
-                <a:srgbClr val="FF0000"/>
-              </a:solidFill>
-            </a:endParaRPr>
           </a:p>
         </p:txBody>
       </p:sp>
@@ -5355,13 +5154,6 @@
   <p:clrMapOvr>
     <a:masterClrMapping/>
   </p:clrMapOvr>
-  <p:timing>
-    <p:tnLst>
-      <p:par>
-        <p:cTn xmlns:p14="http://schemas.microsoft.com/office/powerpoint/2010/main" id="1" dur="indefinite" restart="never" nodeType="tmRoot"/>
-      </p:par>
-    </p:tnLst>
-  </p:timing>
 </p:sld>
 </file>
 
@@ -5394,14 +5186,15 @@
         </p:nvSpPr>
         <p:spPr/>
         <p:txBody>
-          <a:bodyPr/>
-          <a:lstStyle/>
-          <a:p>
-            <a:r>
-              <a:rPr lang="en-US" dirty="0" smtClean="0"/>
+          <a:bodyPr>
+            <a:normAutofit/>
+          </a:bodyPr>
+          <a:lstStyle/>
+          <a:p>
+            <a:r>
+              <a:rPr lang="en-US" sz="3200" dirty="0"/>
               <a:t>Problems</a:t>
             </a:r>
-            <a:endParaRPr lang="en-US" dirty="0"/>
           </a:p>
         </p:txBody>
       </p:sp>
@@ -5433,10 +5226,9 @@
               </a:lnSpc>
             </a:pPr>
             <a:r>
-              <a:rPr lang="en-US" sz="3200" dirty="0" smtClean="0"/>
+              <a:rPr lang="en-US" sz="3200" dirty="0"/>
               <a:t>color-highlight the tips of "2" and "4" </a:t>
             </a:r>
-            <a:endParaRPr lang="en-US" sz="3200" dirty="0"/>
           </a:p>
         </p:txBody>
       </p:sp>
@@ -5450,13 +5242,6 @@
   <p:clrMapOvr>
     <a:masterClrMapping/>
   </p:clrMapOvr>
-  <p:timing>
-    <p:tnLst>
-      <p:par>
-        <p:cTn xmlns:p14="http://schemas.microsoft.com/office/powerpoint/2010/main" id="1" dur="indefinite" restart="never" nodeType="tmRoot"/>
-      </p:par>
-    </p:tnLst>
-  </p:timing>
 </p:sld>
 </file>
 
@@ -5489,14 +5274,15 @@
         </p:nvSpPr>
         <p:spPr/>
         <p:txBody>
-          <a:bodyPr/>
-          <a:lstStyle/>
-          <a:p>
-            <a:r>
-              <a:rPr lang="en-US" dirty="0" smtClean="0"/>
+          <a:bodyPr>
+            <a:normAutofit/>
+          </a:bodyPr>
+          <a:lstStyle/>
+          <a:p>
+            <a:r>
+              <a:rPr lang="en-US" sz="3200" dirty="0"/>
               <a:t>Highlight tips</a:t>
             </a:r>
-            <a:endParaRPr lang="en-US" dirty="0"/>
           </a:p>
         </p:txBody>
       </p:sp>
@@ -5537,84 +5323,18 @@
               <a:t> &lt;- </a:t>
             </a:r>
             <a:r>
-              <a:rPr lang="en-US" sz="1600" dirty="0" err="1" smtClean="0">
+              <a:rPr lang="en-US" sz="1600" dirty="0" err="1">
                 <a:latin typeface="Courier"/>
                 <a:cs typeface="Courier"/>
               </a:rPr>
               <a:t>td$tip.label</a:t>
             </a:r>
-            <a:endParaRPr lang="en-US" sz="1600" dirty="0" smtClean="0">
-              <a:latin typeface="Courier"/>
-              <a:cs typeface="Courier"/>
-            </a:endParaRPr>
-          </a:p>
-          <a:p>
             <a:endParaRPr lang="en-US" sz="1600" dirty="0">
               <a:latin typeface="Courier"/>
               <a:cs typeface="Courier"/>
             </a:endParaRPr>
           </a:p>
           <a:p>
-            <a:r>
-              <a:rPr lang="en-US" sz="1600" dirty="0" smtClean="0">
-                <a:latin typeface="Courier"/>
-                <a:cs typeface="Courier"/>
-              </a:rPr>
-              <a:t>#</a:t>
-            </a:r>
-            <a:r>
-              <a:rPr lang="en-US" sz="1600" dirty="0">
-                <a:latin typeface="Courier"/>
-                <a:cs typeface="Courier"/>
-              </a:rPr>
-              <a:t>## two tips to be highlighted</a:t>
-            </a:r>
-          </a:p>
-          <a:p>
-            <a:r>
-              <a:rPr lang="en-US" sz="1600" dirty="0" err="1">
-                <a:latin typeface="Courier"/>
-                <a:cs typeface="Courier"/>
-              </a:rPr>
-              <a:t>highlight.tips</a:t>
-            </a:r>
-            <a:r>
-              <a:rPr lang="en-US" sz="1600" dirty="0">
-                <a:latin typeface="Courier"/>
-                <a:cs typeface="Courier"/>
-              </a:rPr>
-              <a:t> &lt;- c(</a:t>
-            </a:r>
-            <a:r>
-              <a:rPr lang="en-US" sz="1600" dirty="0" smtClean="0">
-                <a:latin typeface="Courier"/>
-                <a:cs typeface="Courier"/>
-              </a:rPr>
-              <a:t>"2"</a:t>
-            </a:r>
-            <a:r>
-              <a:rPr lang="en-US" sz="1600" dirty="0">
-                <a:latin typeface="Courier"/>
-                <a:cs typeface="Courier"/>
-              </a:rPr>
-              <a:t>, </a:t>
-            </a:r>
-            <a:r>
-              <a:rPr lang="en-US" sz="1600" dirty="0" smtClean="0">
-                <a:latin typeface="Courier"/>
-                <a:cs typeface="Courier"/>
-              </a:rPr>
-              <a:t>"4"</a:t>
-            </a:r>
-            <a:r>
-              <a:rPr lang="en-US" sz="1600" dirty="0">
-                <a:latin typeface="Courier"/>
-                <a:cs typeface="Courier"/>
-              </a:rPr>
-              <a:t>)</a:t>
-            </a:r>
-          </a:p>
-          <a:p>
             <a:endParaRPr lang="en-US" sz="1600" dirty="0">
               <a:latin typeface="Courier"/>
               <a:cs typeface="Courier"/>
@@ -5626,7 +5346,7 @@
                 <a:latin typeface="Courier"/>
                 <a:cs typeface="Courier"/>
               </a:rPr>
-              <a:t>### defined colors</a:t>
+              <a:t>### two tips to be highlighted</a:t>
             </a:r>
           </a:p>
           <a:p>
@@ -5635,86 +5355,14 @@
                 <a:latin typeface="Courier"/>
                 <a:cs typeface="Courier"/>
               </a:rPr>
-              <a:t>tip.cols</a:t>
+              <a:t>highlight.tips</a:t>
             </a:r>
             <a:r>
               <a:rPr lang="en-US" sz="1600" dirty="0">
                 <a:latin typeface="Courier"/>
                 <a:cs typeface="Courier"/>
               </a:rPr>
-              <a:t> &lt;- rep("grey", length</a:t>
-            </a:r>
-            <a:r>
-              <a:rPr lang="en-US" sz="1600" dirty="0" smtClean="0">
-                <a:latin typeface="Courier"/>
-                <a:cs typeface="Courier"/>
-              </a:rPr>
-              <a:t>(</a:t>
-            </a:r>
-            <a:r>
-              <a:rPr lang="en-US" sz="1600" dirty="0" err="1" smtClean="0">
-                <a:latin typeface="Courier"/>
-                <a:cs typeface="Courier"/>
-              </a:rPr>
-              <a:t>ntips</a:t>
-            </a:r>
-            <a:r>
-              <a:rPr lang="en-US" sz="1600" dirty="0">
-                <a:latin typeface="Courier"/>
-                <a:cs typeface="Courier"/>
-              </a:rPr>
-              <a:t>))  </a:t>
-            </a:r>
-          </a:p>
-          <a:p>
-            <a:r>
-              <a:rPr lang="en-US" sz="1600" dirty="0" err="1">
-                <a:latin typeface="Courier"/>
-                <a:cs typeface="Courier"/>
-              </a:rPr>
-              <a:t>tip.cols</a:t>
-            </a:r>
-            <a:r>
-              <a:rPr lang="en-US" sz="1600" dirty="0" smtClean="0">
-                <a:latin typeface="Courier"/>
-                <a:cs typeface="Courier"/>
-              </a:rPr>
-              <a:t>[</a:t>
-            </a:r>
-            <a:r>
-              <a:rPr lang="en-US" sz="1600" dirty="0" err="1" smtClean="0">
-                <a:latin typeface="Courier"/>
-                <a:cs typeface="Courier"/>
-              </a:rPr>
-              <a:t>ntips</a:t>
-            </a:r>
-            <a:r>
-              <a:rPr lang="en-US" sz="1600" dirty="0" smtClean="0">
-                <a:latin typeface="Courier"/>
-                <a:cs typeface="Courier"/>
-              </a:rPr>
-              <a:t> </a:t>
-            </a:r>
-            <a:r>
-              <a:rPr lang="en-US" sz="1600" dirty="0">
-                <a:latin typeface="Courier"/>
-                <a:cs typeface="Courier"/>
-              </a:rPr>
-              <a:t>%in% </a:t>
-            </a:r>
-            <a:r>
-              <a:rPr lang="en-US" sz="1600" dirty="0" err="1">
-                <a:latin typeface="Courier"/>
-                <a:cs typeface="Courier"/>
-              </a:rPr>
-              <a:t>highlight.tips</a:t>
-            </a:r>
-            <a:r>
-              <a:rPr lang="en-US" sz="1600" dirty="0">
-                <a:latin typeface="Courier"/>
-                <a:cs typeface="Courier"/>
-              </a:rPr>
-              <a:t>] &lt;- "red"</a:t>
+              <a:t> &lt;- c("2", "4")</a:t>
             </a:r>
           </a:p>
           <a:p>
@@ -5729,6 +5377,95 @@
                 <a:latin typeface="Courier"/>
                 <a:cs typeface="Courier"/>
               </a:rPr>
+              <a:t>### defined colors</a:t>
+            </a:r>
+          </a:p>
+          <a:p>
+            <a:r>
+              <a:rPr lang="en-US" sz="1600" dirty="0" err="1">
+                <a:latin typeface="Courier"/>
+                <a:cs typeface="Courier"/>
+              </a:rPr>
+              <a:t>tip.cols</a:t>
+            </a:r>
+            <a:r>
+              <a:rPr lang="en-US" sz="1600" dirty="0">
+                <a:latin typeface="Courier"/>
+                <a:cs typeface="Courier"/>
+              </a:rPr>
+              <a:t> &lt;- rep("grey", length(</a:t>
+            </a:r>
+            <a:r>
+              <a:rPr lang="en-US" sz="1600" dirty="0" err="1">
+                <a:latin typeface="Courier"/>
+                <a:cs typeface="Courier"/>
+              </a:rPr>
+              <a:t>ntips</a:t>
+            </a:r>
+            <a:r>
+              <a:rPr lang="en-US" sz="1600" dirty="0">
+                <a:latin typeface="Courier"/>
+                <a:cs typeface="Courier"/>
+              </a:rPr>
+              <a:t>))  </a:t>
+            </a:r>
+          </a:p>
+          <a:p>
+            <a:r>
+              <a:rPr lang="en-US" sz="1600" dirty="0" err="1">
+                <a:latin typeface="Courier"/>
+                <a:cs typeface="Courier"/>
+              </a:rPr>
+              <a:t>tip.cols</a:t>
+            </a:r>
+            <a:r>
+              <a:rPr lang="en-US" sz="1600" dirty="0">
+                <a:latin typeface="Courier"/>
+                <a:cs typeface="Courier"/>
+              </a:rPr>
+              <a:t>[</a:t>
+            </a:r>
+            <a:r>
+              <a:rPr lang="en-US" sz="1600" dirty="0" err="1">
+                <a:latin typeface="Courier"/>
+                <a:cs typeface="Courier"/>
+              </a:rPr>
+              <a:t>ntips</a:t>
+            </a:r>
+            <a:r>
+              <a:rPr lang="en-US" sz="1600" dirty="0">
+                <a:latin typeface="Courier"/>
+                <a:cs typeface="Courier"/>
+              </a:rPr>
+              <a:t> %in% </a:t>
+            </a:r>
+            <a:r>
+              <a:rPr lang="en-US" sz="1600" dirty="0" err="1">
+                <a:latin typeface="Courier"/>
+                <a:cs typeface="Courier"/>
+              </a:rPr>
+              <a:t>highlight.tips</a:t>
+            </a:r>
+            <a:r>
+              <a:rPr lang="en-US" sz="1600" dirty="0">
+                <a:latin typeface="Courier"/>
+                <a:cs typeface="Courier"/>
+              </a:rPr>
+              <a:t>] &lt;- "red"</a:t>
+            </a:r>
+          </a:p>
+          <a:p>
+            <a:endParaRPr lang="en-US" sz="1600" dirty="0">
+              <a:latin typeface="Courier"/>
+              <a:cs typeface="Courier"/>
+            </a:endParaRPr>
+          </a:p>
+          <a:p>
+            <a:r>
+              <a:rPr lang="en-US" sz="1600" dirty="0">
+                <a:latin typeface="Courier"/>
+                <a:cs typeface="Courier"/>
+              </a:rPr>
               <a:t>### plotting</a:t>
             </a:r>
           </a:p>
@@ -5741,18 +5478,11 @@
               <a:t>plot.phylo</a:t>
             </a:r>
             <a:r>
-              <a:rPr lang="en-US" sz="1600" dirty="0" smtClean="0">
-                <a:latin typeface="Courier"/>
-                <a:cs typeface="Courier"/>
-              </a:rPr>
-              <a:t>(</a:t>
-            </a:r>
-            <a:r>
-              <a:rPr lang="en-US" sz="1600" dirty="0" smtClean="0">
-                <a:latin typeface="Courier"/>
-                <a:cs typeface="Courier"/>
-              </a:rPr>
-              <a:t>td, </a:t>
+              <a:rPr lang="en-US" sz="1600" dirty="0">
+                <a:latin typeface="Courier"/>
+                <a:cs typeface="Courier"/>
+              </a:rPr>
+              <a:t>(td, </a:t>
             </a:r>
             <a:r>
               <a:rPr lang="en-US" sz="1600" dirty="0" err="1">
@@ -5766,21 +5496,7 @@
                 <a:latin typeface="Courier"/>
                 <a:cs typeface="Courier"/>
               </a:rPr>
-              <a:t> = </a:t>
-            </a:r>
-            <a:r>
-              <a:rPr lang="en-US" sz="1600" dirty="0" smtClean="0">
-                <a:latin typeface="Courier"/>
-                <a:cs typeface="Courier"/>
-              </a:rPr>
-              <a:t>2</a:t>
-            </a:r>
-            <a:r>
-              <a:rPr lang="en-US" sz="1600" dirty="0">
-                <a:latin typeface="Courier"/>
-                <a:cs typeface="Courier"/>
-              </a:rPr>
-              <a:t>, type = "radial", </a:t>
+              <a:t> = 2, type = "radial", </a:t>
             </a:r>
             <a:r>
               <a:rPr lang="en-US" sz="1600" dirty="0" err="1">
@@ -5840,13 +5556,6 @@
   <p:clrMapOvr>
     <a:masterClrMapping/>
   </p:clrMapOvr>
-  <p:timing>
-    <p:tnLst>
-      <p:par>
-        <p:cTn xmlns:p14="http://schemas.microsoft.com/office/powerpoint/2010/main" id="1" dur="indefinite" restart="never" nodeType="tmRoot"/>
-      </p:par>
-    </p:tnLst>
-  </p:timing>
 </p:sld>
 </file>
 
@@ -5879,14 +5588,15 @@
         </p:nvSpPr>
         <p:spPr/>
         <p:txBody>
-          <a:bodyPr/>
-          <a:lstStyle/>
-          <a:p>
-            <a:r>
-              <a:rPr lang="en-US" dirty="0" smtClean="0"/>
+          <a:bodyPr>
+            <a:normAutofit/>
+          </a:bodyPr>
+          <a:lstStyle/>
+          <a:p>
+            <a:r>
+              <a:rPr lang="en-US" sz="3200" dirty="0"/>
               <a:t>highlight edges</a:t>
             </a:r>
-            <a:endParaRPr lang="en-US" dirty="0"/>
           </a:p>
         </p:txBody>
       </p:sp>
@@ -5916,35 +5626,28 @@
               <a:buNone/>
             </a:pPr>
             <a:r>
-              <a:rPr lang="en-US" sz="2000" dirty="0" err="1" smtClean="0">
+              <a:rPr lang="en-US" sz="2000" dirty="0" err="1">
                 <a:latin typeface="Courier"/>
                 <a:cs typeface="Courier"/>
               </a:rPr>
               <a:t>nedges</a:t>
             </a:r>
             <a:r>
-              <a:rPr lang="en-US" sz="2000" dirty="0" smtClean="0">
+              <a:rPr lang="en-US" sz="2000" dirty="0">
                 <a:latin typeface="Courier"/>
                 <a:cs typeface="Courier"/>
               </a:rPr>
               <a:t> &lt;- </a:t>
             </a:r>
             <a:r>
-              <a:rPr lang="en-US" sz="2000" dirty="0" err="1" smtClean="0">
-                <a:latin typeface="Courier"/>
-                <a:cs typeface="Courier"/>
-              </a:rPr>
-              <a:t>td$</a:t>
-            </a:r>
-            <a:r>
-              <a:rPr lang="en-US" sz="2000" dirty="0" err="1" smtClean="0">
-                <a:latin typeface="Courier"/>
-                <a:cs typeface="Courier"/>
-              </a:rPr>
-              <a:t>edge</a:t>
-            </a:r>
-            <a:r>
-              <a:rPr lang="en-US" sz="2000" dirty="0" smtClean="0">
+              <a:rPr lang="en-US" sz="2000" dirty="0" err="1">
+                <a:latin typeface="Courier"/>
+                <a:cs typeface="Courier"/>
+              </a:rPr>
+              <a:t>td$edge</a:t>
+            </a:r>
+            <a:r>
+              <a:rPr lang="en-US" sz="2000" dirty="0">
                 <a:latin typeface="Courier"/>
                 <a:cs typeface="Courier"/>
               </a:rPr>
@@ -5956,16 +5659,12 @@
               <a:buNone/>
             </a:pPr>
             <a:r>
-              <a:rPr lang="en-US" sz="2000" dirty="0" smtClean="0">
+              <a:rPr lang="en-US" sz="2000" dirty="0">
                 <a:latin typeface="Courier"/>
                 <a:cs typeface="Courier"/>
               </a:rPr>
               <a:t># convert leaf IDs to leaf names</a:t>
             </a:r>
-            <a:endParaRPr lang="en-US" sz="2000" dirty="0" smtClean="0">
-              <a:latin typeface="Courier"/>
-              <a:cs typeface="Courier"/>
-            </a:endParaRPr>
           </a:p>
           <a:p>
             <a:pPr marL="0" indent="0">
@@ -5993,14 +5692,14 @@
               <a:t>td$tip.label</a:t>
             </a:r>
             <a:r>
-              <a:rPr lang="en-US" sz="2000" dirty="0" smtClean="0">
+              <a:rPr lang="en-US" sz="2000" dirty="0">
                 <a:latin typeface="Courier"/>
                 <a:cs typeface="Courier"/>
               </a:rPr>
               <a:t>[</a:t>
             </a:r>
             <a:r>
-              <a:rPr lang="en-US" sz="2000" dirty="0" err="1" smtClean="0">
+              <a:rPr lang="en-US" sz="2000" dirty="0" err="1">
                 <a:latin typeface="Courier"/>
                 <a:cs typeface="Courier"/>
               </a:rPr>
@@ -6011,15 +5710,13 @@
                 <a:latin typeface="Courier"/>
                 <a:cs typeface="Courier"/>
               </a:rPr>
-              <a:t>[, 2</a:t>
-            </a:r>
-            <a:r>
-              <a:rPr lang="en-US" sz="2000" dirty="0" smtClean="0">
-                <a:latin typeface="Courier"/>
-                <a:cs typeface="Courier"/>
-              </a:rPr>
-              <a:t>]]</a:t>
-            </a:r>
+              <a:t>[, 2]]</a:t>
+            </a:r>
+          </a:p>
+          <a:p>
+            <a:pPr marL="0" indent="0">
+              <a:buNone/>
+            </a:pPr>
             <a:endParaRPr lang="en-US" sz="2000" dirty="0">
               <a:latin typeface="Courier"/>
               <a:cs typeface="Courier"/>
@@ -6029,35 +5726,19 @@
             <a:pPr marL="0" indent="0">
               <a:buNone/>
             </a:pPr>
-            <a:endParaRPr lang="en-US" sz="2000" dirty="0" smtClean="0">
-              <a:latin typeface="Courier"/>
-              <a:cs typeface="Courier"/>
-            </a:endParaRPr>
-          </a:p>
-          <a:p>
-            <a:pPr marL="0" indent="0">
-              <a:buNone/>
-            </a:pPr>
-            <a:r>
-              <a:rPr lang="en-US" sz="2000" dirty="0" err="1" smtClean="0">
+            <a:r>
+              <a:rPr lang="en-US" sz="2000" dirty="0" err="1">
                 <a:latin typeface="Courier"/>
                 <a:cs typeface="Courier"/>
               </a:rPr>
               <a:t>edge.cols</a:t>
             </a:r>
             <a:r>
-              <a:rPr lang="en-US" sz="2000" dirty="0" smtClean="0">
-                <a:latin typeface="Courier"/>
-                <a:cs typeface="Courier"/>
-              </a:rPr>
-              <a:t> </a:t>
-            </a:r>
-            <a:r>
               <a:rPr lang="en-US" sz="2000" dirty="0">
                 <a:latin typeface="Courier"/>
                 <a:cs typeface="Courier"/>
               </a:rPr>
-              <a:t>&lt;- rep("grey", </a:t>
+              <a:t> &lt;- rep("grey", </a:t>
             </a:r>
             <a:r>
               <a:rPr lang="en-US" sz="2000" dirty="0" err="1">
@@ -6142,7 +5823,7 @@
               <a:buNone/>
             </a:pPr>
             <a:r>
-              <a:rPr lang="en-US" sz="2000" dirty="0" err="1" smtClean="0">
+              <a:rPr lang="en-US" sz="2000" dirty="0" err="1">
                 <a:latin typeface="Courier"/>
                 <a:cs typeface="Courier"/>
               </a:rPr>
@@ -6205,13 +5886,13 @@
               <a:t>edge.cols</a:t>
             </a:r>
             <a:r>
-              <a:rPr lang="en-US" sz="2000" dirty="0" smtClean="0">
+              <a:rPr lang="en-US" sz="2000" dirty="0">
                 <a:latin typeface="Courier"/>
                 <a:cs typeface="Courier"/>
               </a:rPr>
               <a:t>)</a:t>
             </a:r>
-            <a:endParaRPr lang="is-IS" sz="2000" dirty="0" smtClean="0">
+            <a:endParaRPr lang="is-IS" sz="2000" dirty="0">
               <a:latin typeface="Courier"/>
               <a:cs typeface="Courier"/>
             </a:endParaRPr>
@@ -6256,13 +5937,6 @@
   <p:clrMapOvr>
     <a:masterClrMapping/>
   </p:clrMapOvr>
-  <p:timing>
-    <p:tnLst>
-      <p:par>
-        <p:cTn xmlns:p14="http://schemas.microsoft.com/office/powerpoint/2010/main" id="1" dur="indefinite" restart="never" nodeType="tmRoot"/>
-      </p:par>
-    </p:tnLst>
-  </p:timing>
 </p:sld>
 </file>
 
@@ -6295,22 +5969,23 @@
         </p:nvSpPr>
         <p:spPr/>
         <p:txBody>
-          <a:bodyPr/>
-          <a:lstStyle/>
-          <a:p>
-            <a:r>
-              <a:rPr lang="en-US" dirty="0"/>
+          <a:bodyPr>
+            <a:normAutofit/>
+          </a:bodyPr>
+          <a:lstStyle/>
+          <a:p>
+            <a:r>
+              <a:rPr lang="en-US" sz="3200" dirty="0"/>
               <a:t>Interactive tree of life (</a:t>
             </a:r>
             <a:r>
-              <a:rPr lang="en-US" dirty="0" err="1" smtClean="0"/>
+              <a:rPr lang="en-US" sz="3200" dirty="0" err="1"/>
               <a:t>iTOL</a:t>
             </a:r>
             <a:r>
-              <a:rPr lang="en-US" dirty="0" smtClean="0"/>
+              <a:rPr lang="en-US" sz="3200" dirty="0"/>
               <a:t>)</a:t>
             </a:r>
-            <a:endParaRPr lang="en-US" dirty="0"/>
           </a:p>
         </p:txBody>
       </p:sp>
@@ -6344,51 +6019,39 @@
               <a:t>https://</a:t>
             </a:r>
             <a:r>
-              <a:rPr lang="en-US" sz="2800" dirty="0" err="1" smtClean="0"/>
+              <a:rPr lang="en-US" sz="2800" dirty="0" err="1"/>
               <a:t>itol.embl.de</a:t>
             </a:r>
-            <a:endParaRPr lang="en-US" sz="2800" dirty="0" smtClean="0"/>
+            <a:endParaRPr lang="en-US" sz="2800" dirty="0"/>
           </a:p>
           <a:p>
             <a:r>
               <a:rPr lang="en-US" sz="2800" dirty="0"/>
-              <a:t>Input </a:t>
-            </a:r>
-            <a:r>
-              <a:rPr lang="en-US" sz="2800" dirty="0" smtClean="0"/>
-              <a:t>data: </a:t>
-            </a:r>
-            <a:r>
-              <a:rPr lang="en-US" sz="2800" dirty="0" err="1" smtClean="0"/>
+              <a:t>Input data: </a:t>
+            </a:r>
+            <a:r>
+              <a:rPr lang="en-US" sz="2800" dirty="0" err="1"/>
               <a:t>Newick</a:t>
             </a:r>
             <a:r>
               <a:rPr lang="en-US" sz="2800" dirty="0"/>
-              <a:t>, </a:t>
-            </a:r>
-            <a:r>
-              <a:rPr lang="en-US" sz="2800" dirty="0" smtClean="0"/>
-              <a:t>Nexus, </a:t>
-            </a:r>
+              <a:t>, Nexus, and </a:t>
+            </a:r>
+            <a:r>
+              <a:rPr lang="en-US" sz="2800" dirty="0" err="1"/>
+              <a:t>phyloXML</a:t>
+            </a:r>
+            <a:endParaRPr lang="en-US" sz="2800" dirty="0"/>
+          </a:p>
+          <a:p>
             <a:r>
               <a:rPr lang="en-US" sz="2800" dirty="0"/>
-              <a:t>and </a:t>
-            </a:r>
-            <a:r>
-              <a:rPr lang="en-US" sz="2800" dirty="0" err="1" smtClean="0"/>
-              <a:t>phyloXML</a:t>
-            </a:r>
-            <a:endParaRPr lang="en-US" sz="2800" dirty="0" smtClean="0"/>
-          </a:p>
-          <a:p>
-            <a:r>
-              <a:rPr lang="en-US" sz="2800" dirty="0" smtClean="0"/>
               <a:t>Interactive editing</a:t>
             </a:r>
           </a:p>
           <a:p>
             <a:r>
-              <a:rPr lang="en-US" sz="2800" dirty="0" smtClean="0"/>
+              <a:rPr lang="en-US" sz="2800" dirty="0"/>
               <a:t>Output vector graphic images (editable)</a:t>
             </a:r>
           </a:p>
@@ -6430,13 +6093,9 @@
             </a:r>
             <a:r>
               <a:rPr lang="en-US" sz="2400" dirty="0" err="1"/>
-              <a:t>help.cgi#</a:t>
-            </a:r>
-            <a:r>
-              <a:rPr lang="en-US" sz="2400" dirty="0" err="1" smtClean="0"/>
-              <a:t>popup</a:t>
-            </a:r>
-            <a:endParaRPr lang="en-US" sz="2400" dirty="0" smtClean="0"/>
+              <a:t>help.cgi#popup</a:t>
+            </a:r>
+            <a:endParaRPr lang="en-US" sz="2400" dirty="0"/>
           </a:p>
           <a:p>
             <a:r>
@@ -6469,13 +6128,6 @@
   <p:clrMapOvr>
     <a:masterClrMapping/>
   </p:clrMapOvr>
-  <p:timing>
-    <p:tnLst>
-      <p:par>
-        <p:cTn xmlns:p14="http://schemas.microsoft.com/office/powerpoint/2010/main" id="1" dur="indefinite" restart="never" nodeType="tmRoot"/>
-      </p:par>
-    </p:tnLst>
-  </p:timing>
 </p:sld>
 </file>
 
@@ -6508,19 +6160,20 @@
         </p:nvSpPr>
         <p:spPr>
           <a:xfrm>
-            <a:off x="457200" y="274638"/>
-            <a:ext cx="8229600" cy="924806"/>
+            <a:off x="457200" y="274637"/>
+            <a:ext cx="8229600" cy="1010465"/>
           </a:xfrm>
         </p:spPr>
         <p:txBody>
-          <a:bodyPr/>
-          <a:lstStyle/>
-          <a:p>
-            <a:r>
-              <a:rPr lang="en-US" dirty="0" smtClean="0"/>
+          <a:bodyPr>
+            <a:normAutofit/>
+          </a:bodyPr>
+          <a:lstStyle/>
+          <a:p>
+            <a:r>
+              <a:rPr lang="en-US" sz="3600" dirty="0"/>
               <a:t>Goal of today’s lab</a:t>
             </a:r>
-            <a:endParaRPr lang="en-US" dirty="0"/>
           </a:p>
         </p:txBody>
       </p:sp>
@@ -6536,8 +6189,8 @@
         </p:nvSpPr>
         <p:spPr>
           <a:xfrm>
-            <a:off x="900836" y="1801953"/>
-            <a:ext cx="7938364" cy="3088789"/>
+            <a:off x="457199" y="1752526"/>
+            <a:ext cx="8340811" cy="3659733"/>
           </a:xfrm>
         </p:spPr>
         <p:txBody>
@@ -6552,7 +6205,7 @@
               </a:lnSpc>
             </a:pPr>
             <a:r>
-              <a:rPr lang="en-US" sz="2800" dirty="0" smtClean="0"/>
+              <a:rPr lang="en-US" sz="3200" dirty="0"/>
               <a:t>Preparation of variant data</a:t>
             </a:r>
           </a:p>
@@ -6563,7 +6216,7 @@
               </a:lnSpc>
             </a:pPr>
             <a:r>
-              <a:rPr lang="en-US" sz="2800" dirty="0" smtClean="0"/>
+              <a:rPr lang="en-US" sz="3200" dirty="0"/>
               <a:t>Construction of phylogenetic trees using "ape"</a:t>
             </a:r>
           </a:p>
@@ -6574,7 +6227,7 @@
               </a:lnSpc>
             </a:pPr>
             <a:r>
-              <a:rPr lang="en-US" sz="2800" dirty="0" smtClean="0"/>
+              <a:rPr lang="en-US" sz="3200" dirty="0"/>
               <a:t>Other software packages</a:t>
             </a:r>
           </a:p>
@@ -6585,14 +6238,14 @@
               </a:lnSpc>
             </a:pPr>
             <a:r>
-              <a:rPr lang="en-US" sz="2800" dirty="0" smtClean="0"/>
+              <a:rPr lang="en-US" sz="3200" dirty="0"/>
               <a:t>online tools: </a:t>
             </a:r>
             <a:r>
-              <a:rPr lang="en-US" sz="2800" dirty="0" err="1" smtClean="0"/>
+              <a:rPr lang="en-US" sz="3200" dirty="0" err="1"/>
               <a:t>itol</a:t>
             </a:r>
-            <a:endParaRPr lang="en-US" sz="2800" dirty="0"/>
+            <a:endParaRPr lang="en-US" sz="3200" dirty="0"/>
           </a:p>
         </p:txBody>
       </p:sp>
@@ -6606,13 +6259,6 @@
   <p:clrMapOvr>
     <a:masterClrMapping/>
   </p:clrMapOvr>
-  <p:timing>
-    <p:tnLst>
-      <p:par>
-        <p:cTn xmlns:p14="http://schemas.microsoft.com/office/powerpoint/2010/main" id="1" dur="indefinite" restart="never" nodeType="tmRoot"/>
-      </p:par>
-    </p:tnLst>
-  </p:timing>
 </p:sld>
 </file>
 
@@ -6643,51 +6289,59 @@
             <p:ph type="title"/>
           </p:nvPr>
         </p:nvSpPr>
-        <p:spPr/>
-        <p:txBody>
-          <a:bodyPr/>
-          <a:lstStyle/>
-          <a:p>
-            <a:r>
-              <a:rPr lang="en-US" dirty="0" smtClean="0"/>
-              <a:t>package installation</a:t>
-            </a:r>
-            <a:endParaRPr lang="en-US" dirty="0"/>
-          </a:p>
-        </p:txBody>
-      </p:sp>
-      <p:sp>
-        <p:nvSpPr>
-          <p:cNvPr id="3" name="Content Placeholder 2"/>
-          <p:cNvSpPr>
-            <a:spLocks noGrp="1"/>
-          </p:cNvSpPr>
-          <p:nvPr>
-            <p:ph idx="1"/>
-          </p:nvPr>
-        </p:nvSpPr>
         <p:spPr>
           <a:xfrm>
-            <a:off x="1498600" y="2668440"/>
-            <a:ext cx="5283200" cy="1040824"/>
+            <a:off x="457200" y="497059"/>
+            <a:ext cx="8229600" cy="772987"/>
           </a:xfrm>
         </p:spPr>
         <p:txBody>
-          <a:bodyPr/>
-          <a:lstStyle/>
-          <a:p>
-            <a:pPr marL="0" indent="0">
-              <a:buNone/>
-            </a:pPr>
-            <a:r>
-              <a:rPr lang="en-US" dirty="0" err="1">
+          <a:bodyPr>
+            <a:normAutofit/>
+          </a:bodyPr>
+          <a:lstStyle/>
+          <a:p>
+            <a:r>
+              <a:rPr lang="en-US" sz="3600" dirty="0"/>
+              <a:t>package installation</a:t>
+            </a:r>
+          </a:p>
+        </p:txBody>
+      </p:sp>
+      <p:sp>
+        <p:nvSpPr>
+          <p:cNvPr id="3" name="Content Placeholder 2"/>
+          <p:cNvSpPr>
+            <a:spLocks noGrp="1"/>
+          </p:cNvSpPr>
+          <p:nvPr>
+            <p:ph idx="1"/>
+          </p:nvPr>
+        </p:nvSpPr>
+        <p:spPr>
+          <a:xfrm>
+            <a:off x="1458097" y="2668440"/>
+            <a:ext cx="6734432" cy="1040824"/>
+          </a:xfrm>
+        </p:spPr>
+        <p:txBody>
+          <a:bodyPr>
+            <a:noAutofit/>
+          </a:bodyPr>
+          <a:lstStyle/>
+          <a:p>
+            <a:pPr marL="0" indent="0">
+              <a:buNone/>
+            </a:pPr>
+            <a:r>
+              <a:rPr lang="en-US" sz="3200" dirty="0" err="1">
                 <a:latin typeface="Courier"/>
                 <a:cs typeface="Courier"/>
               </a:rPr>
               <a:t>install.packages</a:t>
             </a:r>
             <a:r>
-              <a:rPr lang="en-US" dirty="0">
+              <a:rPr lang="en-US" sz="3200" dirty="0">
                 <a:latin typeface="Courier"/>
                 <a:cs typeface="Courier"/>
               </a:rPr>
@@ -6699,19 +6353,70 @@
               <a:buNone/>
             </a:pPr>
             <a:r>
-              <a:rPr lang="en-US" dirty="0" smtClean="0">
-                <a:latin typeface="Courier"/>
-                <a:cs typeface="Courier"/>
-              </a:rPr>
-              <a:t>library</a:t>
-            </a:r>
-            <a:r>
-              <a:rPr lang="en-US" dirty="0">
-                <a:latin typeface="Courier"/>
-                <a:cs typeface="Courier"/>
-              </a:rPr>
-              <a:t>("ape")</a:t>
-            </a:r>
+              <a:rPr lang="en-US" sz="3200" dirty="0">
+                <a:latin typeface="Courier"/>
+                <a:cs typeface="Courier"/>
+              </a:rPr>
+              <a:t>library("ape")</a:t>
+            </a:r>
+          </a:p>
+        </p:txBody>
+      </p:sp>
+      <p:sp>
+        <p:nvSpPr>
+          <p:cNvPr id="4" name="Rectangle 3">
+            <a:extLst>
+              <a:ext uri="{FF2B5EF4-FFF2-40B4-BE49-F238E27FC236}">
+                <a16:creationId xmlns:a16="http://schemas.microsoft.com/office/drawing/2014/main" id="{8743BF6A-8088-B94C-85BD-A060ECDCAB64}"/>
+              </a:ext>
+            </a:extLst>
+          </p:cNvPr>
+          <p:cNvSpPr/>
+          <p:nvPr/>
+        </p:nvSpPr>
+        <p:spPr>
+          <a:xfrm>
+            <a:off x="349421" y="4917612"/>
+            <a:ext cx="8374450" cy="400110"/>
+          </a:xfrm>
+          <a:prstGeom prst="rect">
+            <a:avLst/>
+          </a:prstGeom>
+        </p:spPr>
+        <p:txBody>
+          <a:bodyPr wrap="square">
+            <a:spAutoFit/>
+          </a:bodyPr>
+          <a:lstStyle/>
+          <a:p>
+            <a:pPr algn="ctr"/>
+            <a:r>
+              <a:rPr lang="en-US" sz="2000" dirty="0">
+                <a:latin typeface="Courier" pitchFamily="2" charset="0"/>
+              </a:rPr>
+              <a:t>https://</a:t>
+            </a:r>
+            <a:r>
+              <a:rPr lang="en-US" sz="2000" dirty="0" err="1">
+                <a:latin typeface="Courier" pitchFamily="2" charset="0"/>
+              </a:rPr>
+              <a:t>cran.r-project.org</a:t>
+            </a:r>
+            <a:r>
+              <a:rPr lang="en-US" sz="2000" dirty="0">
+                <a:latin typeface="Courier" pitchFamily="2" charset="0"/>
+              </a:rPr>
+              <a:t>/web/packages/ape/</a:t>
+            </a:r>
+            <a:r>
+              <a:rPr lang="en-US" sz="2000" dirty="0" err="1">
+                <a:latin typeface="Courier" pitchFamily="2" charset="0"/>
+              </a:rPr>
+              <a:t>ape.pdf</a:t>
+            </a:r>
+            <a:endParaRPr lang="en-US" sz="2000" dirty="0">
+              <a:latin typeface="Courier" pitchFamily="2" charset="0"/>
+            </a:endParaRPr>
           </a:p>
         </p:txBody>
       </p:sp>
@@ -6725,13 +6430,6 @@
   <p:clrMapOvr>
     <a:masterClrMapping/>
   </p:clrMapOvr>
-  <p:timing>
-    <p:tnLst>
-      <p:par>
-        <p:cTn xmlns:p14="http://schemas.microsoft.com/office/powerpoint/2010/main" id="1" dur="indefinite" restart="never" nodeType="tmRoot"/>
-      </p:par>
-    </p:tnLst>
-  </p:timing>
 </p:sld>
 </file>
 
@@ -6762,64 +6460,69 @@
             <p:ph type="title"/>
           </p:nvPr>
         </p:nvSpPr>
-        <p:spPr/>
-        <p:txBody>
-          <a:bodyPr/>
-          <a:lstStyle/>
-          <a:p>
-            <a:r>
-              <a:rPr lang="en-US" dirty="0" smtClean="0"/>
-              <a:t>Create a working directory in </a:t>
-            </a:r>
-            <a:r>
-              <a:rPr lang="en-US" dirty="0" err="1" smtClean="0"/>
-              <a:t>Beocat</a:t>
-            </a:r>
-            <a:endParaRPr lang="en-US" dirty="0"/>
-          </a:p>
-        </p:txBody>
-      </p:sp>
-      <p:sp>
-        <p:nvSpPr>
-          <p:cNvPr id="3" name="Content Placeholder 2"/>
-          <p:cNvSpPr>
-            <a:spLocks noGrp="1"/>
-          </p:cNvSpPr>
-          <p:nvPr>
-            <p:ph idx="1"/>
-          </p:nvPr>
-        </p:nvSpPr>
         <p:spPr>
           <a:xfrm>
-            <a:off x="2548322" y="2838324"/>
-            <a:ext cx="4182244" cy="619121"/>
+            <a:off x="457200" y="274638"/>
+            <a:ext cx="8229600" cy="973394"/>
           </a:xfrm>
         </p:spPr>
         <p:txBody>
-          <a:bodyPr/>
-          <a:lstStyle/>
-          <a:p>
-            <a:pPr marL="0" indent="0">
-              <a:buNone/>
-            </a:pPr>
-            <a:r>
-              <a:rPr lang="en-US" dirty="0" err="1" smtClean="0">
+          <a:bodyPr>
+            <a:normAutofit/>
+          </a:bodyPr>
+          <a:lstStyle/>
+          <a:p>
+            <a:r>
+              <a:rPr lang="en-US" sz="3200" dirty="0"/>
+              <a:t>Create a working directory in </a:t>
+            </a:r>
+            <a:r>
+              <a:rPr lang="en-US" sz="3200" dirty="0" err="1"/>
+              <a:t>Beocat</a:t>
+            </a:r>
+            <a:endParaRPr lang="en-US" sz="3200" dirty="0"/>
+          </a:p>
+        </p:txBody>
+      </p:sp>
+      <p:sp>
+        <p:nvSpPr>
+          <p:cNvPr id="3" name="Content Placeholder 2"/>
+          <p:cNvSpPr>
+            <a:spLocks noGrp="1"/>
+          </p:cNvSpPr>
+          <p:nvPr>
+            <p:ph idx="1"/>
+          </p:nvPr>
+        </p:nvSpPr>
+        <p:spPr>
+          <a:xfrm>
+            <a:off x="1377778" y="2949535"/>
+            <a:ext cx="6388443" cy="619121"/>
+          </a:xfrm>
+        </p:spPr>
+        <p:txBody>
+          <a:bodyPr>
+            <a:noAutofit/>
+          </a:bodyPr>
+          <a:lstStyle/>
+          <a:p>
+            <a:pPr marL="0" indent="0">
+              <a:buNone/>
+            </a:pPr>
+            <a:r>
+              <a:rPr lang="en-US" sz="3600" dirty="0" err="1">
                 <a:latin typeface="Courier"/>
                 <a:cs typeface="Courier"/>
               </a:rPr>
               <a:t>mkdir</a:t>
             </a:r>
             <a:r>
-              <a:rPr lang="en-US" dirty="0" smtClean="0">
+              <a:rPr lang="en-US" sz="3600" dirty="0">
                 <a:latin typeface="Courier"/>
                 <a:cs typeface="Courier"/>
               </a:rPr>
               <a:t> lab09_phylogeny</a:t>
             </a:r>
-            <a:endParaRPr lang="en-US" dirty="0">
-              <a:latin typeface="Courier"/>
-              <a:cs typeface="Courier"/>
-            </a:endParaRPr>
           </a:p>
         </p:txBody>
       </p:sp>
@@ -6833,13 +6536,6 @@
   <p:clrMapOvr>
     <a:masterClrMapping/>
   </p:clrMapOvr>
-  <p:timing>
-    <p:tnLst>
-      <p:par>
-        <p:cTn xmlns:p14="http://schemas.microsoft.com/office/powerpoint/2010/main" id="1" dur="indefinite" restart="never" nodeType="tmRoot"/>
-      </p:par>
-    </p:tnLst>
-  </p:timing>
 </p:sld>
 </file>
 
@@ -6872,18 +6568,19 @@
         </p:nvSpPr>
         <p:spPr/>
         <p:txBody>
-          <a:bodyPr/>
-          <a:lstStyle/>
-          <a:p>
-            <a:r>
-              <a:rPr lang="en-US" dirty="0" err="1" smtClean="0"/>
+          <a:bodyPr>
+            <a:normAutofit/>
+          </a:bodyPr>
+          <a:lstStyle/>
+          <a:p>
+            <a:r>
+              <a:rPr lang="en-US" sz="3200" dirty="0" err="1"/>
               <a:t>Newick</a:t>
             </a:r>
             <a:r>
-              <a:rPr lang="en-US" dirty="0" smtClean="0"/>
+              <a:rPr lang="en-US" sz="3200" dirty="0"/>
               <a:t> tree data</a:t>
             </a:r>
-            <a:endParaRPr lang="en-US" dirty="0"/>
           </a:p>
         </p:txBody>
       </p:sp>
@@ -6922,43 +6619,6 @@
             <a:pPr marL="0" indent="0">
               <a:buNone/>
             </a:pPr>
-            <a:endParaRPr lang="en-US" dirty="0" smtClean="0">
-              <a:latin typeface="Courier"/>
-              <a:cs typeface="Courier"/>
-            </a:endParaRPr>
-          </a:p>
-          <a:p>
-            <a:pPr marL="0" indent="0">
-              <a:buNone/>
-            </a:pPr>
-            <a:r>
-              <a:rPr lang="en-US" dirty="0" smtClean="0">
-                <a:latin typeface="Courier"/>
-                <a:cs typeface="Courier"/>
-              </a:rPr>
-              <a:t>data</a:t>
-            </a:r>
-            <a:r>
-              <a:rPr lang="en-US" dirty="0">
-                <a:latin typeface="Courier"/>
-                <a:cs typeface="Courier"/>
-              </a:rPr>
-              <a:t>(</a:t>
-            </a:r>
-            <a:r>
-              <a:rPr lang="en-US" dirty="0" err="1">
-                <a:latin typeface="Courier"/>
-                <a:cs typeface="Courier"/>
-              </a:rPr>
-              <a:t>hivtree.newick</a:t>
-            </a:r>
-            <a:r>
-              <a:rPr lang="en-US" dirty="0" smtClean="0">
-                <a:latin typeface="Courier"/>
-                <a:cs typeface="Courier"/>
-              </a:rPr>
-              <a:t>)  ### load data</a:t>
-            </a:r>
             <a:endParaRPr lang="en-US" dirty="0">
               <a:latin typeface="Courier"/>
               <a:cs typeface="Courier"/>
@@ -6969,33 +6629,64 @@
               <a:buNone/>
             </a:pPr>
             <a:r>
-              <a:rPr lang="en-US" dirty="0" err="1" smtClean="0">
+              <a:rPr lang="en-US" dirty="0">
+                <a:latin typeface="Courier"/>
+                <a:cs typeface="Courier"/>
+              </a:rPr>
+              <a:t>data(</a:t>
+            </a:r>
+            <a:r>
+              <a:rPr lang="en-US" dirty="0" err="1">
                 <a:latin typeface="Courier"/>
                 <a:cs typeface="Courier"/>
               </a:rPr>
               <a:t>hivtree.newick</a:t>
             </a:r>
             <a:r>
-              <a:rPr lang="en-US" dirty="0" smtClean="0">
+              <a:rPr lang="en-US" dirty="0">
+                <a:latin typeface="Courier"/>
+                <a:cs typeface="Courier"/>
+              </a:rPr>
+              <a:t>)  ### load data</a:t>
+            </a:r>
+          </a:p>
+          <a:p>
+            <a:pPr marL="0" indent="0">
+              <a:buNone/>
+            </a:pPr>
+            <a:r>
+              <a:rPr lang="en-US" dirty="0" err="1">
+                <a:latin typeface="Courier"/>
+                <a:cs typeface="Courier"/>
+              </a:rPr>
+              <a:t>hivtree.newick</a:t>
+            </a:r>
+            <a:r>
+              <a:rPr lang="en-US" dirty="0">
                 <a:latin typeface="Courier"/>
                 <a:cs typeface="Courier"/>
               </a:rPr>
               <a:t> ### check the </a:t>
             </a:r>
             <a:r>
-              <a:rPr lang="en-US" dirty="0" err="1" smtClean="0">
+              <a:rPr lang="en-US" dirty="0" err="1">
                 <a:latin typeface="Courier"/>
                 <a:cs typeface="Courier"/>
               </a:rPr>
               <a:t>Newick</a:t>
             </a:r>
             <a:r>
-              <a:rPr lang="en-US" dirty="0" smtClean="0">
+              <a:rPr lang="en-US" dirty="0">
                 <a:latin typeface="Courier"/>
                 <a:cs typeface="Courier"/>
               </a:rPr>
               <a:t> format</a:t>
             </a:r>
+          </a:p>
+          <a:p>
+            <a:pPr marL="0" indent="0">
+              <a:buNone/>
+            </a:pPr>
             <a:endParaRPr lang="en-US" dirty="0">
               <a:latin typeface="Courier"/>
               <a:cs typeface="Courier"/>
@@ -7005,44 +6696,24 @@
             <a:pPr marL="0" indent="0">
               <a:buNone/>
             </a:pPr>
-            <a:endParaRPr lang="en-US" dirty="0" smtClean="0">
-              <a:latin typeface="Courier"/>
-              <a:cs typeface="Courier"/>
-            </a:endParaRPr>
-          </a:p>
-          <a:p>
-            <a:pPr marL="0" indent="0">
-              <a:buNone/>
-            </a:pPr>
-            <a:r>
-              <a:rPr lang="en-US" dirty="0" smtClean="0">
+            <a:r>
+              <a:rPr lang="en-US" dirty="0">
                 <a:latin typeface="Courier"/>
                 <a:cs typeface="Courier"/>
               </a:rPr>
               <a:t>### output to a file:</a:t>
             </a:r>
-            <a:endParaRPr lang="en-US" dirty="0">
-              <a:latin typeface="Courier"/>
-              <a:cs typeface="Courier"/>
-            </a:endParaRPr>
-          </a:p>
-          <a:p>
-            <a:pPr marL="0" indent="0">
-              <a:buNone/>
-            </a:pPr>
-            <a:r>
-              <a:rPr lang="en-US" dirty="0" smtClean="0">
-                <a:latin typeface="Courier"/>
-                <a:cs typeface="Courier"/>
-              </a:rPr>
-              <a:t>cat</a:t>
-            </a:r>
+          </a:p>
+          <a:p>
+            <a:pPr marL="0" indent="0">
+              <a:buNone/>
+            </a:pPr>
             <a:r>
               <a:rPr lang="en-US" dirty="0">
                 <a:latin typeface="Courier"/>
                 <a:cs typeface="Courier"/>
               </a:rPr>
-              <a:t>(</a:t>
+              <a:t>cat(</a:t>
             </a:r>
             <a:r>
               <a:rPr lang="en-US" dirty="0" err="1">
@@ -7070,14 +6741,7 @@
                 <a:latin typeface="Courier"/>
                 <a:cs typeface="Courier"/>
               </a:rPr>
-              <a:t>"</a:t>
-            </a:r>
-            <a:r>
-              <a:rPr lang="en-US" dirty="0" smtClean="0">
-                <a:latin typeface="Courier"/>
-                <a:cs typeface="Courier"/>
-              </a:rPr>
-              <a:t>)</a:t>
+              <a:t>")</a:t>
             </a:r>
           </a:p>
           <a:p>
@@ -7160,13 +6824,6 @@
   <p:clrMapOvr>
     <a:masterClrMapping/>
   </p:clrMapOvr>
-  <p:timing>
-    <p:tnLst>
-      <p:par>
-        <p:cTn xmlns:p14="http://schemas.microsoft.com/office/powerpoint/2010/main" id="1" dur="indefinite" restart="never" nodeType="tmRoot"/>
-      </p:par>
-    </p:tnLst>
-  </p:timing>
 </p:sld>
 </file>
 
@@ -7199,14 +6856,15 @@
         </p:nvSpPr>
         <p:spPr/>
         <p:txBody>
-          <a:bodyPr/>
-          <a:lstStyle/>
-          <a:p>
-            <a:r>
-              <a:rPr lang="en-US" dirty="0" smtClean="0"/>
+          <a:bodyPr>
+            <a:normAutofit/>
+          </a:bodyPr>
+          <a:lstStyle/>
+          <a:p>
+            <a:r>
+              <a:rPr lang="en-US" sz="3200" dirty="0"/>
               <a:t>Tree data examination</a:t>
             </a:r>
-            <a:endParaRPr lang="en-US" dirty="0"/>
           </a:p>
         </p:txBody>
       </p:sp>
@@ -7223,18 +6881,20 @@
         <p:spPr>
           <a:xfrm>
             <a:off x="457200" y="1384876"/>
-            <a:ext cx="8229600" cy="3784024"/>
+            <a:ext cx="8229600" cy="4435156"/>
           </a:xfrm>
         </p:spPr>
         <p:txBody>
-          <a:bodyPr/>
-          <a:lstStyle/>
-          <a:p>
-            <a:pPr marL="0" indent="0">
-              <a:buNone/>
-            </a:pPr>
-            <a:r>
-              <a:rPr lang="en-US" dirty="0">
+          <a:bodyPr>
+            <a:noAutofit/>
+          </a:bodyPr>
+          <a:lstStyle/>
+          <a:p>
+            <a:pPr marL="0" indent="0">
+              <a:buNone/>
+            </a:pPr>
+            <a:r>
+              <a:rPr lang="en-US" sz="2800" dirty="0">
                 <a:latin typeface="Courier"/>
                 <a:cs typeface="Courier"/>
               </a:rPr>
@@ -7246,21 +6906,21 @@
               <a:buNone/>
             </a:pPr>
             <a:r>
-              <a:rPr lang="en-US" dirty="0">
+              <a:rPr lang="en-US" sz="2800" dirty="0">
                 <a:latin typeface="Courier"/>
                 <a:cs typeface="Courier"/>
               </a:rPr>
               <a:t>summary(</a:t>
             </a:r>
             <a:r>
-              <a:rPr lang="en-US" dirty="0" err="1">
+              <a:rPr lang="en-US" sz="2800" dirty="0" err="1">
                 <a:latin typeface="Courier"/>
                 <a:cs typeface="Courier"/>
               </a:rPr>
               <a:t>ht</a:t>
             </a:r>
             <a:r>
-              <a:rPr lang="en-US" dirty="0">
+              <a:rPr lang="en-US" sz="2800" dirty="0">
                 <a:latin typeface="Courier"/>
                 <a:cs typeface="Courier"/>
               </a:rPr>
@@ -7272,27 +6932,20 @@
               <a:buNone/>
             </a:pPr>
             <a:r>
-              <a:rPr lang="en-US" dirty="0" smtClean="0">
+              <a:rPr lang="en-US" sz="2800" dirty="0">
                 <a:latin typeface="Courier"/>
                 <a:cs typeface="Courier"/>
               </a:rPr>
               <a:t>edges &lt;- </a:t>
             </a:r>
             <a:r>
-              <a:rPr lang="en-US" dirty="0" err="1" smtClean="0">
-                <a:latin typeface="Courier"/>
-                <a:cs typeface="Courier"/>
-              </a:rPr>
-              <a:t>ht</a:t>
-            </a:r>
-            <a:r>
-              <a:rPr lang="en-US" dirty="0" err="1">
-                <a:latin typeface="Courier"/>
-                <a:cs typeface="Courier"/>
-              </a:rPr>
-              <a:t>$edge</a:t>
-            </a:r>
-            <a:endParaRPr lang="en-US" dirty="0">
+              <a:rPr lang="en-US" sz="2800" dirty="0" err="1">
+                <a:latin typeface="Courier"/>
+                <a:cs typeface="Courier"/>
+              </a:rPr>
+              <a:t>ht$edge</a:t>
+            </a:r>
+            <a:endParaRPr lang="en-US" sz="2800" dirty="0">
               <a:latin typeface="Courier"/>
               <a:cs typeface="Courier"/>
             </a:endParaRPr>
@@ -7302,13 +6955,13 @@
               <a:buNone/>
             </a:pPr>
             <a:r>
-              <a:rPr lang="en-US" dirty="0" err="1">
+              <a:rPr lang="en-US" sz="2800" dirty="0" err="1">
                 <a:latin typeface="Courier"/>
                 <a:cs typeface="Courier"/>
               </a:rPr>
               <a:t>ht$Nnode</a:t>
             </a:r>
-            <a:endParaRPr lang="en-US" dirty="0">
+            <a:endParaRPr lang="en-US" sz="2800" dirty="0">
               <a:latin typeface="Courier"/>
               <a:cs typeface="Courier"/>
             </a:endParaRPr>
@@ -7318,27 +6971,20 @@
               <a:buNone/>
             </a:pPr>
             <a:r>
-              <a:rPr lang="en-US" dirty="0" smtClean="0">
+              <a:rPr lang="en-US" sz="2800" dirty="0">
                 <a:latin typeface="Courier"/>
                 <a:cs typeface="Courier"/>
               </a:rPr>
               <a:t>tips &lt;- </a:t>
             </a:r>
             <a:r>
-              <a:rPr lang="en-US" dirty="0" err="1" smtClean="0">
-                <a:latin typeface="Courier"/>
-                <a:cs typeface="Courier"/>
-              </a:rPr>
-              <a:t>ht</a:t>
-            </a:r>
-            <a:r>
-              <a:rPr lang="en-US" dirty="0" err="1">
-                <a:latin typeface="Courier"/>
-                <a:cs typeface="Courier"/>
-              </a:rPr>
-              <a:t>$tip.label</a:t>
-            </a:r>
-            <a:endParaRPr lang="en-US" dirty="0">
+              <a:rPr lang="en-US" sz="2800" dirty="0" err="1">
+                <a:latin typeface="Courier"/>
+                <a:cs typeface="Courier"/>
+              </a:rPr>
+              <a:t>ht$tip.label</a:t>
+            </a:r>
+            <a:endParaRPr lang="en-US" sz="2800" dirty="0">
               <a:latin typeface="Courier"/>
               <a:cs typeface="Courier"/>
             </a:endParaRPr>
@@ -7348,41 +6994,27 @@
               <a:buNone/>
             </a:pPr>
             <a:r>
-              <a:rPr lang="en-US" dirty="0" err="1" smtClean="0">
+              <a:rPr lang="en-US" sz="2800" dirty="0" err="1">
                 <a:latin typeface="Courier"/>
                 <a:cs typeface="Courier"/>
               </a:rPr>
               <a:t>edge.lens</a:t>
             </a:r>
             <a:r>
-              <a:rPr lang="en-US" dirty="0" smtClean="0">
+              <a:rPr lang="en-US" sz="2800" dirty="0">
                 <a:latin typeface="Courier"/>
                 <a:cs typeface="Courier"/>
               </a:rPr>
               <a:t> &lt;- </a:t>
             </a:r>
             <a:r>
-              <a:rPr lang="en-US" dirty="0" err="1" smtClean="0">
-                <a:latin typeface="Courier"/>
-                <a:cs typeface="Courier"/>
-              </a:rPr>
-              <a:t>ht</a:t>
-            </a:r>
-            <a:r>
-              <a:rPr lang="en-US" dirty="0" err="1">
-                <a:latin typeface="Courier"/>
-                <a:cs typeface="Courier"/>
-              </a:rPr>
-              <a:t>$</a:t>
-            </a:r>
-            <a:r>
-              <a:rPr lang="en-US" dirty="0" err="1" smtClean="0">
-                <a:latin typeface="Courier"/>
-                <a:cs typeface="Courier"/>
-              </a:rPr>
-              <a:t>edge.length</a:t>
-            </a:r>
-            <a:endParaRPr lang="en-US" dirty="0" smtClean="0">
+              <a:rPr lang="en-US" sz="2800" dirty="0" err="1">
+                <a:latin typeface="Courier"/>
+                <a:cs typeface="Courier"/>
+              </a:rPr>
+              <a:t>ht$edge.length</a:t>
+            </a:r>
+            <a:endParaRPr lang="en-US" sz="2800" dirty="0">
               <a:latin typeface="Courier"/>
               <a:cs typeface="Courier"/>
             </a:endParaRPr>
@@ -7391,7 +7023,7 @@
             <a:pPr marL="0" indent="0">
               <a:buNone/>
             </a:pPr>
-            <a:endParaRPr lang="en-US" dirty="0">
+            <a:endParaRPr lang="en-US" sz="2800" dirty="0">
               <a:latin typeface="Courier"/>
               <a:cs typeface="Courier"/>
             </a:endParaRPr>
@@ -7401,43 +7033,39 @@
               <a:buNone/>
             </a:pPr>
             <a:r>
-              <a:rPr lang="en-US" i="1" dirty="0" smtClean="0">
+              <a:rPr lang="en-US" sz="2800" i="1" dirty="0">
                 <a:latin typeface="Courier"/>
                 <a:cs typeface="Courier"/>
               </a:rPr>
               <a:t># head</a:t>
             </a:r>
             <a:r>
-              <a:rPr lang="en-US" dirty="0" smtClean="0">
+              <a:rPr lang="en-US" sz="2800" dirty="0">
                 <a:latin typeface="Courier"/>
                 <a:cs typeface="Courier"/>
               </a:rPr>
               <a:t>, </a:t>
             </a:r>
             <a:r>
-              <a:rPr lang="en-US" i="1" dirty="0" smtClean="0">
+              <a:rPr lang="en-US" sz="2800" i="1" dirty="0">
                 <a:latin typeface="Courier"/>
                 <a:cs typeface="Courier"/>
               </a:rPr>
               <a:t>summary</a:t>
             </a:r>
             <a:r>
-              <a:rPr lang="en-US" dirty="0" smtClean="0">
+              <a:rPr lang="en-US" sz="2800" dirty="0">
                 <a:latin typeface="Courier"/>
                 <a:cs typeface="Courier"/>
               </a:rPr>
               <a:t> to check each data</a:t>
             </a:r>
-            <a:endParaRPr lang="en-US" dirty="0">
-              <a:latin typeface="Courier"/>
-              <a:cs typeface="Courier"/>
-            </a:endParaRPr>
-          </a:p>
-          <a:p>
-            <a:pPr marL="0" indent="0">
-              <a:buNone/>
-            </a:pPr>
-            <a:endParaRPr lang="en-US" dirty="0">
+          </a:p>
+          <a:p>
+            <a:pPr marL="0" indent="0">
+              <a:buNone/>
+            </a:pPr>
+            <a:endParaRPr lang="en-US" sz="2800" dirty="0">
               <a:latin typeface="Courier"/>
               <a:cs typeface="Courier"/>
             </a:endParaRPr>
@@ -7454,13 +7082,6 @@
   <p:clrMapOvr>
     <a:masterClrMapping/>
   </p:clrMapOvr>
-  <p:timing>
-    <p:tnLst>
-      <p:par>
-        <p:cTn xmlns:p14="http://schemas.microsoft.com/office/powerpoint/2010/main" id="1" dur="indefinite" restart="never" nodeType="tmRoot"/>
-      </p:par>
-    </p:tnLst>
-  </p:timing>
 </p:sld>
 </file>
 
@@ -7493,67 +7114,57 @@
         </p:nvSpPr>
         <p:spPr/>
         <p:txBody>
-          <a:bodyPr/>
-          <a:lstStyle/>
-          <a:p>
-            <a:r>
-              <a:rPr lang="en-US" dirty="0" smtClean="0"/>
-              <a:t>edge data</a:t>
-            </a:r>
-            <a:endParaRPr lang="en-US" dirty="0"/>
-          </a:p>
-        </p:txBody>
-      </p:sp>
-      <p:sp>
-        <p:nvSpPr>
-          <p:cNvPr id="3" name="Content Placeholder 2"/>
-          <p:cNvSpPr>
-            <a:spLocks noGrp="1"/>
-          </p:cNvSpPr>
-          <p:nvPr>
-            <p:ph idx="1"/>
-          </p:nvPr>
-        </p:nvSpPr>
-        <p:spPr>
-          <a:xfrm>
-            <a:off x="609600" y="1226001"/>
-            <a:ext cx="8229600" cy="4273099"/>
-          </a:xfrm>
-        </p:spPr>
-        <p:txBody>
           <a:bodyPr>
             <a:normAutofit/>
           </a:bodyPr>
           <a:lstStyle/>
           <a:p>
-            <a:pPr marL="0" indent="0">
-              <a:buNone/>
-            </a:pPr>
-            <a:r>
-              <a:rPr lang="en-US" sz="2000" dirty="0">
-                <a:latin typeface="Courier"/>
-                <a:cs typeface="Courier"/>
-              </a:rPr>
-              <a:t>&gt; head(</a:t>
-            </a:r>
-            <a:r>
-              <a:rPr lang="en-US" sz="2000" dirty="0" smtClean="0">
-                <a:latin typeface="Courier"/>
-                <a:cs typeface="Courier"/>
-              </a:rPr>
-              <a:t>edges, 3)</a:t>
-            </a:r>
-            <a:endParaRPr lang="en-US" sz="2000" dirty="0">
-              <a:latin typeface="Courier"/>
-              <a:cs typeface="Courier"/>
-            </a:endParaRPr>
-          </a:p>
-          <a:p>
-            <a:pPr marL="0" indent="0">
-              <a:buNone/>
-            </a:pPr>
-            <a:r>
-              <a:rPr lang="en-US" sz="2000" dirty="0">
+            <a:r>
+              <a:rPr lang="en-US" sz="3200" dirty="0"/>
+              <a:t>edge data</a:t>
+            </a:r>
+          </a:p>
+        </p:txBody>
+      </p:sp>
+      <p:sp>
+        <p:nvSpPr>
+          <p:cNvPr id="3" name="Content Placeholder 2"/>
+          <p:cNvSpPr>
+            <a:spLocks noGrp="1"/>
+          </p:cNvSpPr>
+          <p:nvPr>
+            <p:ph idx="1"/>
+          </p:nvPr>
+        </p:nvSpPr>
+        <p:spPr>
+          <a:xfrm>
+            <a:off x="228600" y="1139503"/>
+            <a:ext cx="8791832" cy="5357361"/>
+          </a:xfrm>
+        </p:spPr>
+        <p:txBody>
+          <a:bodyPr>
+            <a:noAutofit/>
+          </a:bodyPr>
+          <a:lstStyle/>
+          <a:p>
+            <a:pPr marL="0" indent="0">
+              <a:buNone/>
+            </a:pPr>
+            <a:r>
+              <a:rPr lang="en-US" sz="2800" dirty="0">
+                <a:latin typeface="Courier"/>
+                <a:cs typeface="Courier"/>
+              </a:rPr>
+              <a:t>&gt; head(edges, 3)</a:t>
+            </a:r>
+          </a:p>
+          <a:p>
+            <a:pPr marL="0" indent="0">
+              <a:buNone/>
+            </a:pPr>
+            <a:r>
+              <a:rPr lang="en-US" sz="2800" dirty="0">
                 <a:latin typeface="Courier"/>
                 <a:cs typeface="Courier"/>
               </a:rPr>
@@ -7565,7 +7176,7 @@
               <a:buNone/>
             </a:pPr>
             <a:r>
-              <a:rPr lang="en-US" sz="2000" dirty="0">
+              <a:rPr lang="en-US" sz="2800" dirty="0">
                 <a:latin typeface="Courier"/>
                 <a:cs typeface="Courier"/>
               </a:rPr>
@@ -7577,7 +7188,7 @@
               <a:buNone/>
             </a:pPr>
             <a:r>
-              <a:rPr lang="en-US" sz="2000" dirty="0">
+              <a:rPr lang="en-US" sz="2800" dirty="0">
                 <a:latin typeface="Courier"/>
                 <a:cs typeface="Courier"/>
               </a:rPr>
@@ -7589,114 +7200,52 @@
               <a:buNone/>
             </a:pPr>
             <a:r>
-              <a:rPr lang="en-US" sz="2000" dirty="0">
-                <a:latin typeface="Courier"/>
-                <a:cs typeface="Courier"/>
-              </a:rPr>
-              <a:t>[3,]  196  </a:t>
-            </a:r>
-            <a:r>
-              <a:rPr lang="en-US" sz="2000" dirty="0" smtClean="0">
-                <a:latin typeface="Courier"/>
-                <a:cs typeface="Courier"/>
-              </a:rPr>
-              <a:t>197</a:t>
-            </a:r>
-          </a:p>
-          <a:p>
-            <a:pPr marL="0" indent="0">
-              <a:buNone/>
-            </a:pPr>
-            <a:endParaRPr lang="en-US" sz="2000" dirty="0">
-              <a:latin typeface="Courier"/>
-              <a:cs typeface="Courier"/>
-            </a:endParaRPr>
-          </a:p>
-          <a:p>
-            <a:pPr marL="0" indent="0">
-              <a:buNone/>
-            </a:pPr>
-            <a:r>
-              <a:rPr lang="en-US" sz="2000" dirty="0" smtClean="0">
-                <a:latin typeface="Courier"/>
-                <a:cs typeface="Courier"/>
-              </a:rPr>
-              <a:t>The </a:t>
-            </a:r>
-            <a:r>
-              <a:rPr lang="en-US" sz="2000" dirty="0">
-                <a:latin typeface="Courier"/>
-                <a:cs typeface="Courier"/>
-              </a:rPr>
-              <a:t>matrix edge contains the </a:t>
-            </a:r>
-            <a:r>
-              <a:rPr lang="en-US" sz="2000" dirty="0" smtClean="0">
-                <a:latin typeface="Courier"/>
-                <a:cs typeface="Courier"/>
-              </a:rPr>
-              <a:t>beginning (1</a:t>
-            </a:r>
-            <a:r>
-              <a:rPr lang="en-US" sz="2000" baseline="30000" dirty="0" smtClean="0">
+              <a:rPr lang="en-US" sz="2800" dirty="0">
+                <a:latin typeface="Courier"/>
+                <a:cs typeface="Courier"/>
+              </a:rPr>
+              <a:t>[3,]  196  197</a:t>
+            </a:r>
+          </a:p>
+          <a:p>
+            <a:pPr marL="0" indent="0">
+              <a:buNone/>
+            </a:pPr>
+            <a:r>
+              <a:rPr lang="en-US" dirty="0">
+                <a:latin typeface="Courier"/>
+                <a:cs typeface="Courier"/>
+              </a:rPr>
+              <a:t>The matrix edge contains the beginning (1</a:t>
+            </a:r>
+            <a:r>
+              <a:rPr lang="en-US" baseline="30000" dirty="0">
                 <a:latin typeface="Courier"/>
                 <a:cs typeface="Courier"/>
               </a:rPr>
               <a:t>st</a:t>
             </a:r>
             <a:r>
-              <a:rPr lang="en-US" sz="2000" dirty="0" smtClean="0">
-                <a:latin typeface="Courier"/>
-                <a:cs typeface="Courier"/>
-              </a:rPr>
-              <a:t> column) </a:t>
-            </a:r>
-            <a:r>
-              <a:rPr lang="en-US" sz="2000" dirty="0">
-                <a:latin typeface="Courier"/>
-                <a:cs typeface="Courier"/>
-              </a:rPr>
-              <a:t>and </a:t>
-            </a:r>
-            <a:r>
-              <a:rPr lang="en-US" sz="2000" dirty="0" smtClean="0">
-                <a:latin typeface="Courier"/>
-                <a:cs typeface="Courier"/>
-              </a:rPr>
-              <a:t>ending (2</a:t>
-            </a:r>
-            <a:r>
-              <a:rPr lang="en-US" sz="2000" baseline="30000" dirty="0" smtClean="0">
+              <a:rPr lang="en-US" dirty="0">
+                <a:latin typeface="Courier"/>
+                <a:cs typeface="Courier"/>
+              </a:rPr>
+              <a:t> column) and ending (2</a:t>
+            </a:r>
+            <a:r>
+              <a:rPr lang="en-US" baseline="30000" dirty="0">
                 <a:latin typeface="Courier"/>
                 <a:cs typeface="Courier"/>
               </a:rPr>
               <a:t>nd</a:t>
             </a:r>
             <a:r>
-              <a:rPr lang="en-US" sz="2000" dirty="0" smtClean="0">
-                <a:latin typeface="Courier"/>
-                <a:cs typeface="Courier"/>
-              </a:rPr>
-              <a:t> column) </a:t>
-            </a:r>
-            <a:r>
-              <a:rPr lang="en-US" sz="2000" dirty="0">
-                <a:latin typeface="Courier"/>
-                <a:cs typeface="Courier"/>
-              </a:rPr>
-              <a:t>node number for all the nodes and tips in the tree. By convention, the tips of the tree are numbered 1 through n for n tips; and the nodes are numbered n + 1 through n + m for m nodes. m = n - 1 for a fully bifurcating tree</a:t>
-            </a:r>
-            <a:r>
-              <a:rPr lang="en-US" sz="2000" dirty="0" smtClean="0">
-                <a:latin typeface="Courier"/>
-                <a:cs typeface="Courier"/>
-              </a:rPr>
-              <a:t>.</a:t>
-            </a:r>
-            <a:endParaRPr lang="en-US" sz="2000" dirty="0">
-              <a:latin typeface="Courier"/>
-              <a:cs typeface="Courier"/>
-            </a:endParaRPr>
+              <a:rPr lang="en-US" dirty="0">
+                <a:latin typeface="Courier"/>
+                <a:cs typeface="Courier"/>
+              </a:rPr>
+              <a:t> column) node number for all the nodes and tips in the tree. By convention, the tips of the tree are numbered 1 through n for n tips; and the nodes are numbered n + 1 through n + m for m nodes. m = n - 1 for a fully bifurcating tree.</a:t>
+            </a:r>
           </a:p>
         </p:txBody>
       </p:sp>
@@ -7710,13 +7259,6 @@
   <p:clrMapOvr>
     <a:masterClrMapping/>
   </p:clrMapOvr>
-  <p:timing>
-    <p:tnLst>
-      <p:par>
-        <p:cTn xmlns:p14="http://schemas.microsoft.com/office/powerpoint/2010/main" id="1" dur="indefinite" restart="never" nodeType="tmRoot"/>
-      </p:par>
-    </p:tnLst>
-  </p:timing>
 </p:sld>
 </file>
 
@@ -7749,44 +7291,45 @@
         </p:nvSpPr>
         <p:spPr/>
         <p:txBody>
-          <a:bodyPr/>
-          <a:lstStyle/>
-          <a:p>
-            <a:r>
-              <a:rPr lang="en-US" dirty="0" smtClean="0"/>
-              <a:t>Plotting</a:t>
-            </a:r>
-            <a:endParaRPr lang="en-US" dirty="0"/>
-          </a:p>
-        </p:txBody>
-      </p:sp>
-      <p:sp>
-        <p:nvSpPr>
-          <p:cNvPr id="3" name="Content Placeholder 2"/>
-          <p:cNvSpPr>
-            <a:spLocks noGrp="1"/>
-          </p:cNvSpPr>
-          <p:nvPr>
-            <p:ph idx="1"/>
-          </p:nvPr>
-        </p:nvSpPr>
-        <p:spPr>
-          <a:xfrm>
-            <a:off x="660400" y="1384876"/>
-            <a:ext cx="8026400" cy="4741288"/>
-          </a:xfrm>
-        </p:spPr>
-        <p:txBody>
           <a:bodyPr>
             <a:normAutofit/>
           </a:bodyPr>
           <a:lstStyle/>
           <a:p>
-            <a:pPr marL="0" indent="0">
-              <a:buNone/>
-            </a:pPr>
-            <a:r>
-              <a:rPr lang="en-US" sz="2000" dirty="0">
+            <a:r>
+              <a:rPr lang="en-US" sz="3200" dirty="0"/>
+              <a:t>Plotting</a:t>
+            </a:r>
+          </a:p>
+        </p:txBody>
+      </p:sp>
+      <p:sp>
+        <p:nvSpPr>
+          <p:cNvPr id="3" name="Content Placeholder 2"/>
+          <p:cNvSpPr>
+            <a:spLocks noGrp="1"/>
+          </p:cNvSpPr>
+          <p:nvPr>
+            <p:ph idx="1"/>
+          </p:nvPr>
+        </p:nvSpPr>
+        <p:spPr>
+          <a:xfrm>
+            <a:off x="370703" y="1446660"/>
+            <a:ext cx="8402594" cy="4741288"/>
+          </a:xfrm>
+        </p:spPr>
+        <p:txBody>
+          <a:bodyPr>
+            <a:noAutofit/>
+          </a:bodyPr>
+          <a:lstStyle/>
+          <a:p>
+            <a:pPr marL="0" indent="0">
+              <a:buNone/>
+            </a:pPr>
+            <a:r>
+              <a:rPr lang="en-US" sz="2800" dirty="0">
                 <a:latin typeface="Courier"/>
                 <a:cs typeface="Courier"/>
               </a:rPr>
@@ -7798,28 +7341,28 @@
               <a:buNone/>
             </a:pPr>
             <a:r>
-              <a:rPr lang="en-US" sz="2000" dirty="0" err="1" smtClean="0">
+              <a:rPr lang="en-US" sz="2800" dirty="0" err="1">
                 <a:latin typeface="Courier"/>
                 <a:cs typeface="Courier"/>
               </a:rPr>
               <a:t>plot.phylo</a:t>
             </a:r>
             <a:r>
-              <a:rPr lang="en-US" sz="2000" dirty="0" smtClean="0">
+              <a:rPr lang="en-US" sz="2800" dirty="0">
                 <a:latin typeface="Courier"/>
                 <a:cs typeface="Courier"/>
               </a:rPr>
               <a:t>(</a:t>
             </a:r>
             <a:r>
-              <a:rPr lang="en-US" sz="2000" dirty="0" err="1" smtClean="0">
+              <a:rPr lang="en-US" sz="2800" dirty="0" err="1">
                 <a:latin typeface="Courier"/>
                 <a:cs typeface="Courier"/>
               </a:rPr>
               <a:t>ht</a:t>
             </a:r>
             <a:r>
-              <a:rPr lang="en-US" sz="2000" dirty="0" smtClean="0">
+              <a:rPr lang="en-US" sz="2800" dirty="0">
                 <a:latin typeface="Courier"/>
                 <a:cs typeface="Courier"/>
               </a:rPr>
@@ -7830,7 +7373,7 @@
             <a:pPr marL="0" indent="0">
               <a:buNone/>
             </a:pPr>
-            <a:endParaRPr lang="en-US" sz="2000" dirty="0" smtClean="0">
+            <a:endParaRPr lang="en-US" sz="2800" dirty="0">
               <a:latin typeface="Courier"/>
               <a:cs typeface="Courier"/>
             </a:endParaRPr>
@@ -7840,74 +7383,53 @@
               <a:buNone/>
             </a:pPr>
             <a:r>
-              <a:rPr lang="en-US" sz="2000" dirty="0" err="1" smtClean="0">
+              <a:rPr lang="en-US" sz="2800" dirty="0" err="1">
                 <a:latin typeface="Courier"/>
                 <a:cs typeface="Courier"/>
               </a:rPr>
               <a:t>plot.phylo</a:t>
             </a:r>
             <a:r>
-              <a:rPr lang="en-US" sz="2000" dirty="0" smtClean="0">
+              <a:rPr lang="en-US" sz="2800" dirty="0">
                 <a:latin typeface="Courier"/>
                 <a:cs typeface="Courier"/>
               </a:rPr>
               <a:t>(</a:t>
             </a:r>
             <a:r>
-              <a:rPr lang="en-US" sz="2000" dirty="0" err="1">
+              <a:rPr lang="en-US" sz="2800" dirty="0" err="1">
                 <a:latin typeface="Courier"/>
                 <a:cs typeface="Courier"/>
               </a:rPr>
               <a:t>ht</a:t>
             </a:r>
             <a:r>
-              <a:rPr lang="en-US" sz="2000" dirty="0">
+              <a:rPr lang="en-US" sz="2800" dirty="0">
                 <a:latin typeface="Courier"/>
                 <a:cs typeface="Courier"/>
               </a:rPr>
               <a:t>, </a:t>
             </a:r>
             <a:r>
-              <a:rPr lang="en-US" sz="2000" dirty="0" err="1">
+              <a:rPr lang="en-US" sz="2800" dirty="0" err="1">
                 <a:latin typeface="Courier"/>
                 <a:cs typeface="Courier"/>
               </a:rPr>
               <a:t>cex</a:t>
             </a:r>
             <a:r>
-              <a:rPr lang="en-US" sz="2000" dirty="0">
-                <a:latin typeface="Courier"/>
-                <a:cs typeface="Courier"/>
-              </a:rPr>
-              <a:t> = </a:t>
-            </a:r>
-            <a:r>
-              <a:rPr lang="en-US" sz="2000" dirty="0" smtClean="0">
-                <a:latin typeface="Courier"/>
-                <a:cs typeface="Courier"/>
-              </a:rPr>
-              <a:t>0.2, </a:t>
-            </a:r>
-            <a:r>
-              <a:rPr lang="en-US" sz="2000" dirty="0">
-                <a:latin typeface="Courier"/>
-                <a:cs typeface="Courier"/>
-              </a:rPr>
-              <a:t>type = "radial"</a:t>
-            </a:r>
-            <a:r>
-              <a:rPr lang="en-US" sz="2000" dirty="0" smtClean="0">
-                <a:latin typeface="Courier"/>
-                <a:cs typeface="Courier"/>
-              </a:rPr>
-              <a:t>)</a:t>
-            </a:r>
-          </a:p>
-          <a:p>
-            <a:pPr marL="0" indent="0">
-              <a:buNone/>
-            </a:pPr>
-            <a:endParaRPr lang="en-US" sz="2000" dirty="0" smtClean="0">
+              <a:rPr lang="en-US" sz="2800" dirty="0">
+                <a:latin typeface="Courier"/>
+                <a:cs typeface="Courier"/>
+              </a:rPr>
+              <a:t>=0.2, type="radial")</a:t>
+            </a:r>
+          </a:p>
+          <a:p>
+            <a:pPr marL="0" indent="0">
+              <a:buNone/>
+            </a:pPr>
+            <a:endParaRPr lang="en-US" sz="2800" dirty="0">
               <a:latin typeface="Courier"/>
               <a:cs typeface="Courier"/>
             </a:endParaRPr>
@@ -7917,7 +7439,7 @@
               <a:buNone/>
             </a:pPr>
             <a:r>
-              <a:rPr lang="en-US" sz="2000" dirty="0" smtClean="0">
+              <a:rPr lang="en-US" sz="2800" dirty="0">
                 <a:solidFill>
                   <a:srgbClr val="FF0000"/>
                 </a:solidFill>
@@ -7931,7 +7453,7 @@
             <a:pPr marL="0" indent="0">
               <a:buNone/>
             </a:pPr>
-            <a:endParaRPr lang="en-US" sz="2000" dirty="0">
+            <a:endParaRPr lang="en-US" sz="2800" dirty="0">
               <a:solidFill>
                 <a:srgbClr val="FF0000"/>
               </a:solidFill>
@@ -7944,7 +7466,7 @@
               <a:buNone/>
             </a:pPr>
             <a:r>
-              <a:rPr lang="en-US" sz="2000" dirty="0" smtClean="0">
+              <a:rPr lang="en-US" sz="2800" dirty="0">
                 <a:solidFill>
                   <a:srgbClr val="FF0000"/>
                 </a:solidFill>
@@ -7954,13 +7476,13 @@
               <a:t>?</a:t>
             </a:r>
             <a:r>
-              <a:rPr lang="en-US" sz="2000" dirty="0" err="1" smtClean="0">
+              <a:rPr lang="en-US" sz="2800" dirty="0" err="1">
                 <a:latin typeface="Courier"/>
                 <a:cs typeface="Courier"/>
               </a:rPr>
               <a:t>plot.phylo</a:t>
             </a:r>
-            <a:endParaRPr lang="en-US" sz="2000" dirty="0">
+            <a:endParaRPr lang="en-US" sz="2800" dirty="0">
               <a:solidFill>
                 <a:srgbClr val="FF0000"/>
               </a:solidFill>
@@ -7972,7 +7494,7 @@
             <a:pPr marL="0" indent="0">
               <a:buNone/>
             </a:pPr>
-            <a:endParaRPr lang="en-US" sz="2000" dirty="0">
+            <a:endParaRPr lang="en-US" sz="2800" dirty="0">
               <a:latin typeface="Courier"/>
               <a:cs typeface="Courier"/>
             </a:endParaRPr>
@@ -7989,13 +7511,6 @@
   <p:clrMapOvr>
     <a:masterClrMapping/>
   </p:clrMapOvr>
-  <p:timing>
-    <p:tnLst>
-      <p:par>
-        <p:cTn xmlns:p14="http://schemas.microsoft.com/office/powerpoint/2010/main" id="1" dur="indefinite" restart="never" nodeType="tmRoot"/>
-      </p:par>
-    </p:tnLst>
-  </p:timing>
 </p:sld>
 </file>
 
@@ -8028,14 +7543,15 @@
         </p:nvSpPr>
         <p:spPr/>
         <p:txBody>
-          <a:bodyPr/>
-          <a:lstStyle/>
-          <a:p>
-            <a:r>
-              <a:rPr lang="en-US" dirty="0" smtClean="0"/>
+          <a:bodyPr>
+            <a:normAutofit/>
+          </a:bodyPr>
+          <a:lstStyle/>
+          <a:p>
+            <a:r>
+              <a:rPr lang="en-US" sz="3200" dirty="0"/>
               <a:t>Highlighted the specified tips</a:t>
             </a:r>
-            <a:endParaRPr lang="en-US" dirty="0"/>
           </a:p>
         </p:txBody>
       </p:sp>
@@ -8069,14 +7585,26 @@
                 <a:latin typeface="Courier"/>
                 <a:cs typeface="Courier"/>
               </a:rPr>
-              <a:t>##</a:t>
-            </a:r>
-            <a:r>
-              <a:rPr lang="en-US" sz="2000" dirty="0" smtClean="0">
-                <a:latin typeface="Courier"/>
-                <a:cs typeface="Courier"/>
-              </a:rPr>
-              <a:t># tips</a:t>
+              <a:t>### tips</a:t>
+            </a:r>
+          </a:p>
+          <a:p>
+            <a:pPr marL="0" indent="0">
+              <a:buNone/>
+            </a:pPr>
+            <a:r>
+              <a:rPr lang="en-US" sz="2000" dirty="0">
+                <a:latin typeface="Courier"/>
+                <a:cs typeface="Courier"/>
+              </a:rPr>
+              <a:t>tips &lt;- </a:t>
+            </a:r>
+            <a:r>
+              <a:rPr lang="en-US" sz="2000" dirty="0" err="1">
+                <a:latin typeface="Courier"/>
+                <a:cs typeface="Courier"/>
+              </a:rPr>
+              <a:t>ht$tip.label</a:t>
             </a:r>
             <a:endParaRPr lang="en-US" sz="2000" dirty="0">
               <a:latin typeface="Courier"/>
@@ -8092,15 +7620,13 @@
                 <a:latin typeface="Courier"/>
                 <a:cs typeface="Courier"/>
               </a:rPr>
-              <a:t>tips &lt;- </a:t>
-            </a:r>
-            <a:r>
-              <a:rPr lang="en-US" sz="2000" dirty="0" err="1">
-                <a:latin typeface="Courier"/>
-                <a:cs typeface="Courier"/>
-              </a:rPr>
-              <a:t>ht$tip.label</a:t>
-            </a:r>
+              <a:t>head(tips)</a:t>
+            </a:r>
+          </a:p>
+          <a:p>
+            <a:pPr marL="0" indent="0">
+              <a:buNone/>
+            </a:pPr>
             <a:endParaRPr lang="en-US" sz="2000" dirty="0">
               <a:latin typeface="Courier"/>
               <a:cs typeface="Courier"/>
@@ -8111,33 +7637,36 @@
               <a:buNone/>
             </a:pPr>
             <a:r>
-              <a:rPr lang="en-US" sz="2000" dirty="0" smtClean="0">
-                <a:latin typeface="Courier"/>
-                <a:cs typeface="Courier"/>
-              </a:rPr>
-              <a:t>head(tips)</a:t>
-            </a:r>
-          </a:p>
-          <a:p>
-            <a:pPr marL="0" indent="0">
-              <a:buNone/>
-            </a:pPr>
-            <a:endParaRPr lang="en-US" sz="2000" dirty="0" smtClean="0">
-              <a:latin typeface="Courier"/>
-              <a:cs typeface="Courier"/>
-            </a:endParaRPr>
-          </a:p>
-          <a:p>
-            <a:pPr marL="0" indent="0">
-              <a:buNone/>
-            </a:pPr>
-            <a:r>
-              <a:rPr lang="en-US" sz="2000" dirty="0" smtClean="0">
+              <a:rPr lang="en-US" sz="2000" dirty="0">
                 <a:latin typeface="Courier"/>
                 <a:cs typeface="Courier"/>
               </a:rPr>
               <a:t>### two tips to be highlighted</a:t>
             </a:r>
+          </a:p>
+          <a:p>
+            <a:pPr marL="0" indent="0">
+              <a:buNone/>
+            </a:pPr>
+            <a:r>
+              <a:rPr lang="en-US" sz="2000" dirty="0" err="1">
+                <a:latin typeface="Courier"/>
+                <a:cs typeface="Courier"/>
+              </a:rPr>
+              <a:t>highlight.tips</a:t>
+            </a:r>
+            <a:r>
+              <a:rPr lang="en-US" sz="2000" dirty="0">
+                <a:latin typeface="Courier"/>
+                <a:cs typeface="Courier"/>
+              </a:rPr>
+              <a:t> &lt;- c("A97DCKS14", "U97DCKFE267")</a:t>
+            </a:r>
+          </a:p>
+          <a:p>
+            <a:pPr marL="0" indent="0">
+              <a:buNone/>
+            </a:pPr>
             <a:endParaRPr lang="en-US" sz="2000" dirty="0">
               <a:latin typeface="Courier"/>
               <a:cs typeface="Courier"/>
@@ -8148,10 +7677,55 @@
               <a:buNone/>
             </a:pPr>
             <a:r>
+              <a:rPr lang="en-US" sz="2000" dirty="0">
+                <a:latin typeface="Courier"/>
+                <a:cs typeface="Courier"/>
+              </a:rPr>
+              <a:t>### defined colors</a:t>
+            </a:r>
+          </a:p>
+          <a:p>
+            <a:pPr marL="0" indent="0">
+              <a:buNone/>
+            </a:pPr>
+            <a:r>
               <a:rPr lang="en-US" sz="2000" dirty="0" err="1">
                 <a:latin typeface="Courier"/>
                 <a:cs typeface="Courier"/>
               </a:rPr>
+              <a:t>tip.cols</a:t>
+            </a:r>
+            <a:r>
+              <a:rPr lang="en-US" sz="2000" dirty="0">
+                <a:latin typeface="Courier"/>
+                <a:cs typeface="Courier"/>
+              </a:rPr>
+              <a:t> &lt;- rep("grey", length(tips))  </a:t>
+            </a:r>
+          </a:p>
+          <a:p>
+            <a:pPr marL="0" indent="0">
+              <a:buNone/>
+            </a:pPr>
+            <a:r>
+              <a:rPr lang="en-US" sz="2000" dirty="0" err="1">
+                <a:latin typeface="Courier"/>
+                <a:cs typeface="Courier"/>
+              </a:rPr>
+              <a:t>tip.cols</a:t>
+            </a:r>
+            <a:r>
+              <a:rPr lang="en-US" sz="2000" dirty="0">
+                <a:latin typeface="Courier"/>
+                <a:cs typeface="Courier"/>
+              </a:rPr>
+              <a:t>[tips %in% </a:t>
+            </a:r>
+            <a:r>
+              <a:rPr lang="en-US" sz="2000" dirty="0" err="1">
+                <a:latin typeface="Courier"/>
+                <a:cs typeface="Courier"/>
+              </a:rPr>
               <a:t>highlight.tips</a:t>
             </a:r>
             <a:r>
@@ -8159,29 +7733,13 @@
                 <a:latin typeface="Courier"/>
                 <a:cs typeface="Courier"/>
               </a:rPr>
-              <a:t> &lt;- c("A97DCKS14", "U97DCKFE267")</a:t>
-            </a:r>
-          </a:p>
-          <a:p>
-            <a:pPr marL="0" indent="0">
-              <a:buNone/>
-            </a:pPr>
-            <a:endParaRPr lang="en-US" sz="2000" dirty="0" smtClean="0">
-              <a:latin typeface="Courier"/>
-              <a:cs typeface="Courier"/>
-            </a:endParaRPr>
-          </a:p>
-          <a:p>
-            <a:pPr marL="0" indent="0">
-              <a:buNone/>
-            </a:pPr>
-            <a:r>
-              <a:rPr lang="en-US" sz="2000" dirty="0" smtClean="0">
-                <a:latin typeface="Courier"/>
-                <a:cs typeface="Courier"/>
-              </a:rPr>
-              <a:t>### defined colors</a:t>
-            </a:r>
+              <a:t>] &lt;- "red"</a:t>
+            </a:r>
+          </a:p>
+          <a:p>
+            <a:pPr marL="0" indent="0">
+              <a:buNone/>
+            </a:pPr>
             <a:endParaRPr lang="en-US" sz="2000" dirty="0">
               <a:latin typeface="Courier"/>
               <a:cs typeface="Courier"/>
@@ -8192,168 +7750,86 @@
               <a:buNone/>
             </a:pPr>
             <a:r>
+              <a:rPr lang="en-US" sz="2000" dirty="0">
+                <a:latin typeface="Courier"/>
+                <a:cs typeface="Courier"/>
+              </a:rPr>
+              <a:t>### plotting</a:t>
+            </a:r>
+          </a:p>
+          <a:p>
+            <a:pPr marL="0" indent="0">
+              <a:buNone/>
+            </a:pPr>
+            <a:r>
               <a:rPr lang="en-US" sz="2000" dirty="0" err="1">
                 <a:latin typeface="Courier"/>
                 <a:cs typeface="Courier"/>
               </a:rPr>
-              <a:t>tip.cols</a:t>
+              <a:t>plot.phylo</a:t>
             </a:r>
             <a:r>
               <a:rPr lang="en-US" sz="2000" dirty="0">
                 <a:latin typeface="Courier"/>
                 <a:cs typeface="Courier"/>
               </a:rPr>
-              <a:t> &lt;- rep("grey", length(tips))  </a:t>
-            </a:r>
-          </a:p>
-          <a:p>
-            <a:pPr marL="0" indent="0">
-              <a:buNone/>
-            </a:pPr>
-            <a:r>
-              <a:rPr lang="en-US" sz="2000" dirty="0" err="1" smtClean="0">
-                <a:latin typeface="Courier"/>
-                <a:cs typeface="Courier"/>
-              </a:rPr>
-              <a:t>tip.cols</a:t>
+              <a:t>(</a:t>
+            </a:r>
+            <a:r>
+              <a:rPr lang="en-US" sz="2000" dirty="0" err="1">
+                <a:latin typeface="Courier"/>
+                <a:cs typeface="Courier"/>
+              </a:rPr>
+              <a:t>ht</a:t>
             </a:r>
             <a:r>
               <a:rPr lang="en-US" sz="2000" dirty="0">
                 <a:latin typeface="Courier"/>
                 <a:cs typeface="Courier"/>
               </a:rPr>
-              <a:t>[tips %in% </a:t>
+              <a:t>, </a:t>
             </a:r>
             <a:r>
               <a:rPr lang="en-US" sz="2000" dirty="0" err="1">
                 <a:latin typeface="Courier"/>
                 <a:cs typeface="Courier"/>
               </a:rPr>
-              <a:t>highlight.tips</a:t>
+              <a:t>cex</a:t>
             </a:r>
             <a:r>
               <a:rPr lang="en-US" sz="2000" dirty="0">
                 <a:latin typeface="Courier"/>
                 <a:cs typeface="Courier"/>
               </a:rPr>
-              <a:t>] &lt;- "red"</a:t>
-            </a:r>
-          </a:p>
-          <a:p>
-            <a:pPr marL="0" indent="0">
-              <a:buNone/>
-            </a:pPr>
-            <a:endParaRPr lang="en-US" sz="2000" dirty="0" smtClean="0">
-              <a:latin typeface="Courier"/>
-              <a:cs typeface="Courier"/>
-            </a:endParaRPr>
-          </a:p>
-          <a:p>
-            <a:pPr marL="0" indent="0">
-              <a:buNone/>
-            </a:pPr>
-            <a:r>
-              <a:rPr lang="en-US" sz="2000" dirty="0" smtClean="0">
-                <a:latin typeface="Courier"/>
-                <a:cs typeface="Courier"/>
-              </a:rPr>
-              <a:t>### plotting</a:t>
-            </a:r>
-          </a:p>
-          <a:p>
-            <a:pPr marL="0" indent="0">
-              <a:buNone/>
-            </a:pPr>
-            <a:r>
-              <a:rPr lang="en-US" sz="2000" dirty="0" err="1" smtClean="0">
-                <a:latin typeface="Courier"/>
-                <a:cs typeface="Courier"/>
-              </a:rPr>
-              <a:t>plot.phylo</a:t>
+              <a:t> = 0.2, type = "radial", </a:t>
+            </a:r>
+            <a:r>
+              <a:rPr lang="en-US" sz="2000" dirty="0" err="1">
+                <a:latin typeface="Courier"/>
+                <a:cs typeface="Courier"/>
+              </a:rPr>
+              <a:t>no.margin</a:t>
             </a:r>
             <a:r>
               <a:rPr lang="en-US" sz="2000" dirty="0">
                 <a:latin typeface="Courier"/>
                 <a:cs typeface="Courier"/>
               </a:rPr>
-              <a:t>(</a:t>
+              <a:t> = T, </a:t>
             </a:r>
             <a:r>
               <a:rPr lang="en-US" sz="2000" dirty="0" err="1">
                 <a:latin typeface="Courier"/>
                 <a:cs typeface="Courier"/>
               </a:rPr>
-              <a:t>ht</a:t>
+              <a:t>tip.color</a:t>
             </a:r>
             <a:r>
               <a:rPr lang="en-US" sz="2000" dirty="0">
                 <a:latin typeface="Courier"/>
                 <a:cs typeface="Courier"/>
               </a:rPr>
-              <a:t>, </a:t>
-            </a:r>
-            <a:r>
-              <a:rPr lang="en-US" sz="2000" dirty="0" err="1">
-                <a:latin typeface="Courier"/>
-                <a:cs typeface="Courier"/>
-              </a:rPr>
-              <a:t>cex</a:t>
-            </a:r>
-            <a:r>
-              <a:rPr lang="en-US" sz="2000" dirty="0">
-                <a:latin typeface="Courier"/>
-                <a:cs typeface="Courier"/>
-              </a:rPr>
               <a:t> = </a:t>
-            </a:r>
-            <a:r>
-              <a:rPr lang="en-US" sz="2000" dirty="0" smtClean="0">
-                <a:latin typeface="Courier"/>
-                <a:cs typeface="Courier"/>
-              </a:rPr>
-              <a:t>0.2, </a:t>
-            </a:r>
-            <a:r>
-              <a:rPr lang="en-US" sz="2000" dirty="0">
-                <a:latin typeface="Courier"/>
-                <a:cs typeface="Courier"/>
-              </a:rPr>
-              <a:t>type = "radial", </a:t>
-            </a:r>
-            <a:r>
-              <a:rPr lang="en-US" sz="2000" dirty="0" err="1">
-                <a:latin typeface="Courier"/>
-                <a:cs typeface="Courier"/>
-              </a:rPr>
-              <a:t>no.margin</a:t>
-            </a:r>
-            <a:r>
-              <a:rPr lang="en-US" sz="2000" dirty="0">
-                <a:latin typeface="Courier"/>
-                <a:cs typeface="Courier"/>
-              </a:rPr>
-              <a:t> = T, </a:t>
-            </a:r>
-            <a:r>
-              <a:rPr lang="en-US" sz="2000" dirty="0" err="1" smtClean="0">
-                <a:latin typeface="Courier"/>
-                <a:cs typeface="Courier"/>
-              </a:rPr>
-              <a:t>tip.color</a:t>
-            </a:r>
-            <a:r>
-              <a:rPr lang="en-US" sz="2000" dirty="0" smtClean="0">
-                <a:latin typeface="Courier"/>
-                <a:cs typeface="Courier"/>
-              </a:rPr>
-              <a:t> </a:t>
-            </a:r>
-            <a:r>
-              <a:rPr lang="en-US" sz="2000" dirty="0">
-                <a:latin typeface="Courier"/>
-                <a:cs typeface="Courier"/>
-              </a:rPr>
-              <a:t>= </a:t>
             </a:r>
             <a:r>
               <a:rPr lang="en-US" sz="2000" dirty="0" err="1">
@@ -8391,13 +7867,6 @@
   <p:clrMapOvr>
     <a:masterClrMapping/>
   </p:clrMapOvr>
-  <p:timing>
-    <p:tnLst>
-      <p:par>
-        <p:cTn xmlns:p14="http://schemas.microsoft.com/office/powerpoint/2010/main" id="1" dur="indefinite" restart="never" nodeType="tmRoot"/>
-      </p:par>
-    </p:tnLst>
-  </p:timing>
 </p:sld>
 </file>
 
